--- a/presentations/chapter-1/Practical Web Dev.pptx
+++ b/presentations/chapter-1/Practical Web Dev.pptx
@@ -5,7 +5,7 @@
     <p:sldMasterId id="2147483648" r:id="rId1"/>
   </p:sldMasterIdLst>
   <p:notesMasterIdLst>
-    <p:notesMasterId r:id="rId22"/>
+    <p:notesMasterId r:id="rId23"/>
   </p:notesMasterIdLst>
   <p:sldIdLst>
     <p:sldId id="381" r:id="rId2"/>
@@ -28,6 +28,7 @@
     <p:sldId id="405" r:id="rId19"/>
     <p:sldId id="406" r:id="rId20"/>
     <p:sldId id="407" r:id="rId21"/>
+    <p:sldId id="408" r:id="rId22"/>
   </p:sldIdLst>
   <p:sldSz cx="12192000" cy="6858000"/>
   <p:notesSz cx="6858000" cy="9144000"/>
@@ -155,6 +156,7 @@
             <p14:sldId id="405"/>
             <p14:sldId id="406"/>
             <p14:sldId id="407"/>
+            <p14:sldId id="408"/>
           </p14:sldIdLst>
         </p14:section>
       </p14:sectionLst>
@@ -259,7 +261,7 @@
           <a:p>
             <a:fld id="{B53C1D94-E0DD-4250-8C1B-3D8C3DA9B2B6}" type="datetimeFigureOut">
               <a:rPr lang="he-IL" smtClean="0"/>
-              <a:t>כ"ח/אייר/תשע"ט</a:t>
+              <a:t>י"ט/תמוז/תשע"ט</a:t>
             </a:fld>
             <a:endParaRPr lang="he-IL"/>
           </a:p>
@@ -2995,6 +2997,134 @@
 </p:notes>
 </file>
 
+<file path=ppt/notesSlides/notesSlide21.xml><?xml version="1.0" encoding="utf-8"?>
+<p:notes xmlns:a="http://schemas.openxmlformats.org/drawingml/2006/main" xmlns:r="http://schemas.openxmlformats.org/officeDocument/2006/relationships" xmlns:p="http://schemas.openxmlformats.org/presentationml/2006/main">
+  <p:cSld>
+    <p:spTree>
+      <p:nvGrpSpPr>
+        <p:cNvPr id="1" name=""/>
+        <p:cNvGrpSpPr/>
+        <p:nvPr/>
+      </p:nvGrpSpPr>
+      <p:grpSpPr>
+        <a:xfrm>
+          <a:off x="0" y="0"/>
+          <a:ext cx="0" cy="0"/>
+          <a:chOff x="0" y="0"/>
+          <a:chExt cx="0" cy="0"/>
+        </a:xfrm>
+      </p:grpSpPr>
+      <p:sp>
+        <p:nvSpPr>
+          <p:cNvPr id="2" name="Slide Image Placeholder 1"/>
+          <p:cNvSpPr>
+            <a:spLocks noGrp="1" noRot="1" noChangeAspect="1"/>
+          </p:cNvSpPr>
+          <p:nvPr>
+            <p:ph type="sldImg"/>
+          </p:nvPr>
+        </p:nvSpPr>
+        <p:spPr/>
+      </p:sp>
+      <p:sp>
+        <p:nvSpPr>
+          <p:cNvPr id="3" name="Notes Placeholder 2"/>
+          <p:cNvSpPr>
+            <a:spLocks noGrp="1"/>
+          </p:cNvSpPr>
+          <p:nvPr>
+            <p:ph type="body" idx="1"/>
+          </p:nvPr>
+        </p:nvSpPr>
+        <p:spPr/>
+        <p:txBody>
+          <a:bodyPr/>
+          <a:lstStyle/>
+          <a:p>
+            <a:pPr marL="0" marR="0" lvl="0" indent="0" algn="l" defTabSz="914400" rtl="0" eaLnBrk="1" fontAlgn="auto" latinLnBrk="0" hangingPunct="1">
+              <a:lnSpc>
+                <a:spcPct val="100000"/>
+              </a:lnSpc>
+              <a:spcBef>
+                <a:spcPts val="0"/>
+              </a:spcBef>
+              <a:spcAft>
+                <a:spcPts val="0"/>
+              </a:spcAft>
+              <a:buClrTx/>
+              <a:buSzTx/>
+              <a:buFontTx/>
+              <a:buNone/>
+              <a:tabLst/>
+              <a:defRPr/>
+            </a:pPr>
+            <a:r>
+              <a:rPr lang="en-US" b="0" dirty="0"/>
+              <a:t>Create empty project </a:t>
+            </a:r>
+            <a:r>
+              <a:rPr lang="en-US" b="0"/>
+              <a:t>in angular</a:t>
+            </a:r>
+          </a:p>
+          <a:p>
+            <a:pPr marL="0" marR="0" lvl="0" indent="0" algn="l" defTabSz="914400" rtl="0" eaLnBrk="1" fontAlgn="auto" latinLnBrk="0" hangingPunct="1">
+              <a:lnSpc>
+                <a:spcPct val="100000"/>
+              </a:lnSpc>
+              <a:spcBef>
+                <a:spcPts val="0"/>
+              </a:spcBef>
+              <a:spcAft>
+                <a:spcPts val="0"/>
+              </a:spcAft>
+              <a:buClrTx/>
+              <a:buSzTx/>
+              <a:buFontTx/>
+              <a:buNone/>
+              <a:tabLst/>
+              <a:defRPr/>
+            </a:pPr>
+            <a:endParaRPr lang="en-US" b="0" dirty="0"/>
+          </a:p>
+        </p:txBody>
+      </p:sp>
+      <p:sp>
+        <p:nvSpPr>
+          <p:cNvPr id="4" name="Slide Number Placeholder 3"/>
+          <p:cNvSpPr>
+            <a:spLocks noGrp="1"/>
+          </p:cNvSpPr>
+          <p:nvPr>
+            <p:ph type="sldNum" sz="quarter" idx="10"/>
+          </p:nvPr>
+        </p:nvSpPr>
+        <p:spPr/>
+        <p:txBody>
+          <a:bodyPr/>
+          <a:lstStyle/>
+          <a:p>
+            <a:fld id="{595D0871-5AD0-4670-BDA8-FBE649F625DD}" type="slidenum">
+              <a:rPr lang="he-IL" smtClean="0"/>
+              <a:t>21</a:t>
+            </a:fld>
+            <a:endParaRPr lang="he-IL"/>
+          </a:p>
+        </p:txBody>
+      </p:sp>
+    </p:spTree>
+    <p:extLst>
+      <p:ext uri="{BB962C8B-B14F-4D97-AF65-F5344CB8AC3E}">
+        <p14:creationId xmlns:p14="http://schemas.microsoft.com/office/powerpoint/2010/main" val="1101244517"/>
+      </p:ext>
+    </p:extLst>
+  </p:cSld>
+  <p:clrMapOvr>
+    <a:masterClrMapping/>
+  </p:clrMapOvr>
+</p:notes>
+</file>
+
 <file path=ppt/notesSlides/notesSlide3.xml><?xml version="1.0" encoding="utf-8"?>
 <p:notes xmlns:a="http://schemas.openxmlformats.org/drawingml/2006/main" xmlns:r="http://schemas.openxmlformats.org/officeDocument/2006/relationships" xmlns:p="http://schemas.openxmlformats.org/presentationml/2006/main">
   <p:cSld>
@@ -4356,7 +4486,7 @@
           <a:p>
             <a:fld id="{F472E424-CC75-4448-A1B5-6FCA6BFEE599}" type="datetimeFigureOut">
               <a:rPr lang="he-IL" smtClean="0"/>
-              <a:t>כ"ח/אייר/תשע"ט</a:t>
+              <a:t>י"ט/תמוז/תשע"ט</a:t>
             </a:fld>
             <a:endParaRPr lang="he-IL"/>
           </a:p>
@@ -4524,7 +4654,7 @@
           <a:p>
             <a:fld id="{F472E424-CC75-4448-A1B5-6FCA6BFEE599}" type="datetimeFigureOut">
               <a:rPr lang="he-IL" smtClean="0"/>
-              <a:t>כ"ח/אייר/תשע"ט</a:t>
+              <a:t>י"ט/תמוז/תשע"ט</a:t>
             </a:fld>
             <a:endParaRPr lang="he-IL"/>
           </a:p>
@@ -4702,7 +4832,7 @@
           <a:p>
             <a:fld id="{F472E424-CC75-4448-A1B5-6FCA6BFEE599}" type="datetimeFigureOut">
               <a:rPr lang="he-IL" smtClean="0"/>
-              <a:t>כ"ח/אייר/תשע"ט</a:t>
+              <a:t>י"ט/תמוז/תשע"ט</a:t>
             </a:fld>
             <a:endParaRPr lang="he-IL"/>
           </a:p>
@@ -4870,7 +5000,7 @@
           <a:p>
             <a:fld id="{F472E424-CC75-4448-A1B5-6FCA6BFEE599}" type="datetimeFigureOut">
               <a:rPr lang="he-IL" smtClean="0"/>
-              <a:t>כ"ח/אייר/תשע"ט</a:t>
+              <a:t>י"ט/תמוז/תשע"ט</a:t>
             </a:fld>
             <a:endParaRPr lang="he-IL"/>
           </a:p>
@@ -5115,7 +5245,7 @@
           <a:p>
             <a:fld id="{F472E424-CC75-4448-A1B5-6FCA6BFEE599}" type="datetimeFigureOut">
               <a:rPr lang="he-IL" smtClean="0"/>
-              <a:t>כ"ח/אייר/תשע"ט</a:t>
+              <a:t>י"ט/תמוז/תשע"ט</a:t>
             </a:fld>
             <a:endParaRPr lang="he-IL"/>
           </a:p>
@@ -5344,7 +5474,7 @@
           <a:p>
             <a:fld id="{F472E424-CC75-4448-A1B5-6FCA6BFEE599}" type="datetimeFigureOut">
               <a:rPr lang="he-IL" smtClean="0"/>
-              <a:t>כ"ח/אייר/תשע"ט</a:t>
+              <a:t>י"ט/תמוז/תשע"ט</a:t>
             </a:fld>
             <a:endParaRPr lang="he-IL"/>
           </a:p>
@@ -5708,7 +5838,7 @@
           <a:p>
             <a:fld id="{F472E424-CC75-4448-A1B5-6FCA6BFEE599}" type="datetimeFigureOut">
               <a:rPr lang="he-IL" smtClean="0"/>
-              <a:t>כ"ח/אייר/תשע"ט</a:t>
+              <a:t>י"ט/תמוז/תשע"ט</a:t>
             </a:fld>
             <a:endParaRPr lang="he-IL"/>
           </a:p>
@@ -5825,7 +5955,7 @@
           <a:p>
             <a:fld id="{F472E424-CC75-4448-A1B5-6FCA6BFEE599}" type="datetimeFigureOut">
               <a:rPr lang="he-IL" smtClean="0"/>
-              <a:t>כ"ח/אייר/תשע"ט</a:t>
+              <a:t>י"ט/תמוז/תשע"ט</a:t>
             </a:fld>
             <a:endParaRPr lang="he-IL"/>
           </a:p>
@@ -5920,7 +6050,7 @@
           <a:p>
             <a:fld id="{F472E424-CC75-4448-A1B5-6FCA6BFEE599}" type="datetimeFigureOut">
               <a:rPr lang="he-IL" smtClean="0"/>
-              <a:t>כ"ח/אייר/תשע"ט</a:t>
+              <a:t>י"ט/תמוז/תשע"ט</a:t>
             </a:fld>
             <a:endParaRPr lang="he-IL"/>
           </a:p>
@@ -6195,7 +6325,7 @@
           <a:p>
             <a:fld id="{F472E424-CC75-4448-A1B5-6FCA6BFEE599}" type="datetimeFigureOut">
               <a:rPr lang="he-IL" smtClean="0"/>
-              <a:t>כ"ח/אייר/תשע"ט</a:t>
+              <a:t>י"ט/תמוז/תשע"ט</a:t>
             </a:fld>
             <a:endParaRPr lang="he-IL"/>
           </a:p>
@@ -6447,7 +6577,7 @@
           <a:p>
             <a:fld id="{F472E424-CC75-4448-A1B5-6FCA6BFEE599}" type="datetimeFigureOut">
               <a:rPr lang="he-IL" smtClean="0"/>
-              <a:t>כ"ח/אייר/תשע"ט</a:t>
+              <a:t>י"ט/תמוז/תשע"ט</a:t>
             </a:fld>
             <a:endParaRPr lang="he-IL"/>
           </a:p>
@@ -6658,7 +6788,7 @@
           <a:p>
             <a:fld id="{F472E424-CC75-4448-A1B5-6FCA6BFEE599}" type="datetimeFigureOut">
               <a:rPr lang="he-IL" smtClean="0"/>
-              <a:t>כ"ח/אייר/תשע"ט</a:t>
+              <a:t>י"ט/תמוז/תשע"ט</a:t>
             </a:fld>
             <a:endParaRPr lang="he-IL"/>
           </a:p>
@@ -8743,6 +8873,136 @@
     <p:extLst>
       <p:ext uri="{BB962C8B-B14F-4D97-AF65-F5344CB8AC3E}">
         <p14:creationId xmlns:p14="http://schemas.microsoft.com/office/powerpoint/2010/main" val="3990985172"/>
+      </p:ext>
+    </p:extLst>
+  </p:cSld>
+  <p:clrMapOvr>
+    <a:masterClrMapping/>
+  </p:clrMapOvr>
+  <mc:AlternateContent xmlns:mc="http://schemas.openxmlformats.org/markup-compatibility/2006" xmlns:p14="http://schemas.microsoft.com/office/powerpoint/2010/main">
+    <mc:Choice Requires="p14">
+      <p:transition spd="med" p14:dur="700">
+        <p:fade/>
+      </p:transition>
+    </mc:Choice>
+    <mc:Fallback xmlns="">
+      <p:transition xmlns:p14="http://schemas.microsoft.com/office/powerpoint/2010/main" spd="med">
+        <p:fade/>
+      </p:transition>
+    </mc:Fallback>
+  </mc:AlternateContent>
+</p:sld>
+</file>
+
+<file path=ppt/slides/slide21.xml><?xml version="1.0" encoding="utf-8"?>
+<p:sld xmlns:a="http://schemas.openxmlformats.org/drawingml/2006/main" xmlns:r="http://schemas.openxmlformats.org/officeDocument/2006/relationships" xmlns:p="http://schemas.openxmlformats.org/presentationml/2006/main">
+  <p:cSld>
+    <p:spTree>
+      <p:nvGrpSpPr>
+        <p:cNvPr id="1" name=""/>
+        <p:cNvGrpSpPr/>
+        <p:nvPr/>
+      </p:nvGrpSpPr>
+      <p:grpSpPr>
+        <a:xfrm>
+          <a:off x="0" y="0"/>
+          <a:ext cx="0" cy="0"/>
+          <a:chOff x="0" y="0"/>
+          <a:chExt cx="0" cy="0"/>
+        </a:xfrm>
+      </p:grpSpPr>
+      <p:sp>
+        <p:nvSpPr>
+          <p:cNvPr id="6" name="Rectangle 5"/>
+          <p:cNvSpPr/>
+          <p:nvPr/>
+        </p:nvSpPr>
+        <p:spPr>
+          <a:xfrm>
+            <a:off x="-215115" y="0"/>
+            <a:ext cx="12407115" cy="6858000"/>
+          </a:xfrm>
+          <a:prstGeom prst="rect">
+            <a:avLst/>
+          </a:prstGeom>
+          <a:solidFill>
+            <a:schemeClr val="accent6"/>
+          </a:solidFill>
+          <a:ln>
+            <a:noFill/>
+          </a:ln>
+        </p:spPr>
+        <p:style>
+          <a:lnRef idx="1">
+            <a:schemeClr val="accent1"/>
+          </a:lnRef>
+          <a:fillRef idx="3">
+            <a:schemeClr val="accent1"/>
+          </a:fillRef>
+          <a:effectRef idx="2">
+            <a:schemeClr val="accent1"/>
+          </a:effectRef>
+          <a:fontRef idx="minor">
+            <a:schemeClr val="lt1"/>
+          </a:fontRef>
+        </p:style>
+        <p:txBody>
+          <a:bodyPr rtlCol="0" anchor="ctr"/>
+          <a:lstStyle/>
+          <a:p>
+            <a:pPr algn="ctr"/>
+            <a:endParaRPr lang="en-US" sz="2400"/>
+          </a:p>
+        </p:txBody>
+      </p:sp>
+      <p:sp>
+        <p:nvSpPr>
+          <p:cNvPr id="24" name="Title 1"/>
+          <p:cNvSpPr>
+            <a:spLocks noGrp="1"/>
+          </p:cNvSpPr>
+          <p:nvPr>
+            <p:ph type="title"/>
+          </p:nvPr>
+        </p:nvSpPr>
+        <p:spPr>
+          <a:xfrm>
+            <a:off x="502042" y="1936377"/>
+            <a:ext cx="10972800" cy="2985246"/>
+          </a:xfrm>
+        </p:spPr>
+        <p:txBody>
+          <a:bodyPr>
+            <a:noAutofit/>
+          </a:bodyPr>
+          <a:lstStyle/>
+          <a:p>
+            <a:pPr algn="ctr" rtl="0" eaLnBrk="0" fontAlgn="base" hangingPunct="0">
+              <a:spcAft>
+                <a:spcPct val="0"/>
+              </a:spcAft>
+            </a:pPr>
+            <a:r>
+              <a:rPr lang="en-US" sz="6000" dirty="0">
+                <a:solidFill>
+                  <a:schemeClr val="bg1"/>
+                </a:solidFill>
+              </a:rPr>
+              <a:t>Hands-on</a:t>
+            </a:r>
+            <a:endParaRPr lang="en-US" altLang="en-US" sz="6000" b="1" dirty="0">
+              <a:solidFill>
+                <a:schemeClr val="bg1"/>
+              </a:solidFill>
+              <a:latin typeface="Calibri (Body)"/>
+            </a:endParaRPr>
+          </a:p>
+        </p:txBody>
+      </p:sp>
+    </p:spTree>
+    <p:extLst>
+      <p:ext uri="{BB962C8B-B14F-4D97-AF65-F5344CB8AC3E}">
+        <p14:creationId xmlns:p14="http://schemas.microsoft.com/office/powerpoint/2010/main" val="3739145710"/>
       </p:ext>
     </p:extLst>
   </p:cSld>

--- a/presentations/chapter-1/Practical Web Dev.pptx
+++ b/presentations/chapter-1/Practical Web Dev.pptx
@@ -261,7 +261,7 @@
           <a:p>
             <a:fld id="{B53C1D94-E0DD-4250-8C1B-3D8C3DA9B2B6}" type="datetimeFigureOut">
               <a:rPr lang="he-IL" smtClean="0"/>
-              <a:t>י"ט/תמוז/תשע"ט</a:t>
+              <a:t>כ"ב.תמוז.תשע"ט</a:t>
             </a:fld>
             <a:endParaRPr lang="he-IL"/>
           </a:p>
@@ -885,7 +885,29 @@
             </a:pPr>
             <a:r>
               <a:rPr lang="en-US" b="0" dirty="0"/>
-              <a:t>https://developer.mozilla.org/en-US/docs/Learn/CSS/Introduction_to_CSS/Cascade_and_inheritance#Source_order</a:t>
+              <a:t>https://developer.mozilla.org/en-US/docs/Learn/CSS/Introduction_to_CSS/</a:t>
+            </a:r>
+            <a:r>
+              <a:rPr lang="en-US" b="0" dirty="0" err="1"/>
+              <a:t>Cascade_and_inheritance#Source_order</a:t>
+            </a:r>
+            <a:endParaRPr lang="en-US" b="0" dirty="0"/>
+          </a:p>
+          <a:p>
+            <a:pPr marL="0" indent="0" algn="l" rtl="0">
+              <a:buFontTx/>
+              <a:buNone/>
+            </a:pPr>
+            <a:endParaRPr lang="en-US" b="0" dirty="0"/>
+          </a:p>
+          <a:p>
+            <a:pPr marL="0" indent="0" algn="l" rtl="0">
+              <a:buFontTx/>
+              <a:buNone/>
+            </a:pPr>
+            <a:r>
+              <a:rPr lang="en-US" b="0" dirty="0"/>
+              <a:t>Add example!</a:t>
             </a:r>
           </a:p>
         </p:txBody>
@@ -4486,7 +4508,7 @@
           <a:p>
             <a:fld id="{F472E424-CC75-4448-A1B5-6FCA6BFEE599}" type="datetimeFigureOut">
               <a:rPr lang="he-IL" smtClean="0"/>
-              <a:t>י"ט/תמוז/תשע"ט</a:t>
+              <a:t>כ"ב.תמוז.תשע"ט</a:t>
             </a:fld>
             <a:endParaRPr lang="he-IL"/>
           </a:p>
@@ -4654,7 +4676,7 @@
           <a:p>
             <a:fld id="{F472E424-CC75-4448-A1B5-6FCA6BFEE599}" type="datetimeFigureOut">
               <a:rPr lang="he-IL" smtClean="0"/>
-              <a:t>י"ט/תמוז/תשע"ט</a:t>
+              <a:t>כ"ב.תמוז.תשע"ט</a:t>
             </a:fld>
             <a:endParaRPr lang="he-IL"/>
           </a:p>
@@ -4832,7 +4854,7 @@
           <a:p>
             <a:fld id="{F472E424-CC75-4448-A1B5-6FCA6BFEE599}" type="datetimeFigureOut">
               <a:rPr lang="he-IL" smtClean="0"/>
-              <a:t>י"ט/תמוז/תשע"ט</a:t>
+              <a:t>כ"ב.תמוז.תשע"ט</a:t>
             </a:fld>
             <a:endParaRPr lang="he-IL"/>
           </a:p>
@@ -5000,7 +5022,7 @@
           <a:p>
             <a:fld id="{F472E424-CC75-4448-A1B5-6FCA6BFEE599}" type="datetimeFigureOut">
               <a:rPr lang="he-IL" smtClean="0"/>
-              <a:t>י"ט/תמוז/תשע"ט</a:t>
+              <a:t>כ"ב.תמוז.תשע"ט</a:t>
             </a:fld>
             <a:endParaRPr lang="he-IL"/>
           </a:p>
@@ -5245,7 +5267,7 @@
           <a:p>
             <a:fld id="{F472E424-CC75-4448-A1B5-6FCA6BFEE599}" type="datetimeFigureOut">
               <a:rPr lang="he-IL" smtClean="0"/>
-              <a:t>י"ט/תמוז/תשע"ט</a:t>
+              <a:t>כ"ב.תמוז.תשע"ט</a:t>
             </a:fld>
             <a:endParaRPr lang="he-IL"/>
           </a:p>
@@ -5474,7 +5496,7 @@
           <a:p>
             <a:fld id="{F472E424-CC75-4448-A1B5-6FCA6BFEE599}" type="datetimeFigureOut">
               <a:rPr lang="he-IL" smtClean="0"/>
-              <a:t>י"ט/תמוז/תשע"ט</a:t>
+              <a:t>כ"ב.תמוז.תשע"ט</a:t>
             </a:fld>
             <a:endParaRPr lang="he-IL"/>
           </a:p>
@@ -5838,7 +5860,7 @@
           <a:p>
             <a:fld id="{F472E424-CC75-4448-A1B5-6FCA6BFEE599}" type="datetimeFigureOut">
               <a:rPr lang="he-IL" smtClean="0"/>
-              <a:t>י"ט/תמוז/תשע"ט</a:t>
+              <a:t>כ"ב.תמוז.תשע"ט</a:t>
             </a:fld>
             <a:endParaRPr lang="he-IL"/>
           </a:p>
@@ -5955,7 +5977,7 @@
           <a:p>
             <a:fld id="{F472E424-CC75-4448-A1B5-6FCA6BFEE599}" type="datetimeFigureOut">
               <a:rPr lang="he-IL" smtClean="0"/>
-              <a:t>י"ט/תמוז/תשע"ט</a:t>
+              <a:t>כ"ב.תמוז.תשע"ט</a:t>
             </a:fld>
             <a:endParaRPr lang="he-IL"/>
           </a:p>
@@ -6050,7 +6072,7 @@
           <a:p>
             <a:fld id="{F472E424-CC75-4448-A1B5-6FCA6BFEE599}" type="datetimeFigureOut">
               <a:rPr lang="he-IL" smtClean="0"/>
-              <a:t>י"ט/תמוז/תשע"ט</a:t>
+              <a:t>כ"ב.תמוז.תשע"ט</a:t>
             </a:fld>
             <a:endParaRPr lang="he-IL"/>
           </a:p>
@@ -6325,7 +6347,7 @@
           <a:p>
             <a:fld id="{F472E424-CC75-4448-A1B5-6FCA6BFEE599}" type="datetimeFigureOut">
               <a:rPr lang="he-IL" smtClean="0"/>
-              <a:t>י"ט/תמוז/תשע"ט</a:t>
+              <a:t>כ"ב.תמוז.תשע"ט</a:t>
             </a:fld>
             <a:endParaRPr lang="he-IL"/>
           </a:p>
@@ -6577,7 +6599,7 @@
           <a:p>
             <a:fld id="{F472E424-CC75-4448-A1B5-6FCA6BFEE599}" type="datetimeFigureOut">
               <a:rPr lang="he-IL" smtClean="0"/>
-              <a:t>י"ט/תמוז/תשע"ט</a:t>
+              <a:t>כ"ב.תמוז.תשע"ט</a:t>
             </a:fld>
             <a:endParaRPr lang="he-IL"/>
           </a:p>
@@ -6788,7 +6810,7 @@
           <a:p>
             <a:fld id="{F472E424-CC75-4448-A1B5-6FCA6BFEE599}" type="datetimeFigureOut">
               <a:rPr lang="he-IL" smtClean="0"/>
-              <a:t>י"ט/תמוז/תשע"ט</a:t>
+              <a:t>כ"ב.תמוז.תשע"ט</a:t>
             </a:fld>
             <a:endParaRPr lang="he-IL"/>
           </a:p>

--- a/presentations/chapter-1/Practical Web Dev.pptx
+++ b/presentations/chapter-1/Practical Web Dev.pptx
@@ -280,7 +280,7 @@
           <a:p>
             <a:fld id="{B53C1D94-E0DD-4250-8C1B-3D8C3DA9B2B6}" type="datetimeFigureOut">
               <a:rPr lang="he-IL" smtClean="0"/>
-              <a:t>כ"ב/תמוז/תשע"ט</a:t>
+              <a:t>כ"א/אב/תשע"ט</a:t>
             </a:fld>
             <a:endParaRPr lang="he-IL"/>
           </a:p>
@@ -3039,7 +3039,7 @@
                 <a:ea typeface="+mn-ea"/>
                 <a:cs typeface="+mn-cs"/>
               </a:rPr>
-              <a:t>What will be the output?</a:t>
+              <a:t>What will be the out put?</a:t>
             </a:r>
             <a:br>
               <a:rPr lang="en-US" sz="1200" b="0" i="0" kern="1200" dirty="0">
@@ -4186,15 +4186,7 @@
             </a:pPr>
             <a:r>
               <a:rPr lang="en-US" b="0" dirty="0"/>
-              <a:t>In java for example we have string, </a:t>
-            </a:r>
-            <a:r>
-              <a:rPr lang="en-US" b="0" dirty="0" err="1"/>
-              <a:t>init</a:t>
-            </a:r>
-            <a:r>
-              <a:rPr lang="en-US" b="0" dirty="0"/>
-              <a:t>, double, etc.</a:t>
+              <a:t>In java for example we have string, int, double, etc.</a:t>
             </a:r>
           </a:p>
           <a:p>
@@ -6009,6 +6001,32 @@
             </a:r>
           </a:p>
           <a:p>
+            <a:pPr marL="171450" marR="0" lvl="0" indent="-171450" algn="l" defTabSz="914400" rtl="0" eaLnBrk="1" fontAlgn="auto" latinLnBrk="0" hangingPunct="1">
+              <a:lnSpc>
+                <a:spcPct val="100000"/>
+              </a:lnSpc>
+              <a:spcBef>
+                <a:spcPts val="0"/>
+              </a:spcBef>
+              <a:spcAft>
+                <a:spcPts val="0"/>
+              </a:spcAft>
+              <a:buClrTx/>
+              <a:buSzTx/>
+              <a:buFontTx/>
+              <a:buChar char="-"/>
+              <a:tabLst/>
+              <a:defRPr/>
+            </a:pPr>
+            <a:r>
+              <a:rPr lang="en-US" dirty="0">
+                <a:hlinkClick r:id="rId3"/>
+              </a:rPr>
+              <a:t>https://he.wikipedia.org/wiki/%D7%AA%D7%9B%D7%A0%D7%95%D7%AA_%D7%9E%D7%95%D7%A0%D7%97%D7%94-%D7%A2%D7%A6%D7%9E%D7%99%D7%9D</a:t>
+            </a:r>
+            <a:endParaRPr lang="en-US" b="0" dirty="0"/>
+          </a:p>
+          <a:p>
             <a:pPr marL="0" marR="0" lvl="0" indent="0" algn="l" defTabSz="914400" rtl="0" eaLnBrk="1" fontAlgn="auto" latinLnBrk="0" hangingPunct="1">
               <a:lnSpc>
                 <a:spcPct val="100000"/>
@@ -17631,7 +17649,30 @@
             </a:pPr>
             <a:r>
               <a:rPr lang="en-US" dirty="0"/>
-              <a:t>Scope in a programming language controls the visibility and lifetimes of variables and parameters. This is an important service to the programmer because it reduces naming collisions and provides automatic memory management: </a:t>
+              <a:t>Scope in a programming language controls the visibility and lifetimes of variables and parameters.</a:t>
+            </a:r>
+          </a:p>
+          <a:p>
+            <a:pPr marL="0" marR="0" lvl="0" indent="0" algn="l" defTabSz="914400" rtl="0" eaLnBrk="1" fontAlgn="auto" latinLnBrk="0" hangingPunct="1">
+              <a:lnSpc>
+                <a:spcPct val="100000"/>
+              </a:lnSpc>
+              <a:spcBef>
+                <a:spcPts val="0"/>
+              </a:spcBef>
+              <a:spcAft>
+                <a:spcPts val="0"/>
+              </a:spcAft>
+              <a:buClrTx/>
+              <a:buSzTx/>
+              <a:buFontTx/>
+              <a:buNone/>
+              <a:tabLst/>
+              <a:defRPr/>
+            </a:pPr>
+            <a:r>
+              <a:rPr lang="en-US" dirty="0"/>
+              <a:t>This is an important service to the programmer because it reduces naming collisions and provides automatic memory management: </a:t>
             </a:r>
           </a:p>
           <a:p>
@@ -18146,7 +18187,7 @@
           <a:p>
             <a:fld id="{F472E424-CC75-4448-A1B5-6FCA6BFEE599}" type="datetimeFigureOut">
               <a:rPr lang="he-IL" smtClean="0"/>
-              <a:t>כ"ב/תמוז/תשע"ט</a:t>
+              <a:t>כ"א/אב/תשע"ט</a:t>
             </a:fld>
             <a:endParaRPr lang="he-IL"/>
           </a:p>
@@ -18314,7 +18355,7 @@
           <a:p>
             <a:fld id="{F472E424-CC75-4448-A1B5-6FCA6BFEE599}" type="datetimeFigureOut">
               <a:rPr lang="he-IL" smtClean="0"/>
-              <a:t>כ"ב/תמוז/תשע"ט</a:t>
+              <a:t>כ"א/אב/תשע"ט</a:t>
             </a:fld>
             <a:endParaRPr lang="he-IL"/>
           </a:p>
@@ -18492,7 +18533,7 @@
           <a:p>
             <a:fld id="{F472E424-CC75-4448-A1B5-6FCA6BFEE599}" type="datetimeFigureOut">
               <a:rPr lang="he-IL" smtClean="0"/>
-              <a:t>כ"ב/תמוז/תשע"ט</a:t>
+              <a:t>כ"א/אב/תשע"ט</a:t>
             </a:fld>
             <a:endParaRPr lang="he-IL"/>
           </a:p>
@@ -18660,7 +18701,7 @@
           <a:p>
             <a:fld id="{F472E424-CC75-4448-A1B5-6FCA6BFEE599}" type="datetimeFigureOut">
               <a:rPr lang="he-IL" smtClean="0"/>
-              <a:t>כ"ב/תמוז/תשע"ט</a:t>
+              <a:t>כ"א/אב/תשע"ט</a:t>
             </a:fld>
             <a:endParaRPr lang="he-IL"/>
           </a:p>
@@ -18905,7 +18946,7 @@
           <a:p>
             <a:fld id="{F472E424-CC75-4448-A1B5-6FCA6BFEE599}" type="datetimeFigureOut">
               <a:rPr lang="he-IL" smtClean="0"/>
-              <a:t>כ"ב/תמוז/תשע"ט</a:t>
+              <a:t>כ"א/אב/תשע"ט</a:t>
             </a:fld>
             <a:endParaRPr lang="he-IL"/>
           </a:p>
@@ -19134,7 +19175,7 @@
           <a:p>
             <a:fld id="{F472E424-CC75-4448-A1B5-6FCA6BFEE599}" type="datetimeFigureOut">
               <a:rPr lang="he-IL" smtClean="0"/>
-              <a:t>כ"ב/תמוז/תשע"ט</a:t>
+              <a:t>כ"א/אב/תשע"ט</a:t>
             </a:fld>
             <a:endParaRPr lang="he-IL"/>
           </a:p>
@@ -19498,7 +19539,7 @@
           <a:p>
             <a:fld id="{F472E424-CC75-4448-A1B5-6FCA6BFEE599}" type="datetimeFigureOut">
               <a:rPr lang="he-IL" smtClean="0"/>
-              <a:t>כ"ב/תמוז/תשע"ט</a:t>
+              <a:t>כ"א/אב/תשע"ט</a:t>
             </a:fld>
             <a:endParaRPr lang="he-IL"/>
           </a:p>
@@ -19615,7 +19656,7 @@
           <a:p>
             <a:fld id="{F472E424-CC75-4448-A1B5-6FCA6BFEE599}" type="datetimeFigureOut">
               <a:rPr lang="he-IL" smtClean="0"/>
-              <a:t>כ"ב/תמוז/תשע"ט</a:t>
+              <a:t>כ"א/אב/תשע"ט</a:t>
             </a:fld>
             <a:endParaRPr lang="he-IL"/>
           </a:p>
@@ -19710,7 +19751,7 @@
           <a:p>
             <a:fld id="{F472E424-CC75-4448-A1B5-6FCA6BFEE599}" type="datetimeFigureOut">
               <a:rPr lang="he-IL" smtClean="0"/>
-              <a:t>כ"ב/תמוז/תשע"ט</a:t>
+              <a:t>כ"א/אב/תשע"ט</a:t>
             </a:fld>
             <a:endParaRPr lang="he-IL"/>
           </a:p>
@@ -19985,7 +20026,7 @@
           <a:p>
             <a:fld id="{F472E424-CC75-4448-A1B5-6FCA6BFEE599}" type="datetimeFigureOut">
               <a:rPr lang="he-IL" smtClean="0"/>
-              <a:t>כ"ב/תמוז/תשע"ט</a:t>
+              <a:t>כ"א/אב/תשע"ט</a:t>
             </a:fld>
             <a:endParaRPr lang="he-IL"/>
           </a:p>
@@ -20237,7 +20278,7 @@
           <a:p>
             <a:fld id="{F472E424-CC75-4448-A1B5-6FCA6BFEE599}" type="datetimeFigureOut">
               <a:rPr lang="he-IL" smtClean="0"/>
-              <a:t>כ"ב/תמוז/תשע"ט</a:t>
+              <a:t>כ"א/אב/תשע"ט</a:t>
             </a:fld>
             <a:endParaRPr lang="he-IL"/>
           </a:p>
@@ -20448,7 +20489,7 @@
           <a:p>
             <a:fld id="{F472E424-CC75-4448-A1B5-6FCA6BFEE599}" type="datetimeFigureOut">
               <a:rPr lang="he-IL" smtClean="0"/>
-              <a:t>כ"ב/תמוז/תשע"ט</a:t>
+              <a:t>כ"א/אב/תשע"ט</a:t>
             </a:fld>
             <a:endParaRPr lang="he-IL"/>
           </a:p>

--- a/presentations/chapter-1/Practical Web Dev.pptx
+++ b/presentations/chapter-1/Practical Web Dev.pptx
@@ -280,7 +280,7 @@
           <a:p>
             <a:fld id="{B53C1D94-E0DD-4250-8C1B-3D8C3DA9B2B6}" type="datetimeFigureOut">
               <a:rPr lang="he-IL" smtClean="0"/>
-              <a:t>כ"א/אב/תשע"ט</a:t>
+              <a:t>כ"ה/אב/תשע"ט</a:t>
             </a:fld>
             <a:endParaRPr lang="he-IL"/>
           </a:p>
@@ -12596,7 +12596,7 @@
             </a:pPr>
             <a:r>
               <a:rPr lang="en-US" sz="2400" dirty="0"/>
-              <a:t>There is another way buy using </a:t>
+              <a:t>There is another way by using </a:t>
             </a:r>
             <a:r>
               <a:rPr lang="en-US" sz="2400" dirty="0" err="1"/>
@@ -18187,7 +18187,7 @@
           <a:p>
             <a:fld id="{F472E424-CC75-4448-A1B5-6FCA6BFEE599}" type="datetimeFigureOut">
               <a:rPr lang="he-IL" smtClean="0"/>
-              <a:t>כ"א/אב/תשע"ט</a:t>
+              <a:t>כ"ה/אב/תשע"ט</a:t>
             </a:fld>
             <a:endParaRPr lang="he-IL"/>
           </a:p>
@@ -18355,7 +18355,7 @@
           <a:p>
             <a:fld id="{F472E424-CC75-4448-A1B5-6FCA6BFEE599}" type="datetimeFigureOut">
               <a:rPr lang="he-IL" smtClean="0"/>
-              <a:t>כ"א/אב/תשע"ט</a:t>
+              <a:t>כ"ה/אב/תשע"ט</a:t>
             </a:fld>
             <a:endParaRPr lang="he-IL"/>
           </a:p>
@@ -18533,7 +18533,7 @@
           <a:p>
             <a:fld id="{F472E424-CC75-4448-A1B5-6FCA6BFEE599}" type="datetimeFigureOut">
               <a:rPr lang="he-IL" smtClean="0"/>
-              <a:t>כ"א/אב/תשע"ט</a:t>
+              <a:t>כ"ה/אב/תשע"ט</a:t>
             </a:fld>
             <a:endParaRPr lang="he-IL"/>
           </a:p>
@@ -18701,7 +18701,7 @@
           <a:p>
             <a:fld id="{F472E424-CC75-4448-A1B5-6FCA6BFEE599}" type="datetimeFigureOut">
               <a:rPr lang="he-IL" smtClean="0"/>
-              <a:t>כ"א/אב/תשע"ט</a:t>
+              <a:t>כ"ה/אב/תשע"ט</a:t>
             </a:fld>
             <a:endParaRPr lang="he-IL"/>
           </a:p>
@@ -18946,7 +18946,7 @@
           <a:p>
             <a:fld id="{F472E424-CC75-4448-A1B5-6FCA6BFEE599}" type="datetimeFigureOut">
               <a:rPr lang="he-IL" smtClean="0"/>
-              <a:t>כ"א/אב/תשע"ט</a:t>
+              <a:t>כ"ה/אב/תשע"ט</a:t>
             </a:fld>
             <a:endParaRPr lang="he-IL"/>
           </a:p>
@@ -19175,7 +19175,7 @@
           <a:p>
             <a:fld id="{F472E424-CC75-4448-A1B5-6FCA6BFEE599}" type="datetimeFigureOut">
               <a:rPr lang="he-IL" smtClean="0"/>
-              <a:t>כ"א/אב/תשע"ט</a:t>
+              <a:t>כ"ה/אב/תשע"ט</a:t>
             </a:fld>
             <a:endParaRPr lang="he-IL"/>
           </a:p>
@@ -19539,7 +19539,7 @@
           <a:p>
             <a:fld id="{F472E424-CC75-4448-A1B5-6FCA6BFEE599}" type="datetimeFigureOut">
               <a:rPr lang="he-IL" smtClean="0"/>
-              <a:t>כ"א/אב/תשע"ט</a:t>
+              <a:t>כ"ה/אב/תשע"ט</a:t>
             </a:fld>
             <a:endParaRPr lang="he-IL"/>
           </a:p>
@@ -19656,7 +19656,7 @@
           <a:p>
             <a:fld id="{F472E424-CC75-4448-A1B5-6FCA6BFEE599}" type="datetimeFigureOut">
               <a:rPr lang="he-IL" smtClean="0"/>
-              <a:t>כ"א/אב/תשע"ט</a:t>
+              <a:t>כ"ה/אב/תשע"ט</a:t>
             </a:fld>
             <a:endParaRPr lang="he-IL"/>
           </a:p>
@@ -19751,7 +19751,7 @@
           <a:p>
             <a:fld id="{F472E424-CC75-4448-A1B5-6FCA6BFEE599}" type="datetimeFigureOut">
               <a:rPr lang="he-IL" smtClean="0"/>
-              <a:t>כ"א/אב/תשע"ט</a:t>
+              <a:t>כ"ה/אב/תשע"ט</a:t>
             </a:fld>
             <a:endParaRPr lang="he-IL"/>
           </a:p>
@@ -20026,7 +20026,7 @@
           <a:p>
             <a:fld id="{F472E424-CC75-4448-A1B5-6FCA6BFEE599}" type="datetimeFigureOut">
               <a:rPr lang="he-IL" smtClean="0"/>
-              <a:t>כ"א/אב/תשע"ט</a:t>
+              <a:t>כ"ה/אב/תשע"ט</a:t>
             </a:fld>
             <a:endParaRPr lang="he-IL"/>
           </a:p>
@@ -20278,7 +20278,7 @@
           <a:p>
             <a:fld id="{F472E424-CC75-4448-A1B5-6FCA6BFEE599}" type="datetimeFigureOut">
               <a:rPr lang="he-IL" smtClean="0"/>
-              <a:t>כ"א/אב/תשע"ט</a:t>
+              <a:t>כ"ה/אב/תשע"ט</a:t>
             </a:fld>
             <a:endParaRPr lang="he-IL"/>
           </a:p>
@@ -20489,7 +20489,7 @@
           <a:p>
             <a:fld id="{F472E424-CC75-4448-A1B5-6FCA6BFEE599}" type="datetimeFigureOut">
               <a:rPr lang="he-IL" smtClean="0"/>
-              <a:t>כ"א/אב/תשע"ט</a:t>
+              <a:t>כ"ה/אב/תשע"ט</a:t>
             </a:fld>
             <a:endParaRPr lang="he-IL"/>
           </a:p>

--- a/presentations/chapter-1/Practical Web Dev.pptx
+++ b/presentations/chapter-1/Practical Web Dev.pptx
@@ -280,7 +280,7 @@
           <a:p>
             <a:fld id="{B53C1D94-E0DD-4250-8C1B-3D8C3DA9B2B6}" type="datetimeFigureOut">
               <a:rPr lang="he-IL" smtClean="0"/>
-              <a:t>כ"ה/אב/תשע"ט</a:t>
+              <a:t>ד'/אלול/תשע"ט</a:t>
             </a:fld>
             <a:endParaRPr lang="he-IL"/>
           </a:p>
@@ -4062,6 +4062,255 @@
               <a:t>In function we have internal scope so it will behave same as before but just inside the function, if we will take a look at left side then message declaration will move to the top of function scope -&gt; then we will print message -&gt; assigning string to the message</a:t>
             </a:r>
           </a:p>
+          <a:p>
+            <a:pPr marL="0" marR="0" lvl="0" indent="0" algn="l" defTabSz="914400" rtl="0" eaLnBrk="1" fontAlgn="auto" latinLnBrk="0" hangingPunct="1">
+              <a:lnSpc>
+                <a:spcPct val="100000"/>
+              </a:lnSpc>
+              <a:spcBef>
+                <a:spcPts val="0"/>
+              </a:spcBef>
+              <a:spcAft>
+                <a:spcPts val="0"/>
+              </a:spcAft>
+              <a:buClrTx/>
+              <a:buSzTx/>
+              <a:buFontTx/>
+              <a:buNone/>
+              <a:tabLst/>
+              <a:defRPr/>
+            </a:pPr>
+            <a:endParaRPr lang="en-US" b="0" dirty="0"/>
+          </a:p>
+          <a:p>
+            <a:pPr marL="0" marR="0" lvl="0" indent="0" algn="l" defTabSz="914400" rtl="0" eaLnBrk="1" fontAlgn="auto" latinLnBrk="0" hangingPunct="1">
+              <a:lnSpc>
+                <a:spcPct val="100000"/>
+              </a:lnSpc>
+              <a:spcBef>
+                <a:spcPts val="0"/>
+              </a:spcBef>
+              <a:spcAft>
+                <a:spcPts val="0"/>
+              </a:spcAft>
+              <a:buClrTx/>
+              <a:buSzTx/>
+              <a:buFontTx/>
+              <a:buNone/>
+              <a:tabLst/>
+              <a:defRPr/>
+            </a:pPr>
+            <a:endParaRPr lang="en-US" b="0" dirty="0"/>
+          </a:p>
+          <a:p>
+            <a:pPr marL="0" marR="0" lvl="0" indent="0" algn="l" defTabSz="914400" rtl="0" eaLnBrk="1" fontAlgn="auto" latinLnBrk="0" hangingPunct="1">
+              <a:lnSpc>
+                <a:spcPct val="100000"/>
+              </a:lnSpc>
+              <a:spcBef>
+                <a:spcPts val="0"/>
+              </a:spcBef>
+              <a:spcAft>
+                <a:spcPts val="0"/>
+              </a:spcAft>
+              <a:buClrTx/>
+              <a:buSzTx/>
+              <a:buFontTx/>
+              <a:buNone/>
+              <a:tabLst/>
+              <a:defRPr/>
+            </a:pPr>
+            <a:r>
+              <a:rPr lang="en-US" b="0" dirty="0"/>
+              <a:t>Hoisting does not exist:</a:t>
+            </a:r>
+            <a:endParaRPr lang="en-US" dirty="0"/>
+          </a:p>
+          <a:p>
+            <a:pPr marL="0" marR="0" lvl="0" indent="0" algn="l" defTabSz="914400" rtl="0" eaLnBrk="1" fontAlgn="auto" latinLnBrk="0" hangingPunct="1">
+              <a:lnSpc>
+                <a:spcPct val="100000"/>
+              </a:lnSpc>
+              <a:spcBef>
+                <a:spcPts val="0"/>
+              </a:spcBef>
+              <a:spcAft>
+                <a:spcPts val="0"/>
+              </a:spcAft>
+              <a:buClrTx/>
+              <a:buSzTx/>
+              <a:buFontTx/>
+              <a:buNone/>
+              <a:tabLst/>
+              <a:defRPr/>
+            </a:pPr>
+            <a:r>
+              <a:rPr lang="en-US" sz="1200" b="0" i="0" kern="1200" dirty="0">
+                <a:solidFill>
+                  <a:schemeClr val="tx1"/>
+                </a:solidFill>
+                <a:effectLst/>
+                <a:latin typeface="+mn-lt"/>
+                <a:ea typeface="+mn-ea"/>
+                <a:cs typeface="+mn-cs"/>
+              </a:rPr>
+              <a:t>What is “Hoisting” in JavaScript? According to the </a:t>
+            </a:r>
+            <a:r>
+              <a:rPr lang="en-US" sz="1200" b="1" i="0" u="none" strike="noStrike" kern="1200" dirty="0">
+                <a:solidFill>
+                  <a:schemeClr val="tx1"/>
+                </a:solidFill>
+                <a:effectLst/>
+                <a:latin typeface="+mn-lt"/>
+                <a:ea typeface="+mn-ea"/>
+                <a:cs typeface="+mn-cs"/>
+                <a:hlinkClick r:id="rId3"/>
+              </a:rPr>
+              <a:t>ECMAScript</a:t>
+            </a:r>
+            <a:r>
+              <a:rPr lang="en-US" sz="1200" b="0" i="0" kern="1200" dirty="0">
+                <a:solidFill>
+                  <a:schemeClr val="tx1"/>
+                </a:solidFill>
+                <a:effectLst/>
+                <a:latin typeface="+mn-lt"/>
+                <a:ea typeface="+mn-ea"/>
+                <a:cs typeface="+mn-cs"/>
+              </a:rPr>
+              <a:t> Spec:</a:t>
+            </a:r>
+            <a:endParaRPr lang="en-US" dirty="0"/>
+          </a:p>
+          <a:p>
+            <a:pPr marL="0" marR="0" lvl="0" indent="0" algn="l" defTabSz="914400" rtl="0" eaLnBrk="1" fontAlgn="auto" latinLnBrk="0" hangingPunct="1">
+              <a:lnSpc>
+                <a:spcPct val="100000"/>
+              </a:lnSpc>
+              <a:spcBef>
+                <a:spcPts val="0"/>
+              </a:spcBef>
+              <a:spcAft>
+                <a:spcPts val="0"/>
+              </a:spcAft>
+              <a:buClrTx/>
+              <a:buSzTx/>
+              <a:buFontTx/>
+              <a:buNone/>
+              <a:tabLst/>
+              <a:defRPr/>
+            </a:pPr>
+            <a:r>
+              <a:rPr lang="en-US">
+                <a:hlinkClick r:id="rId4"/>
+              </a:rPr>
+              <a:t>https://medium.com/nmc-techblog/what-is-hoisting-in-javascript-bf73980d9dac</a:t>
+            </a:r>
+            <a:endParaRPr lang="en-US"/>
+          </a:p>
+          <a:p>
+            <a:pPr marL="0" marR="0" lvl="0" indent="0" algn="l" defTabSz="914400" rtl="0" eaLnBrk="1" fontAlgn="auto" latinLnBrk="0" hangingPunct="1">
+              <a:lnSpc>
+                <a:spcPct val="100000"/>
+              </a:lnSpc>
+              <a:spcBef>
+                <a:spcPts val="0"/>
+              </a:spcBef>
+              <a:spcAft>
+                <a:spcPts val="0"/>
+              </a:spcAft>
+              <a:buClrTx/>
+              <a:buSzTx/>
+              <a:buFontTx/>
+              <a:buNone/>
+              <a:tabLst/>
+              <a:defRPr/>
+            </a:pPr>
+            <a:endParaRPr lang="en-US" b="0" dirty="0"/>
+          </a:p>
+          <a:p>
+            <a:pPr marL="0" marR="0" lvl="0" indent="0" algn="l" defTabSz="914400" rtl="0" eaLnBrk="1" fontAlgn="auto" latinLnBrk="0" hangingPunct="1">
+              <a:lnSpc>
+                <a:spcPct val="100000"/>
+              </a:lnSpc>
+              <a:spcBef>
+                <a:spcPts val="0"/>
+              </a:spcBef>
+              <a:spcAft>
+                <a:spcPts val="0"/>
+              </a:spcAft>
+              <a:buClrTx/>
+              <a:buSzTx/>
+              <a:buFontTx/>
+              <a:buNone/>
+              <a:tabLst/>
+              <a:defRPr/>
+            </a:pPr>
+            <a:r>
+              <a:rPr lang="en-US" sz="1200" b="0" i="0" kern="1200" dirty="0">
+                <a:solidFill>
+                  <a:schemeClr val="tx1"/>
+                </a:solidFill>
+                <a:effectLst/>
+                <a:latin typeface="+mn-lt"/>
+                <a:ea typeface="+mn-ea"/>
+                <a:cs typeface="+mn-cs"/>
+              </a:rPr>
+              <a:t>Advanced JavaScript ES6 — Temporal Dead Zone, </a:t>
+            </a:r>
+            <a:r>
+              <a:rPr lang="en-US" sz="1200" b="1" i="0" kern="1200" dirty="0">
+                <a:solidFill>
+                  <a:schemeClr val="tx1"/>
+                </a:solidFill>
+                <a:effectLst/>
+                <a:latin typeface="+mn-lt"/>
+                <a:ea typeface="+mn-ea"/>
+                <a:cs typeface="+mn-cs"/>
+              </a:rPr>
+              <a:t>Default Parameters And Le</a:t>
+            </a:r>
+            <a:r>
+              <a:rPr lang="en-US" sz="1200" b="0" i="0" kern="1200" dirty="0">
+                <a:solidFill>
+                  <a:schemeClr val="tx1"/>
+                </a:solidFill>
+                <a:effectLst/>
+                <a:latin typeface="+mn-lt"/>
+                <a:ea typeface="+mn-ea"/>
+                <a:cs typeface="+mn-cs"/>
+              </a:rPr>
+              <a:t>t vs Var — Deep dive!:</a:t>
+            </a:r>
+            <a:endParaRPr lang="en-US" b="0" dirty="0"/>
+          </a:p>
+          <a:p>
+            <a:pPr marL="0" marR="0" lvl="0" indent="0" algn="l" defTabSz="914400" rtl="0" eaLnBrk="1" fontAlgn="auto" latinLnBrk="0" hangingPunct="1">
+              <a:lnSpc>
+                <a:spcPct val="100000"/>
+              </a:lnSpc>
+              <a:spcBef>
+                <a:spcPts val="0"/>
+              </a:spcBef>
+              <a:spcAft>
+                <a:spcPts val="0"/>
+              </a:spcAft>
+              <a:buClrTx/>
+              <a:buSzTx/>
+              <a:buFontTx/>
+              <a:buNone/>
+              <a:tabLst/>
+              <a:defRPr/>
+            </a:pPr>
+            <a:r>
+              <a:rPr lang="en-US" dirty="0">
+                <a:hlinkClick r:id="rId5"/>
+              </a:rPr>
+              <a:t>https://medium.com/nmc-techblog/advanced-javascript-es6-temporal-dead-zone-default-parameters-and-let-vs-var-deep-dive-ca588fcde21b</a:t>
+            </a:r>
+            <a:endParaRPr lang="en-US" b="0" dirty="0"/>
+          </a:p>
         </p:txBody>
       </p:sp>
       <p:sp>
@@ -18187,7 +18436,7 @@
           <a:p>
             <a:fld id="{F472E424-CC75-4448-A1B5-6FCA6BFEE599}" type="datetimeFigureOut">
               <a:rPr lang="he-IL" smtClean="0"/>
-              <a:t>כ"ה/אב/תשע"ט</a:t>
+              <a:t>ד'/אלול/תשע"ט</a:t>
             </a:fld>
             <a:endParaRPr lang="he-IL"/>
           </a:p>
@@ -18355,7 +18604,7 @@
           <a:p>
             <a:fld id="{F472E424-CC75-4448-A1B5-6FCA6BFEE599}" type="datetimeFigureOut">
               <a:rPr lang="he-IL" smtClean="0"/>
-              <a:t>כ"ה/אב/תשע"ט</a:t>
+              <a:t>ד'/אלול/תשע"ט</a:t>
             </a:fld>
             <a:endParaRPr lang="he-IL"/>
           </a:p>
@@ -18533,7 +18782,7 @@
           <a:p>
             <a:fld id="{F472E424-CC75-4448-A1B5-6FCA6BFEE599}" type="datetimeFigureOut">
               <a:rPr lang="he-IL" smtClean="0"/>
-              <a:t>כ"ה/אב/תשע"ט</a:t>
+              <a:t>ד'/אלול/תשע"ט</a:t>
             </a:fld>
             <a:endParaRPr lang="he-IL"/>
           </a:p>
@@ -18701,7 +18950,7 @@
           <a:p>
             <a:fld id="{F472E424-CC75-4448-A1B5-6FCA6BFEE599}" type="datetimeFigureOut">
               <a:rPr lang="he-IL" smtClean="0"/>
-              <a:t>כ"ה/אב/תשע"ט</a:t>
+              <a:t>ד'/אלול/תשע"ט</a:t>
             </a:fld>
             <a:endParaRPr lang="he-IL"/>
           </a:p>
@@ -18946,7 +19195,7 @@
           <a:p>
             <a:fld id="{F472E424-CC75-4448-A1B5-6FCA6BFEE599}" type="datetimeFigureOut">
               <a:rPr lang="he-IL" smtClean="0"/>
-              <a:t>כ"ה/אב/תשע"ט</a:t>
+              <a:t>ד'/אלול/תשע"ט</a:t>
             </a:fld>
             <a:endParaRPr lang="he-IL"/>
           </a:p>
@@ -19175,7 +19424,7 @@
           <a:p>
             <a:fld id="{F472E424-CC75-4448-A1B5-6FCA6BFEE599}" type="datetimeFigureOut">
               <a:rPr lang="he-IL" smtClean="0"/>
-              <a:t>כ"ה/אב/תשע"ט</a:t>
+              <a:t>ד'/אלול/תשע"ט</a:t>
             </a:fld>
             <a:endParaRPr lang="he-IL"/>
           </a:p>
@@ -19539,7 +19788,7 @@
           <a:p>
             <a:fld id="{F472E424-CC75-4448-A1B5-6FCA6BFEE599}" type="datetimeFigureOut">
               <a:rPr lang="he-IL" smtClean="0"/>
-              <a:t>כ"ה/אב/תשע"ט</a:t>
+              <a:t>ד'/אלול/תשע"ט</a:t>
             </a:fld>
             <a:endParaRPr lang="he-IL"/>
           </a:p>
@@ -19656,7 +19905,7 @@
           <a:p>
             <a:fld id="{F472E424-CC75-4448-A1B5-6FCA6BFEE599}" type="datetimeFigureOut">
               <a:rPr lang="he-IL" smtClean="0"/>
-              <a:t>כ"ה/אב/תשע"ט</a:t>
+              <a:t>ד'/אלול/תשע"ט</a:t>
             </a:fld>
             <a:endParaRPr lang="he-IL"/>
           </a:p>
@@ -19751,7 +20000,7 @@
           <a:p>
             <a:fld id="{F472E424-CC75-4448-A1B5-6FCA6BFEE599}" type="datetimeFigureOut">
               <a:rPr lang="he-IL" smtClean="0"/>
-              <a:t>כ"ה/אב/תשע"ט</a:t>
+              <a:t>ד'/אלול/תשע"ט</a:t>
             </a:fld>
             <a:endParaRPr lang="he-IL"/>
           </a:p>
@@ -20026,7 +20275,7 @@
           <a:p>
             <a:fld id="{F472E424-CC75-4448-A1B5-6FCA6BFEE599}" type="datetimeFigureOut">
               <a:rPr lang="he-IL" smtClean="0"/>
-              <a:t>כ"ה/אב/תשע"ט</a:t>
+              <a:t>ד'/אלול/תשע"ט</a:t>
             </a:fld>
             <a:endParaRPr lang="he-IL"/>
           </a:p>
@@ -20278,7 +20527,7 @@
           <a:p>
             <a:fld id="{F472E424-CC75-4448-A1B5-6FCA6BFEE599}" type="datetimeFigureOut">
               <a:rPr lang="he-IL" smtClean="0"/>
-              <a:t>כ"ה/אב/תשע"ט</a:t>
+              <a:t>ד'/אלול/תשע"ט</a:t>
             </a:fld>
             <a:endParaRPr lang="he-IL"/>
           </a:p>
@@ -20489,7 +20738,7 @@
           <a:p>
             <a:fld id="{F472E424-CC75-4448-A1B5-6FCA6BFEE599}" type="datetimeFigureOut">
               <a:rPr lang="he-IL" smtClean="0"/>
-              <a:t>כ"ה/אב/תשע"ט</a:t>
+              <a:t>ד'/אלול/תשע"ט</a:t>
             </a:fld>
             <a:endParaRPr lang="he-IL"/>
           </a:p>

--- a/presentations/chapter-1/Practical Web Dev.pptx
+++ b/presentations/chapter-1/Practical Web Dev.pptx
@@ -280,7 +280,7 @@
           <a:p>
             <a:fld id="{B53C1D94-E0DD-4250-8C1B-3D8C3DA9B2B6}" type="datetimeFigureOut">
               <a:rPr lang="he-IL" smtClean="0"/>
-              <a:t>ד'/אלול/תשע"ט</a:t>
+              <a:t>ה'/אלול/תשע"ט</a:t>
             </a:fld>
             <a:endParaRPr lang="he-IL"/>
           </a:p>
@@ -6313,6 +6313,38 @@
               <a:tabLst/>
               <a:defRPr/>
             </a:pPr>
+            <a:r>
+              <a:rPr lang="en-US" dirty="0">
+                <a:hlinkClick r:id="rId4"/>
+              </a:rPr>
+              <a:t>http://vlib.eitan.ac.il/cplusplus/index2.htm</a:t>
+            </a:r>
+            <a:endParaRPr lang="en-US" dirty="0"/>
+          </a:p>
+          <a:p>
+            <a:pPr marL="0" marR="0" lvl="0" indent="0" algn="l" defTabSz="914400" rtl="0" eaLnBrk="1" fontAlgn="auto" latinLnBrk="0" hangingPunct="1">
+              <a:lnSpc>
+                <a:spcPct val="100000"/>
+              </a:lnSpc>
+              <a:spcBef>
+                <a:spcPts val="0"/>
+              </a:spcBef>
+              <a:spcAft>
+                <a:spcPts val="0"/>
+              </a:spcAft>
+              <a:buClrTx/>
+              <a:buSzTx/>
+              <a:buFontTx/>
+              <a:buNone/>
+              <a:tabLst/>
+              <a:defRPr/>
+            </a:pPr>
+            <a:r>
+              <a:rPr lang="en-US">
+                <a:hlinkClick r:id="rId3"/>
+              </a:rPr>
+              <a:t>https://he.wikipedia.org/wiki/%D7%AA%D7%9B%D7%A0%D7%95%D7%AA_%D7%9E%D7%95%D7%A0%D7%97%D7%94-%D7%A2%D7%A6%D7%9E%D7%99%D7%9D</a:t>
+            </a:r>
             <a:endParaRPr lang="en-US" b="0" dirty="0"/>
           </a:p>
         </p:txBody>
@@ -18436,7 +18468,7 @@
           <a:p>
             <a:fld id="{F472E424-CC75-4448-A1B5-6FCA6BFEE599}" type="datetimeFigureOut">
               <a:rPr lang="he-IL" smtClean="0"/>
-              <a:t>ד'/אלול/תשע"ט</a:t>
+              <a:t>ה'/אלול/תשע"ט</a:t>
             </a:fld>
             <a:endParaRPr lang="he-IL"/>
           </a:p>
@@ -18604,7 +18636,7 @@
           <a:p>
             <a:fld id="{F472E424-CC75-4448-A1B5-6FCA6BFEE599}" type="datetimeFigureOut">
               <a:rPr lang="he-IL" smtClean="0"/>
-              <a:t>ד'/אלול/תשע"ט</a:t>
+              <a:t>ה'/אלול/תשע"ט</a:t>
             </a:fld>
             <a:endParaRPr lang="he-IL"/>
           </a:p>
@@ -18782,7 +18814,7 @@
           <a:p>
             <a:fld id="{F472E424-CC75-4448-A1B5-6FCA6BFEE599}" type="datetimeFigureOut">
               <a:rPr lang="he-IL" smtClean="0"/>
-              <a:t>ד'/אלול/תשע"ט</a:t>
+              <a:t>ה'/אלול/תשע"ט</a:t>
             </a:fld>
             <a:endParaRPr lang="he-IL"/>
           </a:p>
@@ -18950,7 +18982,7 @@
           <a:p>
             <a:fld id="{F472E424-CC75-4448-A1B5-6FCA6BFEE599}" type="datetimeFigureOut">
               <a:rPr lang="he-IL" smtClean="0"/>
-              <a:t>ד'/אלול/תשע"ט</a:t>
+              <a:t>ה'/אלול/תשע"ט</a:t>
             </a:fld>
             <a:endParaRPr lang="he-IL"/>
           </a:p>
@@ -19195,7 +19227,7 @@
           <a:p>
             <a:fld id="{F472E424-CC75-4448-A1B5-6FCA6BFEE599}" type="datetimeFigureOut">
               <a:rPr lang="he-IL" smtClean="0"/>
-              <a:t>ד'/אלול/תשע"ט</a:t>
+              <a:t>ה'/אלול/תשע"ט</a:t>
             </a:fld>
             <a:endParaRPr lang="he-IL"/>
           </a:p>
@@ -19424,7 +19456,7 @@
           <a:p>
             <a:fld id="{F472E424-CC75-4448-A1B5-6FCA6BFEE599}" type="datetimeFigureOut">
               <a:rPr lang="he-IL" smtClean="0"/>
-              <a:t>ד'/אלול/תשע"ט</a:t>
+              <a:t>ה'/אלול/תשע"ט</a:t>
             </a:fld>
             <a:endParaRPr lang="he-IL"/>
           </a:p>
@@ -19788,7 +19820,7 @@
           <a:p>
             <a:fld id="{F472E424-CC75-4448-A1B5-6FCA6BFEE599}" type="datetimeFigureOut">
               <a:rPr lang="he-IL" smtClean="0"/>
-              <a:t>ד'/אלול/תשע"ט</a:t>
+              <a:t>ה'/אלול/תשע"ט</a:t>
             </a:fld>
             <a:endParaRPr lang="he-IL"/>
           </a:p>
@@ -19905,7 +19937,7 @@
           <a:p>
             <a:fld id="{F472E424-CC75-4448-A1B5-6FCA6BFEE599}" type="datetimeFigureOut">
               <a:rPr lang="he-IL" smtClean="0"/>
-              <a:t>ד'/אלול/תשע"ט</a:t>
+              <a:t>ה'/אלול/תשע"ט</a:t>
             </a:fld>
             <a:endParaRPr lang="he-IL"/>
           </a:p>
@@ -20000,7 +20032,7 @@
           <a:p>
             <a:fld id="{F472E424-CC75-4448-A1B5-6FCA6BFEE599}" type="datetimeFigureOut">
               <a:rPr lang="he-IL" smtClean="0"/>
-              <a:t>ד'/אלול/תשע"ט</a:t>
+              <a:t>ה'/אלול/תשע"ט</a:t>
             </a:fld>
             <a:endParaRPr lang="he-IL"/>
           </a:p>
@@ -20275,7 +20307,7 @@
           <a:p>
             <a:fld id="{F472E424-CC75-4448-A1B5-6FCA6BFEE599}" type="datetimeFigureOut">
               <a:rPr lang="he-IL" smtClean="0"/>
-              <a:t>ד'/אלול/תשע"ט</a:t>
+              <a:t>ה'/אלול/תשע"ט</a:t>
             </a:fld>
             <a:endParaRPr lang="he-IL"/>
           </a:p>
@@ -20527,7 +20559,7 @@
           <a:p>
             <a:fld id="{F472E424-CC75-4448-A1B5-6FCA6BFEE599}" type="datetimeFigureOut">
               <a:rPr lang="he-IL" smtClean="0"/>
-              <a:t>ד'/אלול/תשע"ט</a:t>
+              <a:t>ה'/אלול/תשע"ט</a:t>
             </a:fld>
             <a:endParaRPr lang="he-IL"/>
           </a:p>
@@ -20738,7 +20770,7 @@
           <a:p>
             <a:fld id="{F472E424-CC75-4448-A1B5-6FCA6BFEE599}" type="datetimeFigureOut">
               <a:rPr lang="he-IL" smtClean="0"/>
-              <a:t>ד'/אלול/תשע"ט</a:t>
+              <a:t>ה'/אלול/תשע"ט</a:t>
             </a:fld>
             <a:endParaRPr lang="he-IL"/>
           </a:p>

--- a/presentations/chapter-1/Practical Web Dev.pptx
+++ b/presentations/chapter-1/Practical Web Dev.pptx
@@ -282,7 +282,7 @@
           <a:p>
             <a:fld id="{B53C1D94-E0DD-4250-8C1B-3D8C3DA9B2B6}" type="datetimeFigureOut">
               <a:rPr lang="he-IL" smtClean="0"/>
-              <a:t>י"א/אלול/תשע"ט</a:t>
+              <a:t>כ"ט/כסלו/תש"פ</a:t>
             </a:fld>
             <a:endParaRPr lang="he-IL"/>
           </a:p>
@@ -4336,12 +4336,12 @@
               <a:defRPr/>
             </a:pPr>
             <a:r>
-              <a:rPr lang="en-US">
+              <a:rPr lang="en-US" dirty="0">
                 <a:hlinkClick r:id="rId4"/>
               </a:rPr>
               <a:t>https://medium.com/nmc-techblog/what-is-hoisting-in-javascript-bf73980d9dac</a:t>
             </a:r>
-            <a:endParaRPr lang="en-US"/>
+            <a:endParaRPr lang="en-US" dirty="0"/>
           </a:p>
           <a:p>
             <a:pPr marL="0" marR="0" lvl="0" indent="0" algn="l" defTabSz="914400" rtl="0" eaLnBrk="1" fontAlgn="auto" latinLnBrk="0" hangingPunct="1">
@@ -8390,6 +8390,73 @@
             </a:pPr>
             <a:r>
               <a:rPr lang="en-US" dirty="0"/>
+              <a:t>Tells the browser to run in strict mode and not </a:t>
+            </a:r>
+            <a:r>
+              <a:rPr lang="en-US" sz="1200" b="0" i="0" kern="1200" dirty="0" err="1">
+                <a:solidFill>
+                  <a:schemeClr val="tx1"/>
+                </a:solidFill>
+                <a:effectLst/>
+                <a:latin typeface="+mn-lt"/>
+                <a:ea typeface="+mn-ea"/>
+                <a:cs typeface="+mn-cs"/>
+              </a:rPr>
+              <a:t>sloopy</a:t>
+            </a:r>
+            <a:r>
+              <a:rPr lang="en-US" sz="1200" b="0" i="0" kern="1200">
+                <a:solidFill>
+                  <a:schemeClr val="tx1"/>
+                </a:solidFill>
+                <a:effectLst/>
+                <a:latin typeface="+mn-lt"/>
+                <a:ea typeface="+mn-ea"/>
+                <a:cs typeface="+mn-cs"/>
+              </a:rPr>
+              <a:t> mode</a:t>
+            </a:r>
+          </a:p>
+          <a:p>
+            <a:pPr marL="0" marR="0" lvl="0" indent="0" algn="l" defTabSz="914400" rtl="0" eaLnBrk="1" fontAlgn="auto" latinLnBrk="0" hangingPunct="1">
+              <a:lnSpc>
+                <a:spcPct val="100000"/>
+              </a:lnSpc>
+              <a:spcBef>
+                <a:spcPts val="0"/>
+              </a:spcBef>
+              <a:spcAft>
+                <a:spcPts val="0"/>
+              </a:spcAft>
+              <a:buClrTx/>
+              <a:buSzTx/>
+              <a:buFontTx/>
+              <a:buNone/>
+              <a:tabLst/>
+              <a:defRPr/>
+            </a:pPr>
+            <a:endParaRPr lang="en-US" dirty="0"/>
+          </a:p>
+          <a:p>
+            <a:pPr marL="0" marR="0" lvl="0" indent="0" algn="l" defTabSz="914400" rtl="0" eaLnBrk="1" fontAlgn="auto" latinLnBrk="0" hangingPunct="1">
+              <a:lnSpc>
+                <a:spcPct val="100000"/>
+              </a:lnSpc>
+              <a:spcBef>
+                <a:spcPts val="0"/>
+              </a:spcBef>
+              <a:spcAft>
+                <a:spcPts val="0"/>
+              </a:spcAft>
+              <a:buClrTx/>
+              <a:buSzTx/>
+              <a:buFontTx/>
+              <a:buNone/>
+              <a:tabLst/>
+              <a:defRPr/>
+            </a:pPr>
+            <a:r>
+              <a:rPr lang="en-US" dirty="0"/>
               <a:t>"use strict";</a:t>
             </a:r>
             <a:r>
@@ -18689,7 +18756,7 @@
           <a:p>
             <a:fld id="{F472E424-CC75-4448-A1B5-6FCA6BFEE599}" type="datetimeFigureOut">
               <a:rPr lang="he-IL" smtClean="0"/>
-              <a:t>י"א/אלול/תשע"ט</a:t>
+              <a:t>כ"ט/כסלו/תש"פ</a:t>
             </a:fld>
             <a:endParaRPr lang="he-IL"/>
           </a:p>
@@ -18857,7 +18924,7 @@
           <a:p>
             <a:fld id="{F472E424-CC75-4448-A1B5-6FCA6BFEE599}" type="datetimeFigureOut">
               <a:rPr lang="he-IL" smtClean="0"/>
-              <a:t>י"א/אלול/תשע"ט</a:t>
+              <a:t>כ"ט/כסלו/תש"פ</a:t>
             </a:fld>
             <a:endParaRPr lang="he-IL"/>
           </a:p>
@@ -19035,7 +19102,7 @@
           <a:p>
             <a:fld id="{F472E424-CC75-4448-A1B5-6FCA6BFEE599}" type="datetimeFigureOut">
               <a:rPr lang="he-IL" smtClean="0"/>
-              <a:t>י"א/אלול/תשע"ט</a:t>
+              <a:t>כ"ט/כסלו/תש"פ</a:t>
             </a:fld>
             <a:endParaRPr lang="he-IL"/>
           </a:p>
@@ -19203,7 +19270,7 @@
           <a:p>
             <a:fld id="{F472E424-CC75-4448-A1B5-6FCA6BFEE599}" type="datetimeFigureOut">
               <a:rPr lang="he-IL" smtClean="0"/>
-              <a:t>י"א/אלול/תשע"ט</a:t>
+              <a:t>כ"ט/כסלו/תש"פ</a:t>
             </a:fld>
             <a:endParaRPr lang="he-IL"/>
           </a:p>
@@ -19448,7 +19515,7 @@
           <a:p>
             <a:fld id="{F472E424-CC75-4448-A1B5-6FCA6BFEE599}" type="datetimeFigureOut">
               <a:rPr lang="he-IL" smtClean="0"/>
-              <a:t>י"א/אלול/תשע"ט</a:t>
+              <a:t>כ"ט/כסלו/תש"פ</a:t>
             </a:fld>
             <a:endParaRPr lang="he-IL"/>
           </a:p>
@@ -19677,7 +19744,7 @@
           <a:p>
             <a:fld id="{F472E424-CC75-4448-A1B5-6FCA6BFEE599}" type="datetimeFigureOut">
               <a:rPr lang="he-IL" smtClean="0"/>
-              <a:t>י"א/אלול/תשע"ט</a:t>
+              <a:t>כ"ט/כסלו/תש"פ</a:t>
             </a:fld>
             <a:endParaRPr lang="he-IL"/>
           </a:p>
@@ -20041,7 +20108,7 @@
           <a:p>
             <a:fld id="{F472E424-CC75-4448-A1B5-6FCA6BFEE599}" type="datetimeFigureOut">
               <a:rPr lang="he-IL" smtClean="0"/>
-              <a:t>י"א/אלול/תשע"ט</a:t>
+              <a:t>כ"ט/כסלו/תש"פ</a:t>
             </a:fld>
             <a:endParaRPr lang="he-IL"/>
           </a:p>
@@ -20158,7 +20225,7 @@
           <a:p>
             <a:fld id="{F472E424-CC75-4448-A1B5-6FCA6BFEE599}" type="datetimeFigureOut">
               <a:rPr lang="he-IL" smtClean="0"/>
-              <a:t>י"א/אלול/תשע"ט</a:t>
+              <a:t>כ"ט/כסלו/תש"פ</a:t>
             </a:fld>
             <a:endParaRPr lang="he-IL"/>
           </a:p>
@@ -20253,7 +20320,7 @@
           <a:p>
             <a:fld id="{F472E424-CC75-4448-A1B5-6FCA6BFEE599}" type="datetimeFigureOut">
               <a:rPr lang="he-IL" smtClean="0"/>
-              <a:t>י"א/אלול/תשע"ט</a:t>
+              <a:t>כ"ט/כסלו/תש"פ</a:t>
             </a:fld>
             <a:endParaRPr lang="he-IL"/>
           </a:p>
@@ -20528,7 +20595,7 @@
           <a:p>
             <a:fld id="{F472E424-CC75-4448-A1B5-6FCA6BFEE599}" type="datetimeFigureOut">
               <a:rPr lang="he-IL" smtClean="0"/>
-              <a:t>י"א/אלול/תשע"ט</a:t>
+              <a:t>כ"ט/כסלו/תש"פ</a:t>
             </a:fld>
             <a:endParaRPr lang="he-IL"/>
           </a:p>
@@ -20780,7 +20847,7 @@
           <a:p>
             <a:fld id="{F472E424-CC75-4448-A1B5-6FCA6BFEE599}" type="datetimeFigureOut">
               <a:rPr lang="he-IL" smtClean="0"/>
-              <a:t>י"א/אלול/תשע"ט</a:t>
+              <a:t>כ"ט/כסלו/תש"פ</a:t>
             </a:fld>
             <a:endParaRPr lang="he-IL"/>
           </a:p>
@@ -20991,7 +21058,7 @@
           <a:p>
             <a:fld id="{F472E424-CC75-4448-A1B5-6FCA6BFEE599}" type="datetimeFigureOut">
               <a:rPr lang="he-IL" smtClean="0"/>
-              <a:t>י"א/אלול/תשע"ט</a:t>
+              <a:t>כ"ט/כסלו/תש"פ</a:t>
             </a:fld>
             <a:endParaRPr lang="he-IL"/>
           </a:p>

--- a/presentations/chapter-1/Practical Web Dev.pptx
+++ b/presentations/chapter-1/Practical Web Dev.pptx
@@ -5,7 +5,7 @@
     <p:sldMasterId id="2147483648" r:id="rId1"/>
   </p:sldMasterIdLst>
   <p:notesMasterIdLst>
-    <p:notesMasterId r:id="rId34"/>
+    <p:notesMasterId r:id="rId35"/>
   </p:notesMasterIdLst>
   <p:sldIdLst>
     <p:sldId id="408" r:id="rId2"/>
@@ -37,9 +37,10 @@
     <p:sldId id="434" r:id="rId28"/>
     <p:sldId id="435" r:id="rId29"/>
     <p:sldId id="440" r:id="rId30"/>
-    <p:sldId id="439" r:id="rId31"/>
-    <p:sldId id="437" r:id="rId32"/>
-    <p:sldId id="441" r:id="rId33"/>
+    <p:sldId id="443" r:id="rId31"/>
+    <p:sldId id="439" r:id="rId32"/>
+    <p:sldId id="437" r:id="rId33"/>
+    <p:sldId id="441" r:id="rId34"/>
   </p:sldIdLst>
   <p:sldSz cx="12192000" cy="6858000"/>
   <p:notesSz cx="6858000" cy="9144000"/>
@@ -175,6 +176,7 @@
             <p14:sldId id="434"/>
             <p14:sldId id="435"/>
             <p14:sldId id="440"/>
+            <p14:sldId id="443"/>
             <p14:sldId id="439"/>
             <p14:sldId id="437"/>
             <p14:sldId id="441"/>
@@ -12768,634 +12770,6 @@
           <a:bodyPr/>
           <a:lstStyle/>
           <a:p>
-            <a:pPr marL="0" marR="0" lvl="0" indent="0" algn="l" defTabSz="914400" rtl="0" eaLnBrk="1" fontAlgn="auto" latinLnBrk="0" hangingPunct="1">
-              <a:lnSpc>
-                <a:spcPct val="100000"/>
-              </a:lnSpc>
-              <a:spcBef>
-                <a:spcPts val="0"/>
-              </a:spcBef>
-              <a:spcAft>
-                <a:spcPts val="0"/>
-              </a:spcAft>
-              <a:buClrTx/>
-              <a:buSzTx/>
-              <a:buFontTx/>
-              <a:buNone/>
-              <a:tabLst/>
-              <a:defRPr/>
-            </a:pPr>
-            <a:r>
-              <a:rPr lang="en-US" sz="2400" dirty="0"/>
-              <a:t>Inheritance is an important topic in most programming languages.</a:t>
-            </a:r>
-          </a:p>
-          <a:p>
-            <a:pPr marL="0" marR="0" lvl="0" indent="0" algn="l" defTabSz="914400" rtl="0" eaLnBrk="1" fontAlgn="auto" latinLnBrk="0" hangingPunct="1">
-              <a:lnSpc>
-                <a:spcPct val="100000"/>
-              </a:lnSpc>
-              <a:spcBef>
-                <a:spcPts val="0"/>
-              </a:spcBef>
-              <a:spcAft>
-                <a:spcPts val="0"/>
-              </a:spcAft>
-              <a:buClrTx/>
-              <a:buSzTx/>
-              <a:buFontTx/>
-              <a:buNone/>
-              <a:tabLst/>
-              <a:defRPr/>
-            </a:pPr>
-            <a:r>
-              <a:rPr lang="en-US" sz="1200" b="0" i="0" kern="1200" dirty="0">
-                <a:solidFill>
-                  <a:schemeClr val="tx1"/>
-                </a:solidFill>
-                <a:effectLst/>
-                <a:latin typeface="+mn-lt"/>
-                <a:ea typeface="+mn-ea"/>
-                <a:cs typeface="+mn-cs"/>
-              </a:rPr>
-              <a:t>Implementing inheritance will permit us to inherit functionality from parent Class so that we can easily reuse code in our application and extend the functionality of objects. Objects can make use of their inherited functionalities and still have their own specialized functionalities.</a:t>
-            </a:r>
-          </a:p>
-          <a:p>
-            <a:pPr marL="0" marR="0" lvl="0" indent="0" algn="l" defTabSz="914400" rtl="0" eaLnBrk="1" fontAlgn="auto" latinLnBrk="0" hangingPunct="1">
-              <a:lnSpc>
-                <a:spcPct val="100000"/>
-              </a:lnSpc>
-              <a:spcBef>
-                <a:spcPts val="0"/>
-              </a:spcBef>
-              <a:spcAft>
-                <a:spcPts val="0"/>
-              </a:spcAft>
-              <a:buClrTx/>
-              <a:buSzTx/>
-              <a:buFontTx/>
-              <a:buNone/>
-              <a:tabLst/>
-              <a:defRPr/>
-            </a:pPr>
-            <a:endParaRPr lang="en-US" sz="1200" b="0" i="0" kern="1200" dirty="0">
-              <a:solidFill>
-                <a:schemeClr val="tx1"/>
-              </a:solidFill>
-              <a:effectLst/>
-              <a:latin typeface="+mn-lt"/>
-              <a:ea typeface="+mn-ea"/>
-              <a:cs typeface="+mn-cs"/>
-            </a:endParaRPr>
-          </a:p>
-          <a:p>
-            <a:pPr marL="0" marR="0" lvl="0" indent="0" algn="l" defTabSz="914400" rtl="0" eaLnBrk="1" fontAlgn="auto" latinLnBrk="0" hangingPunct="1">
-              <a:lnSpc>
-                <a:spcPct val="100000"/>
-              </a:lnSpc>
-              <a:spcBef>
-                <a:spcPts val="0"/>
-              </a:spcBef>
-              <a:spcAft>
-                <a:spcPts val="0"/>
-              </a:spcAft>
-              <a:buClrTx/>
-              <a:buSzTx/>
-              <a:buFontTx/>
-              <a:buNone/>
-              <a:tabLst/>
-              <a:defRPr/>
-            </a:pPr>
-            <a:r>
-              <a:rPr lang="en-US" sz="2400" dirty="0"/>
-              <a:t>How can we inherit in JS?</a:t>
-            </a:r>
-          </a:p>
-          <a:p>
-            <a:pPr marL="0" marR="0" lvl="0" indent="0" algn="l" defTabSz="914400" rtl="0" eaLnBrk="1" fontAlgn="auto" latinLnBrk="0" hangingPunct="1">
-              <a:lnSpc>
-                <a:spcPct val="100000"/>
-              </a:lnSpc>
-              <a:spcBef>
-                <a:spcPts val="0"/>
-              </a:spcBef>
-              <a:spcAft>
-                <a:spcPts val="0"/>
-              </a:spcAft>
-              <a:buClrTx/>
-              <a:buSzTx/>
-              <a:buFontTx/>
-              <a:buNone/>
-              <a:tabLst/>
-              <a:defRPr/>
-            </a:pPr>
-            <a:r>
-              <a:rPr lang="en-US" sz="2400" dirty="0"/>
-              <a:t>Thru prototype.</a:t>
-            </a:r>
-          </a:p>
-          <a:p>
-            <a:pPr marL="0" marR="0" lvl="0" indent="0" algn="l" defTabSz="914400" rtl="0" eaLnBrk="1" fontAlgn="auto" latinLnBrk="0" hangingPunct="1">
-              <a:lnSpc>
-                <a:spcPct val="100000"/>
-              </a:lnSpc>
-              <a:spcBef>
-                <a:spcPts val="0"/>
-              </a:spcBef>
-              <a:spcAft>
-                <a:spcPts val="0"/>
-              </a:spcAft>
-              <a:buClrTx/>
-              <a:buSzTx/>
-              <a:buFontTx/>
-              <a:buNone/>
-              <a:tabLst/>
-              <a:defRPr/>
-            </a:pPr>
-            <a:endParaRPr lang="en-US" sz="2400" dirty="0"/>
-          </a:p>
-          <a:p>
-            <a:pPr marL="0" marR="0" lvl="0" indent="0" algn="l" defTabSz="914400" rtl="0" eaLnBrk="1" fontAlgn="auto" latinLnBrk="0" hangingPunct="1">
-              <a:lnSpc>
-                <a:spcPct val="100000"/>
-              </a:lnSpc>
-              <a:spcBef>
-                <a:spcPts val="0"/>
-              </a:spcBef>
-              <a:spcAft>
-                <a:spcPts val="0"/>
-              </a:spcAft>
-              <a:buClrTx/>
-              <a:buSzTx/>
-              <a:buFontTx/>
-              <a:buNone/>
-              <a:tabLst/>
-              <a:defRPr/>
-            </a:pPr>
-            <a:r>
-              <a:rPr lang="en-US" sz="2400" dirty="0"/>
-              <a:t>Let see an example,</a:t>
-            </a:r>
-          </a:p>
-          <a:p>
-            <a:pPr marL="0" marR="0" lvl="0" indent="0" algn="l" defTabSz="914400" rtl="0" eaLnBrk="1" fontAlgn="auto" latinLnBrk="0" hangingPunct="1">
-              <a:lnSpc>
-                <a:spcPct val="100000"/>
-              </a:lnSpc>
-              <a:spcBef>
-                <a:spcPts val="0"/>
-              </a:spcBef>
-              <a:spcAft>
-                <a:spcPts val="0"/>
-              </a:spcAft>
-              <a:buClrTx/>
-              <a:buSzTx/>
-              <a:buFontTx/>
-              <a:buNone/>
-              <a:tabLst/>
-              <a:defRPr/>
-            </a:pPr>
-            <a:r>
-              <a:rPr lang="en-US" sz="2400" dirty="0"/>
-              <a:t>We have Mammal class, it have </a:t>
-            </a:r>
-            <a:r>
-              <a:rPr lang="en-US" sz="2400" dirty="0" err="1"/>
-              <a:t>getName</a:t>
-            </a:r>
-            <a:r>
-              <a:rPr lang="en-US" sz="2400" dirty="0"/>
-              <a:t> and says function,</a:t>
-            </a:r>
-          </a:p>
-          <a:p>
-            <a:pPr marL="0" marR="0" lvl="0" indent="0" algn="l" defTabSz="914400" rtl="0" eaLnBrk="1" fontAlgn="auto" latinLnBrk="0" hangingPunct="1">
-              <a:lnSpc>
-                <a:spcPct val="100000"/>
-              </a:lnSpc>
-              <a:spcBef>
-                <a:spcPts val="0"/>
-              </a:spcBef>
-              <a:spcAft>
-                <a:spcPts val="0"/>
-              </a:spcAft>
-              <a:buClrTx/>
-              <a:buSzTx/>
-              <a:buFontTx/>
-              <a:buNone/>
-              <a:tabLst/>
-              <a:defRPr/>
-            </a:pPr>
-            <a:r>
-              <a:rPr lang="en-US" sz="2400" dirty="0"/>
-              <a:t>We also have Cat class, but Cat is a mammal so we want to inherit his properties and functionalities,</a:t>
-            </a:r>
-          </a:p>
-          <a:p>
-            <a:pPr marL="0" marR="0" lvl="0" indent="0" algn="l" defTabSz="914400" rtl="0" eaLnBrk="1" fontAlgn="auto" latinLnBrk="0" hangingPunct="1">
-              <a:lnSpc>
-                <a:spcPct val="100000"/>
-              </a:lnSpc>
-              <a:spcBef>
-                <a:spcPts val="0"/>
-              </a:spcBef>
-              <a:spcAft>
-                <a:spcPts val="0"/>
-              </a:spcAft>
-              <a:buClrTx/>
-              <a:buSzTx/>
-              <a:buFontTx/>
-              <a:buNone/>
-              <a:tabLst/>
-              <a:defRPr/>
-            </a:pPr>
-            <a:endParaRPr lang="en-US" sz="2400" dirty="0"/>
-          </a:p>
-          <a:p>
-            <a:pPr marL="0" marR="0" lvl="0" indent="0" algn="l" defTabSz="914400" rtl="0" eaLnBrk="1" fontAlgn="auto" latinLnBrk="0" hangingPunct="1">
-              <a:lnSpc>
-                <a:spcPct val="100000"/>
-              </a:lnSpc>
-              <a:spcBef>
-                <a:spcPts val="0"/>
-              </a:spcBef>
-              <a:spcAft>
-                <a:spcPts val="0"/>
-              </a:spcAft>
-              <a:buClrTx/>
-              <a:buSzTx/>
-              <a:buFontTx/>
-              <a:buNone/>
-              <a:tabLst/>
-              <a:defRPr/>
-            </a:pPr>
-            <a:r>
-              <a:rPr lang="en-US" sz="2400" dirty="0"/>
-              <a:t>How can we do that?</a:t>
-            </a:r>
-          </a:p>
-          <a:p>
-            <a:pPr marL="457200" marR="0" lvl="0" indent="-457200" algn="l" defTabSz="914400" rtl="0" eaLnBrk="1" fontAlgn="auto" latinLnBrk="0" hangingPunct="1">
-              <a:lnSpc>
-                <a:spcPct val="100000"/>
-              </a:lnSpc>
-              <a:spcBef>
-                <a:spcPts val="0"/>
-              </a:spcBef>
-              <a:spcAft>
-                <a:spcPts val="0"/>
-              </a:spcAft>
-              <a:buClrTx/>
-              <a:buSzTx/>
-              <a:buFontTx/>
-              <a:buAutoNum type="arabicParenR"/>
-              <a:tabLst/>
-              <a:defRPr/>
-            </a:pPr>
-            <a:r>
-              <a:rPr lang="en-US" sz="2400" dirty="0"/>
-              <a:t>By new keyword and assigning the result on Cat prototype.</a:t>
-            </a:r>
-          </a:p>
-          <a:p>
-            <a:pPr marL="457200" marR="0" lvl="0" indent="-457200" algn="l" defTabSz="914400" rtl="0" eaLnBrk="1" fontAlgn="auto" latinLnBrk="0" hangingPunct="1">
-              <a:lnSpc>
-                <a:spcPct val="100000"/>
-              </a:lnSpc>
-              <a:spcBef>
-                <a:spcPts val="0"/>
-              </a:spcBef>
-              <a:spcAft>
-                <a:spcPts val="0"/>
-              </a:spcAft>
-              <a:buClrTx/>
-              <a:buSzTx/>
-              <a:buFontTx/>
-              <a:buAutoNum type="arabicParenR"/>
-              <a:tabLst/>
-              <a:defRPr/>
-            </a:pPr>
-            <a:r>
-              <a:rPr lang="en-US" sz="2400" dirty="0"/>
-              <a:t>There is another way by using </a:t>
-            </a:r>
-            <a:r>
-              <a:rPr lang="en-US" sz="2400" dirty="0" err="1"/>
-              <a:t>Object.create</a:t>
-            </a:r>
-            <a:r>
-              <a:rPr lang="en-US" sz="2400" dirty="0"/>
-              <a:t>.</a:t>
-            </a:r>
-          </a:p>
-          <a:p>
-            <a:pPr marL="0" marR="0" lvl="0" indent="0" algn="l" defTabSz="914400" rtl="0" eaLnBrk="1" fontAlgn="auto" latinLnBrk="0" hangingPunct="1">
-              <a:lnSpc>
-                <a:spcPct val="100000"/>
-              </a:lnSpc>
-              <a:spcBef>
-                <a:spcPts val="0"/>
-              </a:spcBef>
-              <a:spcAft>
-                <a:spcPts val="0"/>
-              </a:spcAft>
-              <a:buClrTx/>
-              <a:buSzTx/>
-              <a:buFontTx/>
-              <a:buNone/>
-              <a:tabLst/>
-              <a:defRPr/>
-            </a:pPr>
-            <a:r>
-              <a:rPr lang="en-US" sz="2400" dirty="0"/>
-              <a:t>We also call parent(Mammal) constructor by using call function.</a:t>
-            </a:r>
-          </a:p>
-          <a:p>
-            <a:pPr marL="0" marR="0" lvl="0" indent="0" algn="l" defTabSz="914400" rtl="0" eaLnBrk="1" fontAlgn="auto" latinLnBrk="0" hangingPunct="1">
-              <a:lnSpc>
-                <a:spcPct val="100000"/>
-              </a:lnSpc>
-              <a:spcBef>
-                <a:spcPts val="0"/>
-              </a:spcBef>
-              <a:spcAft>
-                <a:spcPts val="0"/>
-              </a:spcAft>
-              <a:buClrTx/>
-              <a:buSzTx/>
-              <a:buFontTx/>
-              <a:buNone/>
-              <a:tabLst/>
-              <a:defRPr/>
-            </a:pPr>
-            <a:endParaRPr lang="en-US" sz="2400" dirty="0"/>
-          </a:p>
-          <a:p>
-            <a:pPr marL="0" marR="0" lvl="0" indent="0" algn="l" defTabSz="914400" rtl="0" eaLnBrk="1" fontAlgn="auto" latinLnBrk="0" hangingPunct="1">
-              <a:lnSpc>
-                <a:spcPct val="100000"/>
-              </a:lnSpc>
-              <a:spcBef>
-                <a:spcPts val="0"/>
-              </a:spcBef>
-              <a:spcAft>
-                <a:spcPts val="0"/>
-              </a:spcAft>
-              <a:buClrTx/>
-              <a:buSzTx/>
-              <a:buFontTx/>
-              <a:buNone/>
-              <a:tabLst/>
-              <a:defRPr/>
-            </a:pPr>
-            <a:r>
-              <a:rPr lang="en-US" sz="2400" dirty="0"/>
-              <a:t>What is the different between new keyword and </a:t>
-            </a:r>
-            <a:r>
-              <a:rPr lang="en-US" sz="2400" dirty="0" err="1"/>
-              <a:t>Object.create</a:t>
-            </a:r>
-            <a:r>
-              <a:rPr lang="en-US" sz="2400" dirty="0"/>
-              <a:t>?</a:t>
-            </a:r>
-          </a:p>
-          <a:p>
-            <a:pPr marL="0" marR="0" lvl="0" indent="0" algn="l" defTabSz="914400" rtl="0" eaLnBrk="1" fontAlgn="auto" latinLnBrk="0" hangingPunct="1">
-              <a:lnSpc>
-                <a:spcPct val="100000"/>
-              </a:lnSpc>
-              <a:spcBef>
-                <a:spcPts val="0"/>
-              </a:spcBef>
-              <a:spcAft>
-                <a:spcPts val="0"/>
-              </a:spcAft>
-              <a:buClrTx/>
-              <a:buSzTx/>
-              <a:buFontTx/>
-              <a:buNone/>
-              <a:tabLst/>
-              <a:defRPr/>
-            </a:pPr>
-            <a:r>
-              <a:rPr lang="en-US" sz="2400" dirty="0"/>
-              <a:t>New is running also parent (Mammal) constructor but </a:t>
-            </a:r>
-            <a:r>
-              <a:rPr lang="en-US" sz="2400" dirty="0" err="1"/>
-              <a:t>Object.create</a:t>
-            </a:r>
-            <a:r>
-              <a:rPr lang="en-US" sz="2400" dirty="0"/>
-              <a:t> don’t run the constructor.</a:t>
-            </a:r>
-          </a:p>
-          <a:p>
-            <a:pPr marL="0" marR="0" lvl="0" indent="0" algn="l" defTabSz="914400" rtl="0" eaLnBrk="1" fontAlgn="auto" latinLnBrk="0" hangingPunct="1">
-              <a:lnSpc>
-                <a:spcPct val="100000"/>
-              </a:lnSpc>
-              <a:spcBef>
-                <a:spcPts val="0"/>
-              </a:spcBef>
-              <a:spcAft>
-                <a:spcPts val="0"/>
-              </a:spcAft>
-              <a:buClrTx/>
-              <a:buSzTx/>
-              <a:buFontTx/>
-              <a:buNone/>
-              <a:tabLst/>
-              <a:defRPr/>
-            </a:pPr>
-            <a:endParaRPr lang="en-US" sz="2400" dirty="0"/>
-          </a:p>
-          <a:p>
-            <a:pPr marL="0" marR="0" lvl="0" indent="0" algn="l" defTabSz="914400" rtl="0" eaLnBrk="1" fontAlgn="auto" latinLnBrk="0" hangingPunct="1">
-              <a:lnSpc>
-                <a:spcPct val="100000"/>
-              </a:lnSpc>
-              <a:spcBef>
-                <a:spcPts val="0"/>
-              </a:spcBef>
-              <a:spcAft>
-                <a:spcPts val="0"/>
-              </a:spcAft>
-              <a:buClrTx/>
-              <a:buSzTx/>
-              <a:buFontTx/>
-              <a:buNone/>
-              <a:tabLst/>
-              <a:defRPr/>
-            </a:pPr>
-            <a:endParaRPr lang="en-US" sz="2400" dirty="0"/>
-          </a:p>
-          <a:p>
-            <a:pPr marL="0" marR="0" lvl="0" indent="0" algn="l" defTabSz="914400" rtl="0" eaLnBrk="1" fontAlgn="auto" latinLnBrk="0" hangingPunct="1">
-              <a:lnSpc>
-                <a:spcPct val="100000"/>
-              </a:lnSpc>
-              <a:spcBef>
-                <a:spcPts val="0"/>
-              </a:spcBef>
-              <a:spcAft>
-                <a:spcPts val="0"/>
-              </a:spcAft>
-              <a:buClrTx/>
-              <a:buSzTx/>
-              <a:buFontTx/>
-              <a:buNone/>
-              <a:tabLst/>
-              <a:defRPr/>
-            </a:pPr>
-            <a:r>
-              <a:rPr lang="en-US" sz="2400" dirty="0"/>
-              <a:t>How it will look like in ES6?</a:t>
-            </a:r>
-          </a:p>
-          <a:p>
-            <a:pPr marL="0" marR="0" lvl="0" indent="0" algn="l" defTabSz="914400" rtl="0" eaLnBrk="1" fontAlgn="auto" latinLnBrk="0" hangingPunct="1">
-              <a:lnSpc>
-                <a:spcPct val="100000"/>
-              </a:lnSpc>
-              <a:spcBef>
-                <a:spcPts val="0"/>
-              </a:spcBef>
-              <a:spcAft>
-                <a:spcPts val="0"/>
-              </a:spcAft>
-              <a:buClrTx/>
-              <a:buSzTx/>
-              <a:buFontTx/>
-              <a:buNone/>
-              <a:tabLst/>
-              <a:defRPr/>
-            </a:pPr>
-            <a:r>
-              <a:rPr lang="en-US" sz="2400" dirty="0"/>
-              <a:t>Just using extends keyword and calling super in constructor (it’s mandatory).</a:t>
-            </a:r>
-          </a:p>
-          <a:p>
-            <a:pPr marL="0" marR="0" lvl="0" indent="0" algn="l" defTabSz="914400" rtl="0" eaLnBrk="1" fontAlgn="auto" latinLnBrk="0" hangingPunct="1">
-              <a:lnSpc>
-                <a:spcPct val="100000"/>
-              </a:lnSpc>
-              <a:spcBef>
-                <a:spcPts val="0"/>
-              </a:spcBef>
-              <a:spcAft>
-                <a:spcPts val="0"/>
-              </a:spcAft>
-              <a:buClrTx/>
-              <a:buSzTx/>
-              <a:buFontTx/>
-              <a:buNone/>
-              <a:tabLst/>
-              <a:defRPr/>
-            </a:pPr>
-            <a:endParaRPr lang="en-US" sz="2400" dirty="0"/>
-          </a:p>
-          <a:p>
-            <a:pPr marL="0" marR="0" lvl="0" indent="0" algn="l" defTabSz="914400" rtl="0" eaLnBrk="1" fontAlgn="auto" latinLnBrk="0" hangingPunct="1">
-              <a:lnSpc>
-                <a:spcPct val="100000"/>
-              </a:lnSpc>
-              <a:spcBef>
-                <a:spcPts val="0"/>
-              </a:spcBef>
-              <a:spcAft>
-                <a:spcPts val="0"/>
-              </a:spcAft>
-              <a:buClrTx/>
-              <a:buSzTx/>
-              <a:buFontTx/>
-              <a:buNone/>
-              <a:tabLst/>
-              <a:defRPr/>
-            </a:pPr>
-            <a:r>
-              <a:rPr lang="en-US" sz="2400" dirty="0"/>
-              <a:t>Let’s take a look what will be the result in babel</a:t>
-            </a:r>
-          </a:p>
-          <a:p>
-            <a:pPr marL="0" marR="0" lvl="0" indent="0" algn="l" defTabSz="914400" rtl="0" eaLnBrk="1" fontAlgn="auto" latinLnBrk="0" hangingPunct="1">
-              <a:lnSpc>
-                <a:spcPct val="100000"/>
-              </a:lnSpc>
-              <a:spcBef>
-                <a:spcPts val="0"/>
-              </a:spcBef>
-              <a:spcAft>
-                <a:spcPts val="0"/>
-              </a:spcAft>
-              <a:buClrTx/>
-              <a:buSzTx/>
-              <a:buFontTx/>
-              <a:buNone/>
-              <a:tabLst/>
-              <a:defRPr/>
-            </a:pPr>
-            <a:endParaRPr lang="en-US" sz="2400" dirty="0"/>
-          </a:p>
-          <a:p>
-            <a:pPr marL="342900" marR="0" lvl="0" indent="-342900" algn="l" defTabSz="914400" rtl="0" eaLnBrk="1" fontAlgn="auto" latinLnBrk="0" hangingPunct="1">
-              <a:lnSpc>
-                <a:spcPct val="100000"/>
-              </a:lnSpc>
-              <a:spcBef>
-                <a:spcPts val="0"/>
-              </a:spcBef>
-              <a:spcAft>
-                <a:spcPts val="0"/>
-              </a:spcAft>
-              <a:buClrTx/>
-              <a:buSzTx/>
-              <a:buFontTx/>
-              <a:buChar char="-"/>
-              <a:tabLst/>
-              <a:defRPr/>
-            </a:pPr>
-            <a:r>
-              <a:rPr lang="en-US" sz="2400" dirty="0">
-                <a:hlinkClick r:id="rId3"/>
-              </a:rPr>
-              <a:t>http://frontendnotes.net/what-the-difference-between-object-create-and-new-keyword/</a:t>
-            </a:r>
-            <a:endParaRPr lang="en-US" sz="2400" dirty="0"/>
-          </a:p>
-          <a:p>
-            <a:pPr marL="342900" marR="0" lvl="0" indent="-342900" algn="l" defTabSz="914400" rtl="0" eaLnBrk="1" fontAlgn="auto" latinLnBrk="0" hangingPunct="1">
-              <a:lnSpc>
-                <a:spcPct val="100000"/>
-              </a:lnSpc>
-              <a:spcBef>
-                <a:spcPts val="0"/>
-              </a:spcBef>
-              <a:spcAft>
-                <a:spcPts val="0"/>
-              </a:spcAft>
-              <a:buClrTx/>
-              <a:buSzTx/>
-              <a:buFontTx/>
-              <a:buChar char="-"/>
-              <a:tabLst/>
-              <a:defRPr/>
-            </a:pPr>
-            <a:r>
-              <a:rPr lang="en-US" sz="2400" dirty="0">
-                <a:hlinkClick r:id="rId4"/>
-              </a:rPr>
-              <a:t>https://medium.com/@jonathanvox01/understanding-the-difference-between-object-create-and-the-new-operator-b2a2f4749358</a:t>
-            </a:r>
-            <a:endParaRPr lang="en-US" sz="2400" dirty="0"/>
-          </a:p>
-          <a:p>
             <a:pPr marL="342900" marR="0" lvl="0" indent="-342900" algn="l" defTabSz="914400" rtl="0" eaLnBrk="1" fontAlgn="auto" latinLnBrk="0" hangingPunct="1">
               <a:lnSpc>
                 <a:spcPct val="100000"/>
@@ -13846,28 +13220,39 @@
               <a:defRPr/>
             </a:pPr>
             <a:r>
-              <a:rPr lang="en-US" sz="1200" b="1" i="0" kern="1200" dirty="0">
-                <a:solidFill>
-                  <a:schemeClr val="tx1"/>
-                </a:solidFill>
-                <a:effectLst/>
-                <a:latin typeface="+mn-lt"/>
-                <a:ea typeface="+mn-ea"/>
-                <a:cs typeface="+mn-cs"/>
-              </a:rPr>
-              <a:t>Encapsulation</a:t>
-            </a:r>
-            <a:r>
-              <a:rPr lang="en-US" sz="1200" b="0" i="0" kern="1200" dirty="0">
-                <a:solidFill>
-                  <a:schemeClr val="tx1"/>
-                </a:solidFill>
-                <a:effectLst/>
-                <a:latin typeface="+mn-lt"/>
-                <a:ea typeface="+mn-ea"/>
-                <a:cs typeface="+mn-cs"/>
-              </a:rPr>
-              <a:t> refers to enclosing all the functionalities of an object within that object so that the object’s internal workings (its methods and properties) are hidden from the rest of the application. This allows us to abstract or localize specific set of functionalities on objects.</a:t>
+              <a:rPr lang="en-US" sz="2400" dirty="0"/>
+              <a:t>Inheritance is an important topic in most programming languages.</a:t>
+            </a:r>
+          </a:p>
+          <a:p>
+            <a:pPr marL="0" marR="0" lvl="0" indent="0" algn="l" defTabSz="914400" rtl="0" eaLnBrk="1" fontAlgn="auto" latinLnBrk="0" hangingPunct="1">
+              <a:lnSpc>
+                <a:spcPct val="100000"/>
+              </a:lnSpc>
+              <a:spcBef>
+                <a:spcPts val="0"/>
+              </a:spcBef>
+              <a:spcAft>
+                <a:spcPts val="0"/>
+              </a:spcAft>
+              <a:buClrTx/>
+              <a:buSzTx/>
+              <a:buFontTx/>
+              <a:buNone/>
+              <a:tabLst/>
+              <a:defRPr/>
+            </a:pPr>
+            <a:r>
+              <a:rPr lang="en-US" sz="1200" b="0" i="0" kern="1200" dirty="0">
+                <a:solidFill>
+                  <a:schemeClr val="tx1"/>
+                </a:solidFill>
+                <a:effectLst/>
+                <a:latin typeface="+mn-lt"/>
+                <a:ea typeface="+mn-ea"/>
+                <a:cs typeface="+mn-cs"/>
+              </a:rPr>
+              <a:t>Implementing inheritance will permit us to inherit functionality from parent Class so that we can easily reuse code in our application and extend the functionality of objects. Objects can make use of their inherited functionalities and still have their own specialized functionalities.</a:t>
             </a:r>
           </a:p>
           <a:p>
@@ -13916,788 +13301,481 @@
               <a:tabLst/>
               <a:defRPr/>
             </a:pPr>
-            <a:endParaRPr lang="en-US" sz="1200" b="0" i="0" kern="1200" dirty="0">
-              <a:solidFill>
-                <a:schemeClr val="tx1"/>
-              </a:solidFill>
-              <a:effectLst/>
-              <a:latin typeface="+mn-lt"/>
-              <a:ea typeface="+mn-ea"/>
-              <a:cs typeface="+mn-cs"/>
-            </a:endParaRPr>
-          </a:p>
-          <a:p>
-            <a:pPr marL="0" marR="0" lvl="0" indent="0" algn="l" defTabSz="914400" rtl="0" eaLnBrk="1" fontAlgn="auto" latinLnBrk="0" hangingPunct="1">
-              <a:lnSpc>
-                <a:spcPct val="100000"/>
-              </a:lnSpc>
-              <a:spcBef>
-                <a:spcPts val="0"/>
-              </a:spcBef>
-              <a:spcAft>
-                <a:spcPts val="0"/>
-              </a:spcAft>
-              <a:buClrTx/>
-              <a:buSzTx/>
-              <a:buFontTx/>
-              <a:buNone/>
-              <a:tabLst/>
-              <a:defRPr/>
-            </a:pPr>
-            <a:r>
-              <a:rPr lang="en-US" sz="1200" b="0" i="0" kern="1200" dirty="0">
-                <a:solidFill>
-                  <a:schemeClr val="tx1"/>
-                </a:solidFill>
-                <a:effectLst/>
-                <a:latin typeface="+mn-lt"/>
-                <a:ea typeface="+mn-ea"/>
-                <a:cs typeface="+mn-cs"/>
-              </a:rPr>
-              <a:t>How did we create a private variable in JS before ES6?</a:t>
-            </a:r>
-          </a:p>
-          <a:p>
-            <a:pPr marL="0" marR="0" lvl="0" indent="0" algn="l" defTabSz="914400" rtl="0" eaLnBrk="1" fontAlgn="auto" latinLnBrk="0" hangingPunct="1">
-              <a:lnSpc>
-                <a:spcPct val="100000"/>
-              </a:lnSpc>
-              <a:spcBef>
-                <a:spcPts val="0"/>
-              </a:spcBef>
-              <a:spcAft>
-                <a:spcPts val="0"/>
-              </a:spcAft>
-              <a:buClrTx/>
-              <a:buSzTx/>
-              <a:buFontTx/>
-              <a:buNone/>
-              <a:tabLst/>
-              <a:defRPr/>
-            </a:pPr>
-            <a:r>
-              <a:rPr lang="en-US" sz="1200" b="0" i="0" kern="1200" dirty="0">
-                <a:solidFill>
-                  <a:schemeClr val="tx1"/>
-                </a:solidFill>
-                <a:effectLst/>
-                <a:latin typeface="+mn-lt"/>
-                <a:ea typeface="+mn-ea"/>
-                <a:cs typeface="+mn-cs"/>
-              </a:rPr>
-              <a:t>We used closure for this.</a:t>
-            </a:r>
-          </a:p>
-          <a:p>
-            <a:pPr marL="0" marR="0" lvl="0" indent="0" algn="l" defTabSz="914400" rtl="0" eaLnBrk="1" fontAlgn="auto" latinLnBrk="0" hangingPunct="1">
-              <a:lnSpc>
-                <a:spcPct val="100000"/>
-              </a:lnSpc>
-              <a:spcBef>
-                <a:spcPts val="0"/>
-              </a:spcBef>
-              <a:spcAft>
-                <a:spcPts val="0"/>
-              </a:spcAft>
-              <a:buClrTx/>
-              <a:buSzTx/>
-              <a:buFontTx/>
-              <a:buNone/>
-              <a:tabLst/>
-              <a:defRPr/>
-            </a:pPr>
-            <a:r>
-              <a:rPr lang="en-US" sz="1200" b="0" i="0" kern="1200" dirty="0">
-                <a:solidFill>
-                  <a:schemeClr val="tx1"/>
-                </a:solidFill>
-                <a:effectLst/>
-                <a:latin typeface="+mn-lt"/>
-                <a:ea typeface="+mn-ea"/>
-                <a:cs typeface="+mn-cs"/>
-              </a:rPr>
-              <a:t>In the constructor we create a </a:t>
-            </a:r>
-            <a:r>
-              <a:rPr lang="en-US" sz="1200" b="0" i="0" kern="1200" dirty="0" err="1">
-                <a:solidFill>
-                  <a:schemeClr val="tx1"/>
-                </a:solidFill>
-                <a:effectLst/>
-                <a:latin typeface="+mn-lt"/>
-                <a:ea typeface="+mn-ea"/>
-                <a:cs typeface="+mn-cs"/>
-              </a:rPr>
-              <a:t>fullName</a:t>
-            </a:r>
-            <a:r>
-              <a:rPr lang="en-US" sz="1200" b="0" i="0" kern="1200" dirty="0">
-                <a:solidFill>
-                  <a:schemeClr val="tx1"/>
-                </a:solidFill>
-                <a:effectLst/>
-                <a:latin typeface="+mn-lt"/>
-                <a:ea typeface="+mn-ea"/>
-                <a:cs typeface="+mn-cs"/>
-              </a:rPr>
-              <a:t> variable and also a method </a:t>
-            </a:r>
-            <a:r>
-              <a:rPr lang="en-US" sz="1200" b="0" i="0" kern="1200" dirty="0" err="1">
-                <a:solidFill>
-                  <a:schemeClr val="tx1"/>
-                </a:solidFill>
-                <a:effectLst/>
-                <a:latin typeface="+mn-lt"/>
-                <a:ea typeface="+mn-ea"/>
-                <a:cs typeface="+mn-cs"/>
-              </a:rPr>
-              <a:t>getFullName</a:t>
-            </a:r>
-            <a:r>
-              <a:rPr lang="en-US" sz="1200" b="0" i="0" kern="1200" dirty="0">
-                <a:solidFill>
-                  <a:schemeClr val="tx1"/>
-                </a:solidFill>
-                <a:effectLst/>
-                <a:latin typeface="+mn-lt"/>
-                <a:ea typeface="+mn-ea"/>
-                <a:cs typeface="+mn-cs"/>
-              </a:rPr>
-              <a:t>,</a:t>
-            </a:r>
-          </a:p>
-          <a:p>
-            <a:pPr marL="0" marR="0" lvl="0" indent="0" algn="l" defTabSz="914400" rtl="0" eaLnBrk="1" fontAlgn="auto" latinLnBrk="0" hangingPunct="1">
-              <a:lnSpc>
-                <a:spcPct val="100000"/>
-              </a:lnSpc>
-              <a:spcBef>
-                <a:spcPts val="0"/>
-              </a:spcBef>
-              <a:spcAft>
-                <a:spcPts val="0"/>
-              </a:spcAft>
-              <a:buClrTx/>
-              <a:buSzTx/>
-              <a:buFontTx/>
-              <a:buNone/>
-              <a:tabLst/>
-              <a:defRPr/>
-            </a:pPr>
-            <a:r>
-              <a:rPr lang="en-US" sz="1200" b="0" i="0" kern="1200" dirty="0">
-                <a:solidFill>
-                  <a:schemeClr val="tx1"/>
-                </a:solidFill>
-                <a:effectLst/>
-                <a:latin typeface="+mn-lt"/>
-                <a:ea typeface="+mn-ea"/>
-                <a:cs typeface="+mn-cs"/>
-              </a:rPr>
-              <a:t>After the constructor finish to run, </a:t>
-            </a:r>
-            <a:r>
-              <a:rPr lang="en-US" sz="1200" b="0" i="0" kern="1200" dirty="0" err="1">
-                <a:solidFill>
-                  <a:schemeClr val="tx1"/>
-                </a:solidFill>
-                <a:effectLst/>
-                <a:latin typeface="+mn-lt"/>
-                <a:ea typeface="+mn-ea"/>
-                <a:cs typeface="+mn-cs"/>
-              </a:rPr>
-              <a:t>fullName</a:t>
-            </a:r>
-            <a:r>
-              <a:rPr lang="en-US" sz="1200" b="0" i="0" kern="1200" dirty="0">
-                <a:solidFill>
-                  <a:schemeClr val="tx1"/>
-                </a:solidFill>
-                <a:effectLst/>
-                <a:latin typeface="+mn-lt"/>
-                <a:ea typeface="+mn-ea"/>
-                <a:cs typeface="+mn-cs"/>
-              </a:rPr>
-              <a:t> is not accessible outside of the constructor scope/function, but </a:t>
-            </a:r>
-            <a:r>
-              <a:rPr lang="en-US" sz="1200" b="0" i="0" kern="1200" dirty="0" err="1">
-                <a:solidFill>
-                  <a:schemeClr val="tx1"/>
-                </a:solidFill>
-                <a:effectLst/>
-                <a:latin typeface="+mn-lt"/>
-                <a:ea typeface="+mn-ea"/>
-                <a:cs typeface="+mn-cs"/>
-              </a:rPr>
-              <a:t>getFullName</a:t>
-            </a:r>
-            <a:r>
-              <a:rPr lang="en-US" sz="1200" b="0" i="0" kern="1200" dirty="0">
-                <a:solidFill>
-                  <a:schemeClr val="tx1"/>
-                </a:solidFill>
-                <a:effectLst/>
-                <a:latin typeface="+mn-lt"/>
-                <a:ea typeface="+mn-ea"/>
-                <a:cs typeface="+mn-cs"/>
-              </a:rPr>
-              <a:t> is inner function inside </a:t>
-            </a:r>
-            <a:r>
-              <a:rPr lang="en-US" sz="1200" b="0" i="0" u="none" strike="noStrike" kern="1200" baseline="0" dirty="0">
-                <a:solidFill>
-                  <a:schemeClr val="tx1"/>
-                </a:solidFill>
-                <a:latin typeface="+mn-lt"/>
-                <a:ea typeface="+mn-ea"/>
-                <a:cs typeface="+mn-cs"/>
-              </a:rPr>
-              <a:t>constructor so it can access </a:t>
-            </a:r>
-            <a:r>
-              <a:rPr lang="en-US" sz="1200" b="0" i="0" u="none" strike="noStrike" kern="1200" baseline="0" dirty="0" err="1">
-                <a:solidFill>
-                  <a:schemeClr val="tx1"/>
-                </a:solidFill>
-                <a:latin typeface="+mn-lt"/>
-                <a:ea typeface="+mn-ea"/>
-                <a:cs typeface="+mn-cs"/>
-              </a:rPr>
-              <a:t>fullName</a:t>
-            </a:r>
-            <a:r>
-              <a:rPr lang="en-US" sz="1200" b="0" i="0" u="none" strike="noStrike" kern="1200" baseline="0" dirty="0">
-                <a:solidFill>
-                  <a:schemeClr val="tx1"/>
-                </a:solidFill>
-                <a:latin typeface="+mn-lt"/>
-                <a:ea typeface="+mn-ea"/>
-                <a:cs typeface="+mn-cs"/>
-              </a:rPr>
-              <a:t> variable.</a:t>
-            </a:r>
-          </a:p>
-          <a:p>
-            <a:pPr marL="0" marR="0" lvl="0" indent="0" algn="l" defTabSz="914400" rtl="0" eaLnBrk="1" fontAlgn="auto" latinLnBrk="0" hangingPunct="1">
-              <a:lnSpc>
-                <a:spcPct val="100000"/>
-              </a:lnSpc>
-              <a:spcBef>
-                <a:spcPts val="0"/>
-              </a:spcBef>
-              <a:spcAft>
-                <a:spcPts val="0"/>
-              </a:spcAft>
-              <a:buClrTx/>
-              <a:buSzTx/>
-              <a:buFontTx/>
-              <a:buNone/>
-              <a:tabLst/>
-              <a:defRPr/>
-            </a:pPr>
-            <a:r>
-              <a:rPr lang="en-US" sz="1200" b="0" i="0" u="none" strike="noStrike" kern="1200" baseline="0" dirty="0">
-                <a:solidFill>
-                  <a:schemeClr val="tx1"/>
-                </a:solidFill>
-                <a:effectLst/>
-                <a:latin typeface="+mn-lt"/>
-                <a:ea typeface="+mn-ea"/>
-                <a:cs typeface="+mn-cs"/>
-              </a:rPr>
-              <a:t>Just to clarify, we can’t put </a:t>
-            </a:r>
-            <a:r>
-              <a:rPr lang="en-US" sz="1200" b="0" i="0" kern="1200" dirty="0" err="1">
-                <a:solidFill>
-                  <a:schemeClr val="tx1"/>
-                </a:solidFill>
-                <a:effectLst/>
-                <a:latin typeface="+mn-lt"/>
-                <a:ea typeface="+mn-ea"/>
-                <a:cs typeface="+mn-cs"/>
-              </a:rPr>
-              <a:t>getFullName</a:t>
-            </a:r>
-            <a:r>
-              <a:rPr lang="en-US" sz="1200" b="0" i="0" kern="1200" dirty="0">
-                <a:solidFill>
-                  <a:schemeClr val="tx1"/>
-                </a:solidFill>
-                <a:effectLst/>
-                <a:latin typeface="+mn-lt"/>
-                <a:ea typeface="+mn-ea"/>
-                <a:cs typeface="+mn-cs"/>
-              </a:rPr>
-              <a:t> inside prototype because </a:t>
-            </a:r>
-            <a:r>
-              <a:rPr lang="en-US" sz="1200" b="0" i="0" kern="1200" dirty="0" err="1">
-                <a:solidFill>
-                  <a:schemeClr val="tx1"/>
-                </a:solidFill>
-                <a:effectLst/>
-                <a:latin typeface="+mn-lt"/>
-                <a:ea typeface="+mn-ea"/>
-                <a:cs typeface="+mn-cs"/>
-              </a:rPr>
-              <a:t>fullName</a:t>
-            </a:r>
-            <a:r>
-              <a:rPr lang="en-US" sz="1200" b="0" i="0" kern="1200" dirty="0">
-                <a:solidFill>
-                  <a:schemeClr val="tx1"/>
-                </a:solidFill>
-                <a:effectLst/>
-                <a:latin typeface="+mn-lt"/>
-                <a:ea typeface="+mn-ea"/>
-                <a:cs typeface="+mn-cs"/>
-              </a:rPr>
-              <a:t> is not on our `this` - it’s scope variable so every instance of person will create new </a:t>
-            </a:r>
-            <a:r>
-              <a:rPr lang="en-US" sz="1200" b="0" i="0" kern="1200" dirty="0" err="1">
-                <a:solidFill>
-                  <a:schemeClr val="tx1"/>
-                </a:solidFill>
-                <a:effectLst/>
-                <a:latin typeface="+mn-lt"/>
-                <a:ea typeface="+mn-ea"/>
-                <a:cs typeface="+mn-cs"/>
-              </a:rPr>
-              <a:t>getFullName</a:t>
-            </a:r>
-            <a:r>
-              <a:rPr lang="en-US" sz="1200" b="0" i="0" kern="1200" dirty="0">
-                <a:solidFill>
-                  <a:schemeClr val="tx1"/>
-                </a:solidFill>
-                <a:effectLst/>
-                <a:latin typeface="+mn-lt"/>
-                <a:ea typeface="+mn-ea"/>
-                <a:cs typeface="+mn-cs"/>
-              </a:rPr>
-              <a:t> function instance.</a:t>
-            </a:r>
-          </a:p>
-          <a:p>
-            <a:pPr marL="0" marR="0" lvl="0" indent="0" algn="l" defTabSz="914400" rtl="0" eaLnBrk="1" fontAlgn="auto" latinLnBrk="0" hangingPunct="1">
-              <a:lnSpc>
-                <a:spcPct val="100000"/>
-              </a:lnSpc>
-              <a:spcBef>
-                <a:spcPts val="0"/>
-              </a:spcBef>
-              <a:spcAft>
-                <a:spcPts val="0"/>
-              </a:spcAft>
-              <a:buClrTx/>
-              <a:buSzTx/>
-              <a:buFontTx/>
-              <a:buNone/>
-              <a:tabLst/>
-              <a:defRPr/>
-            </a:pPr>
-            <a:endParaRPr lang="en-US" sz="1200" b="0" i="0" kern="1200" dirty="0">
-              <a:solidFill>
-                <a:schemeClr val="tx1"/>
-              </a:solidFill>
-              <a:effectLst/>
-              <a:latin typeface="+mn-lt"/>
-              <a:ea typeface="+mn-ea"/>
-              <a:cs typeface="+mn-cs"/>
-            </a:endParaRPr>
-          </a:p>
-          <a:p>
-            <a:pPr marL="0" marR="0" lvl="0" indent="0" algn="l" defTabSz="914400" rtl="0" eaLnBrk="1" fontAlgn="auto" latinLnBrk="0" hangingPunct="1">
-              <a:lnSpc>
-                <a:spcPct val="100000"/>
-              </a:lnSpc>
-              <a:spcBef>
-                <a:spcPts val="0"/>
-              </a:spcBef>
-              <a:spcAft>
-                <a:spcPts val="0"/>
-              </a:spcAft>
-              <a:buClrTx/>
-              <a:buSzTx/>
-              <a:buFontTx/>
-              <a:buNone/>
-              <a:tabLst/>
-              <a:defRPr/>
-            </a:pPr>
-            <a:r>
-              <a:rPr lang="en-US" sz="1200" b="0" i="0" kern="1200" dirty="0">
-                <a:solidFill>
-                  <a:schemeClr val="tx1"/>
-                </a:solidFill>
-                <a:effectLst/>
-                <a:latin typeface="+mn-lt"/>
-                <a:ea typeface="+mn-ea"/>
-                <a:cs typeface="+mn-cs"/>
-              </a:rPr>
-              <a:t>How we will create Person with typescript?</a:t>
-            </a:r>
-          </a:p>
-          <a:p>
-            <a:pPr marL="0" marR="0" lvl="0" indent="0" algn="l" defTabSz="914400" rtl="0" eaLnBrk="1" fontAlgn="auto" latinLnBrk="0" hangingPunct="1">
-              <a:lnSpc>
-                <a:spcPct val="100000"/>
-              </a:lnSpc>
-              <a:spcBef>
-                <a:spcPts val="0"/>
-              </a:spcBef>
-              <a:spcAft>
-                <a:spcPts val="0"/>
-              </a:spcAft>
-              <a:buClrTx/>
-              <a:buSzTx/>
-              <a:buFontTx/>
-              <a:buNone/>
-              <a:tabLst/>
-              <a:defRPr/>
-            </a:pPr>
-            <a:r>
-              <a:rPr lang="en-US" sz="1200" b="0" i="0" kern="1200" dirty="0">
-                <a:solidFill>
-                  <a:schemeClr val="tx1"/>
-                </a:solidFill>
-                <a:effectLst/>
-                <a:latin typeface="+mn-lt"/>
-                <a:ea typeface="+mn-ea"/>
-                <a:cs typeface="+mn-cs"/>
-              </a:rPr>
-              <a:t>We will defined </a:t>
-            </a:r>
-            <a:r>
-              <a:rPr lang="en-US" sz="1200" b="0" i="0" kern="1200" dirty="0" err="1">
-                <a:solidFill>
-                  <a:schemeClr val="tx1"/>
-                </a:solidFill>
-                <a:effectLst/>
-                <a:latin typeface="+mn-lt"/>
-                <a:ea typeface="+mn-ea"/>
-                <a:cs typeface="+mn-cs"/>
-              </a:rPr>
-              <a:t>fullName</a:t>
-            </a:r>
-            <a:r>
-              <a:rPr lang="en-US" sz="1200" b="0" i="0" kern="1200" dirty="0">
-                <a:solidFill>
-                  <a:schemeClr val="tx1"/>
-                </a:solidFill>
-                <a:effectLst/>
-                <a:latin typeface="+mn-lt"/>
-                <a:ea typeface="+mn-ea"/>
-                <a:cs typeface="+mn-cs"/>
-              </a:rPr>
-              <a:t> as private and add </a:t>
-            </a:r>
-            <a:r>
-              <a:rPr lang="en-US" sz="1200" b="0" i="0" kern="1200" dirty="0" err="1">
-                <a:solidFill>
-                  <a:schemeClr val="tx1"/>
-                </a:solidFill>
-                <a:effectLst/>
-                <a:latin typeface="+mn-lt"/>
-                <a:ea typeface="+mn-ea"/>
-                <a:cs typeface="+mn-cs"/>
-              </a:rPr>
-              <a:t>getFullName</a:t>
-            </a:r>
-            <a:r>
-              <a:rPr lang="en-US" sz="1200" b="0" i="0" kern="1200" dirty="0">
-                <a:solidFill>
-                  <a:schemeClr val="tx1"/>
-                </a:solidFill>
-                <a:effectLst/>
-                <a:latin typeface="+mn-lt"/>
-                <a:ea typeface="+mn-ea"/>
-                <a:cs typeface="+mn-cs"/>
-              </a:rPr>
-              <a:t> to the class</a:t>
-            </a:r>
-          </a:p>
-          <a:p>
-            <a:pPr marL="0" marR="0" lvl="0" indent="0" algn="l" defTabSz="914400" rtl="0" eaLnBrk="1" fontAlgn="auto" latinLnBrk="0" hangingPunct="1">
-              <a:lnSpc>
-                <a:spcPct val="100000"/>
-              </a:lnSpc>
-              <a:spcBef>
-                <a:spcPts val="0"/>
-              </a:spcBef>
-              <a:spcAft>
-                <a:spcPts val="0"/>
-              </a:spcAft>
-              <a:buClrTx/>
-              <a:buSzTx/>
-              <a:buFontTx/>
-              <a:buNone/>
-              <a:tabLst/>
-              <a:defRPr/>
-            </a:pPr>
-            <a:endParaRPr lang="en-US" sz="1200" b="0" i="0" kern="1200" dirty="0">
-              <a:solidFill>
-                <a:schemeClr val="tx1"/>
-              </a:solidFill>
-              <a:effectLst/>
-              <a:latin typeface="+mn-lt"/>
-              <a:ea typeface="+mn-ea"/>
-              <a:cs typeface="+mn-cs"/>
-            </a:endParaRPr>
-          </a:p>
-          <a:p>
-            <a:pPr marL="0" marR="0" lvl="0" indent="0" algn="l" defTabSz="914400" rtl="0" eaLnBrk="1" fontAlgn="auto" latinLnBrk="0" hangingPunct="1">
-              <a:lnSpc>
-                <a:spcPct val="100000"/>
-              </a:lnSpc>
-              <a:spcBef>
-                <a:spcPts val="0"/>
-              </a:spcBef>
-              <a:spcAft>
-                <a:spcPts val="0"/>
-              </a:spcAft>
-              <a:buClrTx/>
-              <a:buSzTx/>
-              <a:buFontTx/>
-              <a:buNone/>
-              <a:tabLst/>
-              <a:defRPr/>
-            </a:pPr>
-            <a:r>
-              <a:rPr lang="en-US" sz="1200" b="0" i="0" kern="1200" dirty="0">
-                <a:solidFill>
-                  <a:schemeClr val="tx1"/>
-                </a:solidFill>
-                <a:effectLst/>
-                <a:latin typeface="+mn-lt"/>
-                <a:ea typeface="+mn-ea"/>
-                <a:cs typeface="+mn-cs"/>
-              </a:rPr>
-              <a:t>Let’s see how typescript </a:t>
-            </a:r>
-            <a:r>
-              <a:rPr lang="en-US" sz="1200" b="0" i="0" kern="1200" dirty="0" err="1">
-                <a:solidFill>
-                  <a:schemeClr val="tx1"/>
-                </a:solidFill>
-                <a:effectLst/>
-                <a:latin typeface="+mn-lt"/>
-                <a:ea typeface="+mn-ea"/>
-                <a:cs typeface="+mn-cs"/>
-              </a:rPr>
-              <a:t>transpile</a:t>
-            </a:r>
-            <a:r>
-              <a:rPr lang="en-US" sz="1200" b="0" i="0" kern="1200" dirty="0">
-                <a:solidFill>
-                  <a:schemeClr val="tx1"/>
-                </a:solidFill>
-                <a:effectLst/>
-                <a:latin typeface="+mn-lt"/>
-                <a:ea typeface="+mn-ea"/>
-                <a:cs typeface="+mn-cs"/>
-              </a:rPr>
-              <a:t> our code, we can see that </a:t>
-            </a:r>
-            <a:r>
-              <a:rPr lang="en-US" sz="1200" b="0" i="0" kern="1200" dirty="0" err="1">
-                <a:solidFill>
-                  <a:schemeClr val="tx1"/>
-                </a:solidFill>
-                <a:effectLst/>
-                <a:latin typeface="+mn-lt"/>
-                <a:ea typeface="+mn-ea"/>
-                <a:cs typeface="+mn-cs"/>
-              </a:rPr>
-              <a:t>fullName</a:t>
-            </a:r>
-            <a:r>
-              <a:rPr lang="en-US" sz="1200" b="0" i="0" kern="1200" dirty="0">
-                <a:solidFill>
-                  <a:schemeClr val="tx1"/>
-                </a:solidFill>
-                <a:effectLst/>
-                <a:latin typeface="+mn-lt"/>
-                <a:ea typeface="+mn-ea"/>
-                <a:cs typeface="+mn-cs"/>
-              </a:rPr>
-              <a:t> is added to our this which means it’s accessible outside of our class and not a real private.</a:t>
-            </a:r>
-          </a:p>
-          <a:p>
-            <a:pPr marL="0" marR="0" lvl="0" indent="0" algn="l" defTabSz="914400" rtl="0" eaLnBrk="1" fontAlgn="auto" latinLnBrk="0" hangingPunct="1">
-              <a:lnSpc>
-                <a:spcPct val="100000"/>
-              </a:lnSpc>
-              <a:spcBef>
-                <a:spcPts val="0"/>
-              </a:spcBef>
-              <a:spcAft>
-                <a:spcPts val="0"/>
-              </a:spcAft>
-              <a:buClrTx/>
-              <a:buSzTx/>
-              <a:buFontTx/>
-              <a:buNone/>
-              <a:tabLst/>
-              <a:defRPr/>
-            </a:pPr>
-            <a:r>
-              <a:rPr lang="en-US" sz="1200" b="0" i="0" kern="1200" dirty="0">
-                <a:solidFill>
-                  <a:schemeClr val="tx1"/>
-                </a:solidFill>
-                <a:effectLst/>
-                <a:latin typeface="+mn-lt"/>
-                <a:ea typeface="+mn-ea"/>
-                <a:cs typeface="+mn-cs"/>
-              </a:rPr>
-              <a:t>Why?</a:t>
-            </a:r>
-            <a:br>
-              <a:rPr lang="en-US" sz="1200" b="0" i="0" kern="1200" dirty="0">
-                <a:solidFill>
-                  <a:schemeClr val="tx1"/>
-                </a:solidFill>
-                <a:effectLst/>
-                <a:latin typeface="+mn-lt"/>
-                <a:ea typeface="+mn-ea"/>
-                <a:cs typeface="+mn-cs"/>
-              </a:rPr>
-            </a:br>
-            <a:r>
-              <a:rPr lang="en-US" sz="1200" b="0" i="0" kern="1200" dirty="0">
-                <a:solidFill>
-                  <a:schemeClr val="tx1"/>
-                </a:solidFill>
-                <a:effectLst/>
-                <a:latin typeface="+mn-lt"/>
-                <a:ea typeface="+mn-ea"/>
-                <a:cs typeface="+mn-cs"/>
-              </a:rPr>
-              <a:t>Probably because if we are defining variables private and trying to access it outside then typescript at build time will throw us exception and will protect us.</a:t>
-            </a:r>
-          </a:p>
-          <a:p>
-            <a:pPr marL="0" marR="0" lvl="0" indent="0" algn="l" defTabSz="914400" rtl="0" eaLnBrk="1" fontAlgn="auto" latinLnBrk="0" hangingPunct="1">
-              <a:lnSpc>
-                <a:spcPct val="100000"/>
-              </a:lnSpc>
-              <a:spcBef>
-                <a:spcPts val="0"/>
-              </a:spcBef>
-              <a:spcAft>
-                <a:spcPts val="0"/>
-              </a:spcAft>
-              <a:buClrTx/>
-              <a:buSzTx/>
-              <a:buFontTx/>
-              <a:buNone/>
-              <a:tabLst/>
-              <a:defRPr/>
-            </a:pPr>
-            <a:endParaRPr lang="en-US" sz="1200" b="0" i="0" kern="1200" dirty="0">
-              <a:solidFill>
-                <a:schemeClr val="tx1"/>
-              </a:solidFill>
-              <a:effectLst/>
-              <a:latin typeface="+mn-lt"/>
-              <a:ea typeface="+mn-ea"/>
-              <a:cs typeface="+mn-cs"/>
-            </a:endParaRPr>
-          </a:p>
-          <a:p>
-            <a:pPr marL="0" marR="0" lvl="0" indent="0" algn="l" defTabSz="914400" rtl="0" eaLnBrk="1" fontAlgn="auto" latinLnBrk="0" hangingPunct="1">
-              <a:lnSpc>
-                <a:spcPct val="100000"/>
-              </a:lnSpc>
-              <a:spcBef>
-                <a:spcPts val="0"/>
-              </a:spcBef>
-              <a:spcAft>
-                <a:spcPts val="0"/>
-              </a:spcAft>
-              <a:buClrTx/>
-              <a:buSzTx/>
-              <a:buFontTx/>
-              <a:buNone/>
-              <a:tabLst/>
-              <a:defRPr/>
-            </a:pPr>
-            <a:r>
-              <a:rPr lang="en-US" sz="1200" b="0" i="0" kern="1200" dirty="0">
-                <a:solidFill>
-                  <a:schemeClr val="tx1"/>
-                </a:solidFill>
-                <a:effectLst/>
-                <a:latin typeface="+mn-lt"/>
-                <a:ea typeface="+mn-ea"/>
-                <a:cs typeface="+mn-cs"/>
-              </a:rPr>
-              <a:t>How can we create a private/encapsulated variable in ES6?</a:t>
-            </a:r>
-          </a:p>
-          <a:p>
-            <a:pPr marL="0" marR="0" lvl="0" indent="0" algn="l" defTabSz="914400" rtl="0" eaLnBrk="1" fontAlgn="auto" latinLnBrk="0" hangingPunct="1">
-              <a:lnSpc>
-                <a:spcPct val="100000"/>
-              </a:lnSpc>
-              <a:spcBef>
-                <a:spcPts val="0"/>
-              </a:spcBef>
-              <a:spcAft>
-                <a:spcPts val="0"/>
-              </a:spcAft>
-              <a:buClrTx/>
-              <a:buSzTx/>
-              <a:buFontTx/>
-              <a:buNone/>
-              <a:tabLst/>
-              <a:defRPr/>
-            </a:pPr>
-            <a:r>
-              <a:rPr lang="en-US" sz="1200" b="0" i="0" kern="1200" dirty="0">
-                <a:solidFill>
-                  <a:schemeClr val="tx1"/>
-                </a:solidFill>
-                <a:effectLst/>
-                <a:latin typeface="+mn-lt"/>
-                <a:ea typeface="+mn-ea"/>
-                <a:cs typeface="+mn-cs"/>
-              </a:rPr>
-              <a:t>Like we did in ES5, creating the variable inside the constructor and also the function</a:t>
-            </a:r>
-          </a:p>
-          <a:p>
-            <a:pPr marL="0" marR="0" lvl="0" indent="0" algn="l" defTabSz="914400" rtl="0" eaLnBrk="1" fontAlgn="auto" latinLnBrk="0" hangingPunct="1">
-              <a:lnSpc>
-                <a:spcPct val="100000"/>
-              </a:lnSpc>
-              <a:spcBef>
-                <a:spcPts val="0"/>
-              </a:spcBef>
-              <a:spcAft>
-                <a:spcPts val="0"/>
-              </a:spcAft>
-              <a:buClrTx/>
-              <a:buSzTx/>
-              <a:buFontTx/>
-              <a:buNone/>
-              <a:tabLst/>
-              <a:defRPr/>
-            </a:pPr>
-            <a:endParaRPr lang="en-US" sz="1200" b="0" i="0" kern="1200" dirty="0">
-              <a:solidFill>
-                <a:schemeClr val="tx1"/>
-              </a:solidFill>
-              <a:effectLst/>
-              <a:latin typeface="+mn-lt"/>
-              <a:ea typeface="+mn-ea"/>
-              <a:cs typeface="+mn-cs"/>
-            </a:endParaRPr>
+            <a:r>
+              <a:rPr lang="en-US" sz="2400" dirty="0"/>
+              <a:t>How can we inherit in JS?</a:t>
+            </a:r>
+          </a:p>
+          <a:p>
+            <a:pPr marL="0" marR="0" lvl="0" indent="0" algn="l" defTabSz="914400" rtl="0" eaLnBrk="1" fontAlgn="auto" latinLnBrk="0" hangingPunct="1">
+              <a:lnSpc>
+                <a:spcPct val="100000"/>
+              </a:lnSpc>
+              <a:spcBef>
+                <a:spcPts val="0"/>
+              </a:spcBef>
+              <a:spcAft>
+                <a:spcPts val="0"/>
+              </a:spcAft>
+              <a:buClrTx/>
+              <a:buSzTx/>
+              <a:buFontTx/>
+              <a:buNone/>
+              <a:tabLst/>
+              <a:defRPr/>
+            </a:pPr>
+            <a:r>
+              <a:rPr lang="en-US" sz="2400" dirty="0"/>
+              <a:t>Thru prototype.</a:t>
+            </a:r>
+          </a:p>
+          <a:p>
+            <a:pPr marL="0" marR="0" lvl="0" indent="0" algn="l" defTabSz="914400" rtl="0" eaLnBrk="1" fontAlgn="auto" latinLnBrk="0" hangingPunct="1">
+              <a:lnSpc>
+                <a:spcPct val="100000"/>
+              </a:lnSpc>
+              <a:spcBef>
+                <a:spcPts val="0"/>
+              </a:spcBef>
+              <a:spcAft>
+                <a:spcPts val="0"/>
+              </a:spcAft>
+              <a:buClrTx/>
+              <a:buSzTx/>
+              <a:buFontTx/>
+              <a:buNone/>
+              <a:tabLst/>
+              <a:defRPr/>
+            </a:pPr>
+            <a:endParaRPr lang="en-US" sz="2400" dirty="0"/>
+          </a:p>
+          <a:p>
+            <a:pPr marL="0" marR="0" lvl="0" indent="0" algn="l" defTabSz="914400" rtl="0" eaLnBrk="1" fontAlgn="auto" latinLnBrk="0" hangingPunct="1">
+              <a:lnSpc>
+                <a:spcPct val="100000"/>
+              </a:lnSpc>
+              <a:spcBef>
+                <a:spcPts val="0"/>
+              </a:spcBef>
+              <a:spcAft>
+                <a:spcPts val="0"/>
+              </a:spcAft>
+              <a:buClrTx/>
+              <a:buSzTx/>
+              <a:buFontTx/>
+              <a:buNone/>
+              <a:tabLst/>
+              <a:defRPr/>
+            </a:pPr>
+            <a:r>
+              <a:rPr lang="en-US" sz="2400" dirty="0"/>
+              <a:t>Let see an example,</a:t>
+            </a:r>
+          </a:p>
+          <a:p>
+            <a:pPr marL="0" marR="0" lvl="0" indent="0" algn="l" defTabSz="914400" rtl="0" eaLnBrk="1" fontAlgn="auto" latinLnBrk="0" hangingPunct="1">
+              <a:lnSpc>
+                <a:spcPct val="100000"/>
+              </a:lnSpc>
+              <a:spcBef>
+                <a:spcPts val="0"/>
+              </a:spcBef>
+              <a:spcAft>
+                <a:spcPts val="0"/>
+              </a:spcAft>
+              <a:buClrTx/>
+              <a:buSzTx/>
+              <a:buFontTx/>
+              <a:buNone/>
+              <a:tabLst/>
+              <a:defRPr/>
+            </a:pPr>
+            <a:r>
+              <a:rPr lang="en-US" sz="2400" dirty="0"/>
+              <a:t>We have Mammal class, it have </a:t>
+            </a:r>
+            <a:r>
+              <a:rPr lang="en-US" sz="2400" dirty="0" err="1"/>
+              <a:t>getName</a:t>
+            </a:r>
+            <a:r>
+              <a:rPr lang="en-US" sz="2400" dirty="0"/>
+              <a:t> and says function,</a:t>
+            </a:r>
+          </a:p>
+          <a:p>
+            <a:pPr marL="0" marR="0" lvl="0" indent="0" algn="l" defTabSz="914400" rtl="0" eaLnBrk="1" fontAlgn="auto" latinLnBrk="0" hangingPunct="1">
+              <a:lnSpc>
+                <a:spcPct val="100000"/>
+              </a:lnSpc>
+              <a:spcBef>
+                <a:spcPts val="0"/>
+              </a:spcBef>
+              <a:spcAft>
+                <a:spcPts val="0"/>
+              </a:spcAft>
+              <a:buClrTx/>
+              <a:buSzTx/>
+              <a:buFontTx/>
+              <a:buNone/>
+              <a:tabLst/>
+              <a:defRPr/>
+            </a:pPr>
+            <a:r>
+              <a:rPr lang="en-US" sz="2400" dirty="0"/>
+              <a:t>We also have Cat class, but Cat is a mammal so we want to inherit his properties and functionalities,</a:t>
+            </a:r>
+          </a:p>
+          <a:p>
+            <a:pPr marL="0" marR="0" lvl="0" indent="0" algn="l" defTabSz="914400" rtl="0" eaLnBrk="1" fontAlgn="auto" latinLnBrk="0" hangingPunct="1">
+              <a:lnSpc>
+                <a:spcPct val="100000"/>
+              </a:lnSpc>
+              <a:spcBef>
+                <a:spcPts val="0"/>
+              </a:spcBef>
+              <a:spcAft>
+                <a:spcPts val="0"/>
+              </a:spcAft>
+              <a:buClrTx/>
+              <a:buSzTx/>
+              <a:buFontTx/>
+              <a:buNone/>
+              <a:tabLst/>
+              <a:defRPr/>
+            </a:pPr>
+            <a:endParaRPr lang="en-US" sz="2400" dirty="0"/>
+          </a:p>
+          <a:p>
+            <a:pPr marL="0" marR="0" lvl="0" indent="0" algn="l" defTabSz="914400" rtl="0" eaLnBrk="1" fontAlgn="auto" latinLnBrk="0" hangingPunct="1">
+              <a:lnSpc>
+                <a:spcPct val="100000"/>
+              </a:lnSpc>
+              <a:spcBef>
+                <a:spcPts val="0"/>
+              </a:spcBef>
+              <a:spcAft>
+                <a:spcPts val="0"/>
+              </a:spcAft>
+              <a:buClrTx/>
+              <a:buSzTx/>
+              <a:buFontTx/>
+              <a:buNone/>
+              <a:tabLst/>
+              <a:defRPr/>
+            </a:pPr>
+            <a:r>
+              <a:rPr lang="en-US" sz="2400" dirty="0"/>
+              <a:t>How can we do that?</a:t>
+            </a:r>
+          </a:p>
+          <a:p>
+            <a:pPr marL="457200" marR="0" lvl="0" indent="-457200" algn="l" defTabSz="914400" rtl="0" eaLnBrk="1" fontAlgn="auto" latinLnBrk="0" hangingPunct="1">
+              <a:lnSpc>
+                <a:spcPct val="100000"/>
+              </a:lnSpc>
+              <a:spcBef>
+                <a:spcPts val="0"/>
+              </a:spcBef>
+              <a:spcAft>
+                <a:spcPts val="0"/>
+              </a:spcAft>
+              <a:buClrTx/>
+              <a:buSzTx/>
+              <a:buFontTx/>
+              <a:buAutoNum type="arabicParenR"/>
+              <a:tabLst/>
+              <a:defRPr/>
+            </a:pPr>
+            <a:r>
+              <a:rPr lang="en-US" sz="2400" dirty="0"/>
+              <a:t>By new keyword and assigning the result on Cat prototype.</a:t>
+            </a:r>
+          </a:p>
+          <a:p>
+            <a:pPr marL="457200" marR="0" lvl="0" indent="-457200" algn="l" defTabSz="914400" rtl="0" eaLnBrk="1" fontAlgn="auto" latinLnBrk="0" hangingPunct="1">
+              <a:lnSpc>
+                <a:spcPct val="100000"/>
+              </a:lnSpc>
+              <a:spcBef>
+                <a:spcPts val="0"/>
+              </a:spcBef>
+              <a:spcAft>
+                <a:spcPts val="0"/>
+              </a:spcAft>
+              <a:buClrTx/>
+              <a:buSzTx/>
+              <a:buFontTx/>
+              <a:buAutoNum type="arabicParenR"/>
+              <a:tabLst/>
+              <a:defRPr/>
+            </a:pPr>
+            <a:r>
+              <a:rPr lang="en-US" sz="2400" dirty="0"/>
+              <a:t>There is another way by using </a:t>
+            </a:r>
+            <a:r>
+              <a:rPr lang="en-US" sz="2400" dirty="0" err="1"/>
+              <a:t>Object.create</a:t>
+            </a:r>
+            <a:r>
+              <a:rPr lang="en-US" sz="2400" dirty="0"/>
+              <a:t>.</a:t>
+            </a:r>
+          </a:p>
+          <a:p>
+            <a:pPr marL="0" marR="0" lvl="0" indent="0" algn="l" defTabSz="914400" rtl="0" eaLnBrk="1" fontAlgn="auto" latinLnBrk="0" hangingPunct="1">
+              <a:lnSpc>
+                <a:spcPct val="100000"/>
+              </a:lnSpc>
+              <a:spcBef>
+                <a:spcPts val="0"/>
+              </a:spcBef>
+              <a:spcAft>
+                <a:spcPts val="0"/>
+              </a:spcAft>
+              <a:buClrTx/>
+              <a:buSzTx/>
+              <a:buFontTx/>
+              <a:buNone/>
+              <a:tabLst/>
+              <a:defRPr/>
+            </a:pPr>
+            <a:r>
+              <a:rPr lang="en-US" sz="2400" dirty="0"/>
+              <a:t>We also call parent(Mammal) constructor by using call function.</a:t>
+            </a:r>
+          </a:p>
+          <a:p>
+            <a:pPr marL="0" marR="0" lvl="0" indent="0" algn="l" defTabSz="914400" rtl="0" eaLnBrk="1" fontAlgn="auto" latinLnBrk="0" hangingPunct="1">
+              <a:lnSpc>
+                <a:spcPct val="100000"/>
+              </a:lnSpc>
+              <a:spcBef>
+                <a:spcPts val="0"/>
+              </a:spcBef>
+              <a:spcAft>
+                <a:spcPts val="0"/>
+              </a:spcAft>
+              <a:buClrTx/>
+              <a:buSzTx/>
+              <a:buFontTx/>
+              <a:buNone/>
+              <a:tabLst/>
+              <a:defRPr/>
+            </a:pPr>
+            <a:endParaRPr lang="en-US" sz="2400" dirty="0"/>
+          </a:p>
+          <a:p>
+            <a:pPr marL="0" marR="0" lvl="0" indent="0" algn="l" defTabSz="914400" rtl="0" eaLnBrk="1" fontAlgn="auto" latinLnBrk="0" hangingPunct="1">
+              <a:lnSpc>
+                <a:spcPct val="100000"/>
+              </a:lnSpc>
+              <a:spcBef>
+                <a:spcPts val="0"/>
+              </a:spcBef>
+              <a:spcAft>
+                <a:spcPts val="0"/>
+              </a:spcAft>
+              <a:buClrTx/>
+              <a:buSzTx/>
+              <a:buFontTx/>
+              <a:buNone/>
+              <a:tabLst/>
+              <a:defRPr/>
+            </a:pPr>
+            <a:r>
+              <a:rPr lang="en-US" sz="2400" dirty="0"/>
+              <a:t>What is the different between new keyword and </a:t>
+            </a:r>
+            <a:r>
+              <a:rPr lang="en-US" sz="2400" dirty="0" err="1"/>
+              <a:t>Object.create</a:t>
+            </a:r>
+            <a:r>
+              <a:rPr lang="en-US" sz="2400" dirty="0"/>
+              <a:t>?</a:t>
+            </a:r>
+          </a:p>
+          <a:p>
+            <a:pPr marL="0" marR="0" lvl="0" indent="0" algn="l" defTabSz="914400" rtl="0" eaLnBrk="1" fontAlgn="auto" latinLnBrk="0" hangingPunct="1">
+              <a:lnSpc>
+                <a:spcPct val="100000"/>
+              </a:lnSpc>
+              <a:spcBef>
+                <a:spcPts val="0"/>
+              </a:spcBef>
+              <a:spcAft>
+                <a:spcPts val="0"/>
+              </a:spcAft>
+              <a:buClrTx/>
+              <a:buSzTx/>
+              <a:buFontTx/>
+              <a:buNone/>
+              <a:tabLst/>
+              <a:defRPr/>
+            </a:pPr>
+            <a:r>
+              <a:rPr lang="en-US" sz="2400" dirty="0"/>
+              <a:t>New is running also parent (Mammal) constructor but </a:t>
+            </a:r>
+            <a:r>
+              <a:rPr lang="en-US" sz="2400" dirty="0" err="1"/>
+              <a:t>Object.create</a:t>
+            </a:r>
+            <a:r>
+              <a:rPr lang="en-US" sz="2400" dirty="0"/>
+              <a:t> don’t run the constructor.</a:t>
+            </a:r>
+          </a:p>
+          <a:p>
+            <a:pPr marL="0" marR="0" lvl="0" indent="0" algn="l" defTabSz="914400" rtl="0" eaLnBrk="1" fontAlgn="auto" latinLnBrk="0" hangingPunct="1">
+              <a:lnSpc>
+                <a:spcPct val="100000"/>
+              </a:lnSpc>
+              <a:spcBef>
+                <a:spcPts val="0"/>
+              </a:spcBef>
+              <a:spcAft>
+                <a:spcPts val="0"/>
+              </a:spcAft>
+              <a:buClrTx/>
+              <a:buSzTx/>
+              <a:buFontTx/>
+              <a:buNone/>
+              <a:tabLst/>
+              <a:defRPr/>
+            </a:pPr>
+            <a:endParaRPr lang="en-US" sz="2400" dirty="0"/>
+          </a:p>
+          <a:p>
+            <a:pPr marL="0" marR="0" lvl="0" indent="0" algn="l" defTabSz="914400" rtl="0" eaLnBrk="1" fontAlgn="auto" latinLnBrk="0" hangingPunct="1">
+              <a:lnSpc>
+                <a:spcPct val="100000"/>
+              </a:lnSpc>
+              <a:spcBef>
+                <a:spcPts val="0"/>
+              </a:spcBef>
+              <a:spcAft>
+                <a:spcPts val="0"/>
+              </a:spcAft>
+              <a:buClrTx/>
+              <a:buSzTx/>
+              <a:buFontTx/>
+              <a:buNone/>
+              <a:tabLst/>
+              <a:defRPr/>
+            </a:pPr>
+            <a:endParaRPr lang="en-US" sz="2400" dirty="0"/>
+          </a:p>
+          <a:p>
+            <a:pPr marL="0" marR="0" lvl="0" indent="0" algn="l" defTabSz="914400" rtl="0" eaLnBrk="1" fontAlgn="auto" latinLnBrk="0" hangingPunct="1">
+              <a:lnSpc>
+                <a:spcPct val="100000"/>
+              </a:lnSpc>
+              <a:spcBef>
+                <a:spcPts val="0"/>
+              </a:spcBef>
+              <a:spcAft>
+                <a:spcPts val="0"/>
+              </a:spcAft>
+              <a:buClrTx/>
+              <a:buSzTx/>
+              <a:buFontTx/>
+              <a:buNone/>
+              <a:tabLst/>
+              <a:defRPr/>
+            </a:pPr>
+            <a:r>
+              <a:rPr lang="en-US" sz="2400" dirty="0"/>
+              <a:t>How it will look like in ES6?</a:t>
+            </a:r>
+          </a:p>
+          <a:p>
+            <a:pPr marL="0" marR="0" lvl="0" indent="0" algn="l" defTabSz="914400" rtl="0" eaLnBrk="1" fontAlgn="auto" latinLnBrk="0" hangingPunct="1">
+              <a:lnSpc>
+                <a:spcPct val="100000"/>
+              </a:lnSpc>
+              <a:spcBef>
+                <a:spcPts val="0"/>
+              </a:spcBef>
+              <a:spcAft>
+                <a:spcPts val="0"/>
+              </a:spcAft>
+              <a:buClrTx/>
+              <a:buSzTx/>
+              <a:buFontTx/>
+              <a:buNone/>
+              <a:tabLst/>
+              <a:defRPr/>
+            </a:pPr>
+            <a:r>
+              <a:rPr lang="en-US" sz="2400" dirty="0"/>
+              <a:t>Just using extends keyword and calling super in constructor (it’s mandatory).</a:t>
+            </a:r>
+          </a:p>
+          <a:p>
+            <a:pPr marL="0" marR="0" lvl="0" indent="0" algn="l" defTabSz="914400" rtl="0" eaLnBrk="1" fontAlgn="auto" latinLnBrk="0" hangingPunct="1">
+              <a:lnSpc>
+                <a:spcPct val="100000"/>
+              </a:lnSpc>
+              <a:spcBef>
+                <a:spcPts val="0"/>
+              </a:spcBef>
+              <a:spcAft>
+                <a:spcPts val="0"/>
+              </a:spcAft>
+              <a:buClrTx/>
+              <a:buSzTx/>
+              <a:buFontTx/>
+              <a:buNone/>
+              <a:tabLst/>
+              <a:defRPr/>
+            </a:pPr>
+            <a:endParaRPr lang="en-US" sz="2400" dirty="0"/>
+          </a:p>
+          <a:p>
+            <a:pPr marL="0" marR="0" lvl="0" indent="0" algn="l" defTabSz="914400" rtl="0" eaLnBrk="1" fontAlgn="auto" latinLnBrk="0" hangingPunct="1">
+              <a:lnSpc>
+                <a:spcPct val="100000"/>
+              </a:lnSpc>
+              <a:spcBef>
+                <a:spcPts val="0"/>
+              </a:spcBef>
+              <a:spcAft>
+                <a:spcPts val="0"/>
+              </a:spcAft>
+              <a:buClrTx/>
+              <a:buSzTx/>
+              <a:buFontTx/>
+              <a:buNone/>
+              <a:tabLst/>
+              <a:defRPr/>
+            </a:pPr>
+            <a:r>
+              <a:rPr lang="en-US" sz="2400" dirty="0"/>
+              <a:t>Let’s take a look what will be the result in babel</a:t>
+            </a:r>
+          </a:p>
+          <a:p>
+            <a:pPr marL="0" marR="0" lvl="0" indent="0" algn="l" defTabSz="914400" rtl="0" eaLnBrk="1" fontAlgn="auto" latinLnBrk="0" hangingPunct="1">
+              <a:lnSpc>
+                <a:spcPct val="100000"/>
+              </a:lnSpc>
+              <a:spcBef>
+                <a:spcPts val="0"/>
+              </a:spcBef>
+              <a:spcAft>
+                <a:spcPts val="0"/>
+              </a:spcAft>
+              <a:buClrTx/>
+              <a:buSzTx/>
+              <a:buFontTx/>
+              <a:buNone/>
+              <a:tabLst/>
+              <a:defRPr/>
+            </a:pPr>
+            <a:endParaRPr lang="en-US" sz="2400" dirty="0"/>
           </a:p>
           <a:p>
             <a:pPr marL="342900" marR="0" lvl="0" indent="-342900" algn="l" defTabSz="914400" rtl="0" eaLnBrk="1" fontAlgn="auto" latinLnBrk="0" hangingPunct="1">
@@ -14721,7 +13799,7 @@
               <a:rPr lang="en-US" sz="2400" dirty="0">
                 <a:hlinkClick r:id="rId3"/>
               </a:rPr>
-              <a:t>https://javascriptissexy.com/oop-in-javascript-what-you-need-to-know/</a:t>
+              <a:t>http://frontendnotes.net/what-the-difference-between-object-create-and-new-keyword/</a:t>
             </a:r>
             <a:endParaRPr lang="en-US" sz="2400" dirty="0"/>
           </a:p>
@@ -14747,7 +13825,7 @@
               <a:rPr lang="en-US" sz="2400" dirty="0">
                 <a:hlinkClick r:id="rId4"/>
               </a:rPr>
-              <a:t>https://medium.freecodecamp.org/an-introduction-to-object-oriented-programming-in-javascript-8900124e316a</a:t>
+              <a:t>https://medium.com/@jonathanvox01/understanding-the-difference-between-object-create-and-the-new-operator-b2a2f4749358</a:t>
             </a:r>
             <a:endParaRPr lang="en-US" sz="2400" dirty="0"/>
           </a:p>
@@ -14799,7 +13877,7 @@
     </p:spTree>
     <p:extLst>
       <p:ext uri="{BB962C8B-B14F-4D97-AF65-F5344CB8AC3E}">
-        <p14:creationId xmlns:p14="http://schemas.microsoft.com/office/powerpoint/2010/main" val="3845654205"/>
+        <p14:creationId xmlns:p14="http://schemas.microsoft.com/office/powerpoint/2010/main" val="3583449552"/>
       </p:ext>
     </p:extLst>
   </p:cSld>
@@ -14871,298 +13949,861 @@
               <a:defRPr/>
             </a:pPr>
             <a:r>
-              <a:rPr lang="en-US" b="0" dirty="0"/>
-              <a:t>There is a way to create a function inside a class with arrow function.</a:t>
-            </a:r>
-          </a:p>
-          <a:p>
-            <a:pPr marL="0" marR="0" lvl="0" indent="0" algn="l" defTabSz="914400" rtl="0" eaLnBrk="1" fontAlgn="auto" latinLnBrk="0" hangingPunct="1">
-              <a:lnSpc>
-                <a:spcPct val="100000"/>
-              </a:lnSpc>
-              <a:spcBef>
-                <a:spcPts val="0"/>
-              </a:spcBef>
-              <a:spcAft>
-                <a:spcPts val="0"/>
-              </a:spcAft>
-              <a:buClrTx/>
-              <a:buSzTx/>
-              <a:buFontTx/>
-              <a:buNone/>
-              <a:tabLst/>
-              <a:defRPr/>
-            </a:pPr>
-            <a:r>
-              <a:rPr lang="en-US" b="0" dirty="0"/>
-              <a:t>I see a lot of developers using this syntax, even for every method declaration.</a:t>
-            </a:r>
-          </a:p>
-          <a:p>
-            <a:pPr marL="0" marR="0" lvl="0" indent="0" algn="l" defTabSz="914400" rtl="0" eaLnBrk="1" fontAlgn="auto" latinLnBrk="0" hangingPunct="1">
-              <a:lnSpc>
-                <a:spcPct val="100000"/>
-              </a:lnSpc>
-              <a:spcBef>
-                <a:spcPts val="0"/>
-              </a:spcBef>
-              <a:spcAft>
-                <a:spcPts val="0"/>
-              </a:spcAft>
-              <a:buClrTx/>
-              <a:buSzTx/>
-              <a:buFontTx/>
-              <a:buNone/>
-              <a:tabLst/>
-              <a:defRPr/>
-            </a:pPr>
-            <a:r>
-              <a:rPr lang="en-US" b="0" dirty="0"/>
-              <a:t>Is that a good practice?</a:t>
-            </a:r>
-          </a:p>
-          <a:p>
-            <a:pPr marL="0" marR="0" lvl="0" indent="0" algn="l" defTabSz="914400" rtl="0" eaLnBrk="1" fontAlgn="auto" latinLnBrk="0" hangingPunct="1">
-              <a:lnSpc>
-                <a:spcPct val="100000"/>
-              </a:lnSpc>
-              <a:spcBef>
-                <a:spcPts val="0"/>
-              </a:spcBef>
-              <a:spcAft>
-                <a:spcPts val="0"/>
-              </a:spcAft>
-              <a:buClrTx/>
-              <a:buSzTx/>
-              <a:buFontTx/>
-              <a:buNone/>
-              <a:tabLst/>
-              <a:defRPr/>
-            </a:pPr>
-            <a:endParaRPr lang="en-US" b="0" dirty="0"/>
-          </a:p>
-          <a:p>
-            <a:pPr marL="0" marR="0" lvl="0" indent="0" algn="l" defTabSz="914400" rtl="0" eaLnBrk="1" fontAlgn="auto" latinLnBrk="0" hangingPunct="1">
-              <a:lnSpc>
-                <a:spcPct val="100000"/>
-              </a:lnSpc>
-              <a:spcBef>
-                <a:spcPts val="0"/>
-              </a:spcBef>
-              <a:spcAft>
-                <a:spcPts val="0"/>
-              </a:spcAft>
-              <a:buClrTx/>
-              <a:buSzTx/>
-              <a:buFontTx/>
-              <a:buNone/>
-              <a:tabLst/>
-              <a:defRPr/>
-            </a:pPr>
-            <a:r>
-              <a:rPr lang="en-US" b="0" dirty="0"/>
-              <a:t>Let’s understand first what arrow function declaration inside class will do?</a:t>
-            </a:r>
-          </a:p>
-          <a:p>
-            <a:pPr marL="0" marR="0" lvl="0" indent="0" algn="l" defTabSz="914400" rtl="0" eaLnBrk="1" fontAlgn="auto" latinLnBrk="0" hangingPunct="1">
-              <a:lnSpc>
-                <a:spcPct val="100000"/>
-              </a:lnSpc>
-              <a:spcBef>
-                <a:spcPts val="0"/>
-              </a:spcBef>
-              <a:spcAft>
-                <a:spcPts val="0"/>
-              </a:spcAft>
-              <a:buClrTx/>
-              <a:buSzTx/>
-              <a:buFontTx/>
-              <a:buNone/>
-              <a:tabLst/>
-              <a:defRPr/>
-            </a:pPr>
-            <a:r>
-              <a:rPr lang="en-US" sz="1200" b="0" i="0" kern="1200" dirty="0">
-                <a:solidFill>
-                  <a:schemeClr val="tx1"/>
-                </a:solidFill>
-                <a:effectLst/>
-                <a:latin typeface="+mn-lt"/>
-                <a:ea typeface="+mn-ea"/>
-                <a:cs typeface="+mn-cs"/>
-              </a:rPr>
-              <a:t>It will auto-bind our function in short syntax, no need to add </a:t>
-            </a:r>
-            <a:r>
-              <a:rPr lang="en-US" dirty="0" err="1"/>
-              <a:t>this.handleClick</a:t>
-            </a:r>
-            <a:r>
-              <a:rPr lang="en-US" dirty="0"/>
-              <a:t> = </a:t>
-            </a:r>
-            <a:r>
-              <a:rPr lang="en-US" dirty="0" err="1"/>
-              <a:t>this.handleClick.bind</a:t>
-            </a:r>
-            <a:r>
-              <a:rPr lang="en-US" dirty="0"/>
-              <a:t>(this)</a:t>
-            </a:r>
-            <a:r>
-              <a:rPr lang="en-US" sz="1200" b="0" i="0" kern="1200" dirty="0">
-                <a:solidFill>
-                  <a:schemeClr val="tx1"/>
-                </a:solidFill>
-                <a:effectLst/>
-                <a:latin typeface="+mn-lt"/>
-                <a:ea typeface="+mn-ea"/>
-                <a:cs typeface="+mn-cs"/>
-              </a:rPr>
-              <a:t> in the constructor.</a:t>
-            </a:r>
-            <a:endParaRPr lang="en-US" b="0" dirty="0"/>
-          </a:p>
-          <a:p>
-            <a:pPr marL="0" marR="0" lvl="0" indent="0" algn="l" defTabSz="914400" rtl="0" eaLnBrk="1" fontAlgn="auto" latinLnBrk="0" hangingPunct="1">
-              <a:lnSpc>
-                <a:spcPct val="100000"/>
-              </a:lnSpc>
-              <a:spcBef>
-                <a:spcPts val="0"/>
-              </a:spcBef>
-              <a:spcAft>
-                <a:spcPts val="0"/>
-              </a:spcAft>
-              <a:buClrTx/>
-              <a:buSzTx/>
-              <a:buFontTx/>
-              <a:buNone/>
-              <a:tabLst/>
-              <a:defRPr/>
-            </a:pPr>
-            <a:endParaRPr lang="en-US" b="0" dirty="0"/>
-          </a:p>
-          <a:p>
-            <a:pPr marL="0" marR="0" lvl="0" indent="0" algn="l" defTabSz="914400" rtl="0" eaLnBrk="1" fontAlgn="auto" latinLnBrk="0" hangingPunct="1">
-              <a:lnSpc>
-                <a:spcPct val="100000"/>
-              </a:lnSpc>
-              <a:spcBef>
-                <a:spcPts val="0"/>
-              </a:spcBef>
-              <a:spcAft>
-                <a:spcPts val="0"/>
-              </a:spcAft>
-              <a:buClrTx/>
-              <a:buSzTx/>
-              <a:buFontTx/>
-              <a:buNone/>
-              <a:tabLst/>
-              <a:defRPr/>
-            </a:pPr>
-            <a:r>
-              <a:rPr lang="en-US" b="0" dirty="0"/>
-              <a:t>Let see what Babel and TS </a:t>
-            </a:r>
-            <a:r>
-              <a:rPr lang="en-US" b="0" dirty="0" err="1"/>
+              <a:rPr lang="en-US" sz="1200" b="1" i="0" kern="1200" dirty="0">
+                <a:solidFill>
+                  <a:schemeClr val="tx1"/>
+                </a:solidFill>
+                <a:effectLst/>
+                <a:latin typeface="+mn-lt"/>
+                <a:ea typeface="+mn-ea"/>
+                <a:cs typeface="+mn-cs"/>
+              </a:rPr>
+              <a:t>Encapsulation</a:t>
+            </a:r>
+            <a:r>
+              <a:rPr lang="en-US" sz="1200" b="0" i="0" kern="1200" dirty="0">
+                <a:solidFill>
+                  <a:schemeClr val="tx1"/>
+                </a:solidFill>
+                <a:effectLst/>
+                <a:latin typeface="+mn-lt"/>
+                <a:ea typeface="+mn-ea"/>
+                <a:cs typeface="+mn-cs"/>
+              </a:rPr>
+              <a:t> refers to enclosing all the functionalities of an object within that object so that the object’s internal workings (its methods and properties) are hidden from the rest of the application. This allows us to abstract or localize specific set of functionalities on objects.</a:t>
+            </a:r>
+          </a:p>
+          <a:p>
+            <a:pPr marL="0" marR="0" lvl="0" indent="0" algn="l" defTabSz="914400" rtl="0" eaLnBrk="1" fontAlgn="auto" latinLnBrk="0" hangingPunct="1">
+              <a:lnSpc>
+                <a:spcPct val="100000"/>
+              </a:lnSpc>
+              <a:spcBef>
+                <a:spcPts val="0"/>
+              </a:spcBef>
+              <a:spcAft>
+                <a:spcPts val="0"/>
+              </a:spcAft>
+              <a:buClrTx/>
+              <a:buSzTx/>
+              <a:buFontTx/>
+              <a:buNone/>
+              <a:tabLst/>
+              <a:defRPr/>
+            </a:pPr>
+            <a:endParaRPr lang="en-US" sz="1200" b="0" i="0" kern="1200" dirty="0">
+              <a:solidFill>
+                <a:schemeClr val="tx1"/>
+              </a:solidFill>
+              <a:effectLst/>
+              <a:latin typeface="+mn-lt"/>
+              <a:ea typeface="+mn-ea"/>
+              <a:cs typeface="+mn-cs"/>
+            </a:endParaRPr>
+          </a:p>
+          <a:p>
+            <a:pPr marL="0" marR="0" lvl="0" indent="0" algn="l" defTabSz="914400" rtl="0" eaLnBrk="1" fontAlgn="auto" latinLnBrk="0" hangingPunct="1">
+              <a:lnSpc>
+                <a:spcPct val="100000"/>
+              </a:lnSpc>
+              <a:spcBef>
+                <a:spcPts val="0"/>
+              </a:spcBef>
+              <a:spcAft>
+                <a:spcPts val="0"/>
+              </a:spcAft>
+              <a:buClrTx/>
+              <a:buSzTx/>
+              <a:buFontTx/>
+              <a:buNone/>
+              <a:tabLst/>
+              <a:defRPr/>
+            </a:pPr>
+            <a:endParaRPr lang="en-US" sz="1200" b="0" i="0" kern="1200" dirty="0">
+              <a:solidFill>
+                <a:schemeClr val="tx1"/>
+              </a:solidFill>
+              <a:effectLst/>
+              <a:latin typeface="+mn-lt"/>
+              <a:ea typeface="+mn-ea"/>
+              <a:cs typeface="+mn-cs"/>
+            </a:endParaRPr>
+          </a:p>
+          <a:p>
+            <a:pPr marL="0" marR="0" lvl="0" indent="0" algn="l" defTabSz="914400" rtl="0" eaLnBrk="1" fontAlgn="auto" latinLnBrk="0" hangingPunct="1">
+              <a:lnSpc>
+                <a:spcPct val="100000"/>
+              </a:lnSpc>
+              <a:spcBef>
+                <a:spcPts val="0"/>
+              </a:spcBef>
+              <a:spcAft>
+                <a:spcPts val="0"/>
+              </a:spcAft>
+              <a:buClrTx/>
+              <a:buSzTx/>
+              <a:buFontTx/>
+              <a:buNone/>
+              <a:tabLst/>
+              <a:defRPr/>
+            </a:pPr>
+            <a:r>
+              <a:rPr lang="en-US" sz="1200" b="0" i="0" kern="1200" dirty="0">
+                <a:solidFill>
+                  <a:schemeClr val="tx1"/>
+                </a:solidFill>
+                <a:effectLst/>
+                <a:latin typeface="+mn-lt"/>
+                <a:ea typeface="+mn-ea"/>
+                <a:cs typeface="+mn-cs"/>
+              </a:rPr>
+              <a:t>How did we create a private variable in JS before ES6?</a:t>
+            </a:r>
+          </a:p>
+          <a:p>
+            <a:pPr marL="0" marR="0" lvl="0" indent="0" algn="l" defTabSz="914400" rtl="0" eaLnBrk="1" fontAlgn="auto" latinLnBrk="0" hangingPunct="1">
+              <a:lnSpc>
+                <a:spcPct val="100000"/>
+              </a:lnSpc>
+              <a:spcBef>
+                <a:spcPts val="0"/>
+              </a:spcBef>
+              <a:spcAft>
+                <a:spcPts val="0"/>
+              </a:spcAft>
+              <a:buClrTx/>
+              <a:buSzTx/>
+              <a:buFontTx/>
+              <a:buNone/>
+              <a:tabLst/>
+              <a:defRPr/>
+            </a:pPr>
+            <a:r>
+              <a:rPr lang="en-US" sz="1200" b="0" i="0" kern="1200" dirty="0">
+                <a:solidFill>
+                  <a:schemeClr val="tx1"/>
+                </a:solidFill>
+                <a:effectLst/>
+                <a:latin typeface="+mn-lt"/>
+                <a:ea typeface="+mn-ea"/>
+                <a:cs typeface="+mn-cs"/>
+              </a:rPr>
+              <a:t>We used closure for this.</a:t>
+            </a:r>
+          </a:p>
+          <a:p>
+            <a:pPr marL="0" marR="0" lvl="0" indent="0" algn="l" defTabSz="914400" rtl="0" eaLnBrk="1" fontAlgn="auto" latinLnBrk="0" hangingPunct="1">
+              <a:lnSpc>
+                <a:spcPct val="100000"/>
+              </a:lnSpc>
+              <a:spcBef>
+                <a:spcPts val="0"/>
+              </a:spcBef>
+              <a:spcAft>
+                <a:spcPts val="0"/>
+              </a:spcAft>
+              <a:buClrTx/>
+              <a:buSzTx/>
+              <a:buFontTx/>
+              <a:buNone/>
+              <a:tabLst/>
+              <a:defRPr/>
+            </a:pPr>
+            <a:r>
+              <a:rPr lang="en-US" sz="1200" b="0" i="0" kern="1200" dirty="0">
+                <a:solidFill>
+                  <a:schemeClr val="tx1"/>
+                </a:solidFill>
+                <a:effectLst/>
+                <a:latin typeface="+mn-lt"/>
+                <a:ea typeface="+mn-ea"/>
+                <a:cs typeface="+mn-cs"/>
+              </a:rPr>
+              <a:t>In the constructor we create a </a:t>
+            </a:r>
+            <a:r>
+              <a:rPr lang="en-US" sz="1200" b="0" i="0" kern="1200" dirty="0" err="1">
+                <a:solidFill>
+                  <a:schemeClr val="tx1"/>
+                </a:solidFill>
+                <a:effectLst/>
+                <a:latin typeface="+mn-lt"/>
+                <a:ea typeface="+mn-ea"/>
+                <a:cs typeface="+mn-cs"/>
+              </a:rPr>
+              <a:t>fullName</a:t>
+            </a:r>
+            <a:r>
+              <a:rPr lang="en-US" sz="1200" b="0" i="0" kern="1200" dirty="0">
+                <a:solidFill>
+                  <a:schemeClr val="tx1"/>
+                </a:solidFill>
+                <a:effectLst/>
+                <a:latin typeface="+mn-lt"/>
+                <a:ea typeface="+mn-ea"/>
+                <a:cs typeface="+mn-cs"/>
+              </a:rPr>
+              <a:t> variable and also a method </a:t>
+            </a:r>
+            <a:r>
+              <a:rPr lang="en-US" sz="1200" b="0" i="0" kern="1200" dirty="0" err="1">
+                <a:solidFill>
+                  <a:schemeClr val="tx1"/>
+                </a:solidFill>
+                <a:effectLst/>
+                <a:latin typeface="+mn-lt"/>
+                <a:ea typeface="+mn-ea"/>
+                <a:cs typeface="+mn-cs"/>
+              </a:rPr>
+              <a:t>getFullName</a:t>
+            </a:r>
+            <a:r>
+              <a:rPr lang="en-US" sz="1200" b="0" i="0" kern="1200" dirty="0">
+                <a:solidFill>
+                  <a:schemeClr val="tx1"/>
+                </a:solidFill>
+                <a:effectLst/>
+                <a:latin typeface="+mn-lt"/>
+                <a:ea typeface="+mn-ea"/>
+                <a:cs typeface="+mn-cs"/>
+              </a:rPr>
+              <a:t>,</a:t>
+            </a:r>
+          </a:p>
+          <a:p>
+            <a:pPr marL="0" marR="0" lvl="0" indent="0" algn="l" defTabSz="914400" rtl="0" eaLnBrk="1" fontAlgn="auto" latinLnBrk="0" hangingPunct="1">
+              <a:lnSpc>
+                <a:spcPct val="100000"/>
+              </a:lnSpc>
+              <a:spcBef>
+                <a:spcPts val="0"/>
+              </a:spcBef>
+              <a:spcAft>
+                <a:spcPts val="0"/>
+              </a:spcAft>
+              <a:buClrTx/>
+              <a:buSzTx/>
+              <a:buFontTx/>
+              <a:buNone/>
+              <a:tabLst/>
+              <a:defRPr/>
+            </a:pPr>
+            <a:r>
+              <a:rPr lang="en-US" sz="1200" b="0" i="0" kern="1200" dirty="0">
+                <a:solidFill>
+                  <a:schemeClr val="tx1"/>
+                </a:solidFill>
+                <a:effectLst/>
+                <a:latin typeface="+mn-lt"/>
+                <a:ea typeface="+mn-ea"/>
+                <a:cs typeface="+mn-cs"/>
+              </a:rPr>
+              <a:t>After the constructor finish to run, </a:t>
+            </a:r>
+            <a:r>
+              <a:rPr lang="en-US" sz="1200" b="0" i="0" kern="1200" dirty="0" err="1">
+                <a:solidFill>
+                  <a:schemeClr val="tx1"/>
+                </a:solidFill>
+                <a:effectLst/>
+                <a:latin typeface="+mn-lt"/>
+                <a:ea typeface="+mn-ea"/>
+                <a:cs typeface="+mn-cs"/>
+              </a:rPr>
+              <a:t>fullName</a:t>
+            </a:r>
+            <a:r>
+              <a:rPr lang="en-US" sz="1200" b="0" i="0" kern="1200" dirty="0">
+                <a:solidFill>
+                  <a:schemeClr val="tx1"/>
+                </a:solidFill>
+                <a:effectLst/>
+                <a:latin typeface="+mn-lt"/>
+                <a:ea typeface="+mn-ea"/>
+                <a:cs typeface="+mn-cs"/>
+              </a:rPr>
+              <a:t> is not accessible outside of the constructor scope/function, but </a:t>
+            </a:r>
+            <a:r>
+              <a:rPr lang="en-US" sz="1200" b="0" i="0" kern="1200" dirty="0" err="1">
+                <a:solidFill>
+                  <a:schemeClr val="tx1"/>
+                </a:solidFill>
+                <a:effectLst/>
+                <a:latin typeface="+mn-lt"/>
+                <a:ea typeface="+mn-ea"/>
+                <a:cs typeface="+mn-cs"/>
+              </a:rPr>
+              <a:t>getFullName</a:t>
+            </a:r>
+            <a:r>
+              <a:rPr lang="en-US" sz="1200" b="0" i="0" kern="1200" dirty="0">
+                <a:solidFill>
+                  <a:schemeClr val="tx1"/>
+                </a:solidFill>
+                <a:effectLst/>
+                <a:latin typeface="+mn-lt"/>
+                <a:ea typeface="+mn-ea"/>
+                <a:cs typeface="+mn-cs"/>
+              </a:rPr>
+              <a:t> is inner function inside </a:t>
+            </a:r>
+            <a:r>
+              <a:rPr lang="en-US" sz="1200" b="0" i="0" u="none" strike="noStrike" kern="1200" baseline="0" dirty="0">
+                <a:solidFill>
+                  <a:schemeClr val="tx1"/>
+                </a:solidFill>
+                <a:latin typeface="+mn-lt"/>
+                <a:ea typeface="+mn-ea"/>
+                <a:cs typeface="+mn-cs"/>
+              </a:rPr>
+              <a:t>constructor so it can access </a:t>
+            </a:r>
+            <a:r>
+              <a:rPr lang="en-US" sz="1200" b="0" i="0" u="none" strike="noStrike" kern="1200" baseline="0" dirty="0" err="1">
+                <a:solidFill>
+                  <a:schemeClr val="tx1"/>
+                </a:solidFill>
+                <a:latin typeface="+mn-lt"/>
+                <a:ea typeface="+mn-ea"/>
+                <a:cs typeface="+mn-cs"/>
+              </a:rPr>
+              <a:t>fullName</a:t>
+            </a:r>
+            <a:r>
+              <a:rPr lang="en-US" sz="1200" b="0" i="0" u="none" strike="noStrike" kern="1200" baseline="0" dirty="0">
+                <a:solidFill>
+                  <a:schemeClr val="tx1"/>
+                </a:solidFill>
+                <a:latin typeface="+mn-lt"/>
+                <a:ea typeface="+mn-ea"/>
+                <a:cs typeface="+mn-cs"/>
+              </a:rPr>
+              <a:t> variable.</a:t>
+            </a:r>
+          </a:p>
+          <a:p>
+            <a:pPr marL="0" marR="0" lvl="0" indent="0" algn="l" defTabSz="914400" rtl="0" eaLnBrk="1" fontAlgn="auto" latinLnBrk="0" hangingPunct="1">
+              <a:lnSpc>
+                <a:spcPct val="100000"/>
+              </a:lnSpc>
+              <a:spcBef>
+                <a:spcPts val="0"/>
+              </a:spcBef>
+              <a:spcAft>
+                <a:spcPts val="0"/>
+              </a:spcAft>
+              <a:buClrTx/>
+              <a:buSzTx/>
+              <a:buFontTx/>
+              <a:buNone/>
+              <a:tabLst/>
+              <a:defRPr/>
+            </a:pPr>
+            <a:r>
+              <a:rPr lang="en-US" sz="1200" b="0" i="0" u="none" strike="noStrike" kern="1200" baseline="0" dirty="0">
+                <a:solidFill>
+                  <a:schemeClr val="tx1"/>
+                </a:solidFill>
+                <a:effectLst/>
+                <a:latin typeface="+mn-lt"/>
+                <a:ea typeface="+mn-ea"/>
+                <a:cs typeface="+mn-cs"/>
+              </a:rPr>
+              <a:t>Just to clarify, we can’t put </a:t>
+            </a:r>
+            <a:r>
+              <a:rPr lang="en-US" sz="1200" b="0" i="0" kern="1200" dirty="0" err="1">
+                <a:solidFill>
+                  <a:schemeClr val="tx1"/>
+                </a:solidFill>
+                <a:effectLst/>
+                <a:latin typeface="+mn-lt"/>
+                <a:ea typeface="+mn-ea"/>
+                <a:cs typeface="+mn-cs"/>
+              </a:rPr>
+              <a:t>getFullName</a:t>
+            </a:r>
+            <a:r>
+              <a:rPr lang="en-US" sz="1200" b="0" i="0" kern="1200" dirty="0">
+                <a:solidFill>
+                  <a:schemeClr val="tx1"/>
+                </a:solidFill>
+                <a:effectLst/>
+                <a:latin typeface="+mn-lt"/>
+                <a:ea typeface="+mn-ea"/>
+                <a:cs typeface="+mn-cs"/>
+              </a:rPr>
+              <a:t> inside prototype because </a:t>
+            </a:r>
+            <a:r>
+              <a:rPr lang="en-US" sz="1200" b="0" i="0" kern="1200" dirty="0" err="1">
+                <a:solidFill>
+                  <a:schemeClr val="tx1"/>
+                </a:solidFill>
+                <a:effectLst/>
+                <a:latin typeface="+mn-lt"/>
+                <a:ea typeface="+mn-ea"/>
+                <a:cs typeface="+mn-cs"/>
+              </a:rPr>
+              <a:t>fullName</a:t>
+            </a:r>
+            <a:r>
+              <a:rPr lang="en-US" sz="1200" b="0" i="0" kern="1200" dirty="0">
+                <a:solidFill>
+                  <a:schemeClr val="tx1"/>
+                </a:solidFill>
+                <a:effectLst/>
+                <a:latin typeface="+mn-lt"/>
+                <a:ea typeface="+mn-ea"/>
+                <a:cs typeface="+mn-cs"/>
+              </a:rPr>
+              <a:t> is not on our `this` - it’s scope variable so every instance of person will create new </a:t>
+            </a:r>
+            <a:r>
+              <a:rPr lang="en-US" sz="1200" b="0" i="0" kern="1200" dirty="0" err="1">
+                <a:solidFill>
+                  <a:schemeClr val="tx1"/>
+                </a:solidFill>
+                <a:effectLst/>
+                <a:latin typeface="+mn-lt"/>
+                <a:ea typeface="+mn-ea"/>
+                <a:cs typeface="+mn-cs"/>
+              </a:rPr>
+              <a:t>getFullName</a:t>
+            </a:r>
+            <a:r>
+              <a:rPr lang="en-US" sz="1200" b="0" i="0" kern="1200" dirty="0">
+                <a:solidFill>
+                  <a:schemeClr val="tx1"/>
+                </a:solidFill>
+                <a:effectLst/>
+                <a:latin typeface="+mn-lt"/>
+                <a:ea typeface="+mn-ea"/>
+                <a:cs typeface="+mn-cs"/>
+              </a:rPr>
+              <a:t> function instance.</a:t>
+            </a:r>
+          </a:p>
+          <a:p>
+            <a:pPr marL="0" marR="0" lvl="0" indent="0" algn="l" defTabSz="914400" rtl="0" eaLnBrk="1" fontAlgn="auto" latinLnBrk="0" hangingPunct="1">
+              <a:lnSpc>
+                <a:spcPct val="100000"/>
+              </a:lnSpc>
+              <a:spcBef>
+                <a:spcPts val="0"/>
+              </a:spcBef>
+              <a:spcAft>
+                <a:spcPts val="0"/>
+              </a:spcAft>
+              <a:buClrTx/>
+              <a:buSzTx/>
+              <a:buFontTx/>
+              <a:buNone/>
+              <a:tabLst/>
+              <a:defRPr/>
+            </a:pPr>
+            <a:endParaRPr lang="en-US" sz="1200" b="0" i="0" kern="1200" dirty="0">
+              <a:solidFill>
+                <a:schemeClr val="tx1"/>
+              </a:solidFill>
+              <a:effectLst/>
+              <a:latin typeface="+mn-lt"/>
+              <a:ea typeface="+mn-ea"/>
+              <a:cs typeface="+mn-cs"/>
+            </a:endParaRPr>
+          </a:p>
+          <a:p>
+            <a:pPr marL="0" marR="0" lvl="0" indent="0" algn="l" defTabSz="914400" rtl="0" eaLnBrk="1" fontAlgn="auto" latinLnBrk="0" hangingPunct="1">
+              <a:lnSpc>
+                <a:spcPct val="100000"/>
+              </a:lnSpc>
+              <a:spcBef>
+                <a:spcPts val="0"/>
+              </a:spcBef>
+              <a:spcAft>
+                <a:spcPts val="0"/>
+              </a:spcAft>
+              <a:buClrTx/>
+              <a:buSzTx/>
+              <a:buFontTx/>
+              <a:buNone/>
+              <a:tabLst/>
+              <a:defRPr/>
+            </a:pPr>
+            <a:r>
+              <a:rPr lang="en-US" sz="1200" b="0" i="0" kern="1200" dirty="0">
+                <a:solidFill>
+                  <a:schemeClr val="tx1"/>
+                </a:solidFill>
+                <a:effectLst/>
+                <a:latin typeface="+mn-lt"/>
+                <a:ea typeface="+mn-ea"/>
+                <a:cs typeface="+mn-cs"/>
+              </a:rPr>
+              <a:t>How we will create Person with typescript?</a:t>
+            </a:r>
+          </a:p>
+          <a:p>
+            <a:pPr marL="0" marR="0" lvl="0" indent="0" algn="l" defTabSz="914400" rtl="0" eaLnBrk="1" fontAlgn="auto" latinLnBrk="0" hangingPunct="1">
+              <a:lnSpc>
+                <a:spcPct val="100000"/>
+              </a:lnSpc>
+              <a:spcBef>
+                <a:spcPts val="0"/>
+              </a:spcBef>
+              <a:spcAft>
+                <a:spcPts val="0"/>
+              </a:spcAft>
+              <a:buClrTx/>
+              <a:buSzTx/>
+              <a:buFontTx/>
+              <a:buNone/>
+              <a:tabLst/>
+              <a:defRPr/>
+            </a:pPr>
+            <a:r>
+              <a:rPr lang="en-US" sz="1200" b="0" i="0" kern="1200" dirty="0">
+                <a:solidFill>
+                  <a:schemeClr val="tx1"/>
+                </a:solidFill>
+                <a:effectLst/>
+                <a:latin typeface="+mn-lt"/>
+                <a:ea typeface="+mn-ea"/>
+                <a:cs typeface="+mn-cs"/>
+              </a:rPr>
+              <a:t>We will defined </a:t>
+            </a:r>
+            <a:r>
+              <a:rPr lang="en-US" sz="1200" b="0" i="0" kern="1200" dirty="0" err="1">
+                <a:solidFill>
+                  <a:schemeClr val="tx1"/>
+                </a:solidFill>
+                <a:effectLst/>
+                <a:latin typeface="+mn-lt"/>
+                <a:ea typeface="+mn-ea"/>
+                <a:cs typeface="+mn-cs"/>
+              </a:rPr>
+              <a:t>fullName</a:t>
+            </a:r>
+            <a:r>
+              <a:rPr lang="en-US" sz="1200" b="0" i="0" kern="1200" dirty="0">
+                <a:solidFill>
+                  <a:schemeClr val="tx1"/>
+                </a:solidFill>
+                <a:effectLst/>
+                <a:latin typeface="+mn-lt"/>
+                <a:ea typeface="+mn-ea"/>
+                <a:cs typeface="+mn-cs"/>
+              </a:rPr>
+              <a:t> as private and add </a:t>
+            </a:r>
+            <a:r>
+              <a:rPr lang="en-US" sz="1200" b="0" i="0" kern="1200" dirty="0" err="1">
+                <a:solidFill>
+                  <a:schemeClr val="tx1"/>
+                </a:solidFill>
+                <a:effectLst/>
+                <a:latin typeface="+mn-lt"/>
+                <a:ea typeface="+mn-ea"/>
+                <a:cs typeface="+mn-cs"/>
+              </a:rPr>
+              <a:t>getFullName</a:t>
+            </a:r>
+            <a:r>
+              <a:rPr lang="en-US" sz="1200" b="0" i="0" kern="1200" dirty="0">
+                <a:solidFill>
+                  <a:schemeClr val="tx1"/>
+                </a:solidFill>
+                <a:effectLst/>
+                <a:latin typeface="+mn-lt"/>
+                <a:ea typeface="+mn-ea"/>
+                <a:cs typeface="+mn-cs"/>
+              </a:rPr>
+              <a:t> to the class</a:t>
+            </a:r>
+          </a:p>
+          <a:p>
+            <a:pPr marL="0" marR="0" lvl="0" indent="0" algn="l" defTabSz="914400" rtl="0" eaLnBrk="1" fontAlgn="auto" latinLnBrk="0" hangingPunct="1">
+              <a:lnSpc>
+                <a:spcPct val="100000"/>
+              </a:lnSpc>
+              <a:spcBef>
+                <a:spcPts val="0"/>
+              </a:spcBef>
+              <a:spcAft>
+                <a:spcPts val="0"/>
+              </a:spcAft>
+              <a:buClrTx/>
+              <a:buSzTx/>
+              <a:buFontTx/>
+              <a:buNone/>
+              <a:tabLst/>
+              <a:defRPr/>
+            </a:pPr>
+            <a:endParaRPr lang="en-US" sz="1200" b="0" i="0" kern="1200" dirty="0">
+              <a:solidFill>
+                <a:schemeClr val="tx1"/>
+              </a:solidFill>
+              <a:effectLst/>
+              <a:latin typeface="+mn-lt"/>
+              <a:ea typeface="+mn-ea"/>
+              <a:cs typeface="+mn-cs"/>
+            </a:endParaRPr>
+          </a:p>
+          <a:p>
+            <a:pPr marL="0" marR="0" lvl="0" indent="0" algn="l" defTabSz="914400" rtl="0" eaLnBrk="1" fontAlgn="auto" latinLnBrk="0" hangingPunct="1">
+              <a:lnSpc>
+                <a:spcPct val="100000"/>
+              </a:lnSpc>
+              <a:spcBef>
+                <a:spcPts val="0"/>
+              </a:spcBef>
+              <a:spcAft>
+                <a:spcPts val="0"/>
+              </a:spcAft>
+              <a:buClrTx/>
+              <a:buSzTx/>
+              <a:buFontTx/>
+              <a:buNone/>
+              <a:tabLst/>
+              <a:defRPr/>
+            </a:pPr>
+            <a:r>
+              <a:rPr lang="en-US" sz="1200" b="0" i="0" kern="1200" dirty="0">
+                <a:solidFill>
+                  <a:schemeClr val="tx1"/>
+                </a:solidFill>
+                <a:effectLst/>
+                <a:latin typeface="+mn-lt"/>
+                <a:ea typeface="+mn-ea"/>
+                <a:cs typeface="+mn-cs"/>
+              </a:rPr>
+              <a:t>Let’s see how typescript </a:t>
+            </a:r>
+            <a:r>
+              <a:rPr lang="en-US" sz="1200" b="0" i="0" kern="1200" dirty="0" err="1">
+                <a:solidFill>
+                  <a:schemeClr val="tx1"/>
+                </a:solidFill>
+                <a:effectLst/>
+                <a:latin typeface="+mn-lt"/>
+                <a:ea typeface="+mn-ea"/>
+                <a:cs typeface="+mn-cs"/>
+              </a:rPr>
               <a:t>transpile</a:t>
             </a:r>
             <a:r>
-              <a:rPr lang="en-US" b="0" dirty="0"/>
-              <a:t> them</a:t>
-            </a:r>
-          </a:p>
-          <a:p>
-            <a:pPr marL="0" marR="0" lvl="0" indent="0" algn="l" defTabSz="914400" rtl="0" eaLnBrk="1" fontAlgn="auto" latinLnBrk="0" hangingPunct="1">
-              <a:lnSpc>
-                <a:spcPct val="100000"/>
-              </a:lnSpc>
-              <a:spcBef>
-                <a:spcPts val="0"/>
-              </a:spcBef>
-              <a:spcAft>
-                <a:spcPts val="0"/>
-              </a:spcAft>
-              <a:buClrTx/>
-              <a:buSzTx/>
-              <a:buFontTx/>
-              <a:buNone/>
-              <a:tabLst/>
-              <a:defRPr/>
-            </a:pPr>
-            <a:endParaRPr lang="en-US" b="0" dirty="0"/>
-          </a:p>
-          <a:p>
-            <a:pPr marL="0" marR="0" lvl="0" indent="0" algn="l" defTabSz="914400" rtl="0" eaLnBrk="1" fontAlgn="auto" latinLnBrk="0" hangingPunct="1">
-              <a:lnSpc>
-                <a:spcPct val="100000"/>
-              </a:lnSpc>
-              <a:spcBef>
-                <a:spcPts val="0"/>
-              </a:spcBef>
-              <a:spcAft>
-                <a:spcPts val="0"/>
-              </a:spcAft>
-              <a:buClrTx/>
-              <a:buSzTx/>
-              <a:buFontTx/>
-              <a:buNone/>
-              <a:tabLst/>
-              <a:defRPr/>
-            </a:pPr>
-            <a:r>
-              <a:rPr lang="en-US" b="0" dirty="0"/>
-              <a:t>Is it equal to bind? Should we use it instead of bind function?</a:t>
-            </a:r>
-          </a:p>
-          <a:p>
-            <a:pPr marL="0" marR="0" lvl="0" indent="0" algn="l" defTabSz="914400" rtl="0" eaLnBrk="1" fontAlgn="auto" latinLnBrk="0" hangingPunct="1">
-              <a:lnSpc>
-                <a:spcPct val="100000"/>
-              </a:lnSpc>
-              <a:spcBef>
-                <a:spcPts val="0"/>
-              </a:spcBef>
-              <a:spcAft>
-                <a:spcPts val="0"/>
-              </a:spcAft>
-              <a:buClrTx/>
-              <a:buSzTx/>
-              <a:buFontTx/>
-              <a:buNone/>
-              <a:tabLst/>
-              <a:defRPr/>
-            </a:pPr>
-            <a:endParaRPr lang="en-US" b="0" dirty="0"/>
-          </a:p>
-          <a:p>
-            <a:pPr marL="0" marR="0" lvl="0" indent="0" algn="l" defTabSz="914400" rtl="0" eaLnBrk="1" fontAlgn="auto" latinLnBrk="0" hangingPunct="1">
-              <a:lnSpc>
-                <a:spcPct val="100000"/>
-              </a:lnSpc>
-              <a:spcBef>
-                <a:spcPts val="0"/>
-              </a:spcBef>
-              <a:spcAft>
-                <a:spcPts val="0"/>
-              </a:spcAft>
-              <a:buClrTx/>
-              <a:buSzTx/>
-              <a:buFontTx/>
-              <a:buNone/>
-              <a:tabLst/>
-              <a:defRPr/>
-            </a:pPr>
-            <a:r>
-              <a:rPr lang="en-US" b="0" dirty="0"/>
-              <a:t>Basically they are solving the same issue but we need to understand the differences.</a:t>
-            </a:r>
-          </a:p>
-          <a:p>
-            <a:pPr marL="171450" marR="0" lvl="0" indent="-171450" algn="l" defTabSz="914400" rtl="0" eaLnBrk="1" fontAlgn="auto" latinLnBrk="0" hangingPunct="1">
+              <a:rPr lang="en-US" sz="1200" b="0" i="0" kern="1200" dirty="0">
+                <a:solidFill>
+                  <a:schemeClr val="tx1"/>
+                </a:solidFill>
+                <a:effectLst/>
+                <a:latin typeface="+mn-lt"/>
+                <a:ea typeface="+mn-ea"/>
+                <a:cs typeface="+mn-cs"/>
+              </a:rPr>
+              <a:t> our code, we can see that </a:t>
+            </a:r>
+            <a:r>
+              <a:rPr lang="en-US" sz="1200" b="0" i="0" kern="1200" dirty="0" err="1">
+                <a:solidFill>
+                  <a:schemeClr val="tx1"/>
+                </a:solidFill>
+                <a:effectLst/>
+                <a:latin typeface="+mn-lt"/>
+                <a:ea typeface="+mn-ea"/>
+                <a:cs typeface="+mn-cs"/>
+              </a:rPr>
+              <a:t>fullName</a:t>
+            </a:r>
+            <a:r>
+              <a:rPr lang="en-US" sz="1200" b="0" i="0" kern="1200" dirty="0">
+                <a:solidFill>
+                  <a:schemeClr val="tx1"/>
+                </a:solidFill>
+                <a:effectLst/>
+                <a:latin typeface="+mn-lt"/>
+                <a:ea typeface="+mn-ea"/>
+                <a:cs typeface="+mn-cs"/>
+              </a:rPr>
+              <a:t> is added to our this which means it’s accessible outside of our class and not a real private.</a:t>
+            </a:r>
+          </a:p>
+          <a:p>
+            <a:pPr marL="0" marR="0" lvl="0" indent="0" algn="l" defTabSz="914400" rtl="0" eaLnBrk="1" fontAlgn="auto" latinLnBrk="0" hangingPunct="1">
+              <a:lnSpc>
+                <a:spcPct val="100000"/>
+              </a:lnSpc>
+              <a:spcBef>
+                <a:spcPts val="0"/>
+              </a:spcBef>
+              <a:spcAft>
+                <a:spcPts val="0"/>
+              </a:spcAft>
+              <a:buClrTx/>
+              <a:buSzTx/>
+              <a:buFontTx/>
+              <a:buNone/>
+              <a:tabLst/>
+              <a:defRPr/>
+            </a:pPr>
+            <a:r>
+              <a:rPr lang="en-US" sz="1200" b="0" i="0" kern="1200" dirty="0">
+                <a:solidFill>
+                  <a:schemeClr val="tx1"/>
+                </a:solidFill>
+                <a:effectLst/>
+                <a:latin typeface="+mn-lt"/>
+                <a:ea typeface="+mn-ea"/>
+                <a:cs typeface="+mn-cs"/>
+              </a:rPr>
+              <a:t>Why?</a:t>
+            </a:r>
+            <a:br>
+              <a:rPr lang="en-US" sz="1200" b="0" i="0" kern="1200" dirty="0">
+                <a:solidFill>
+                  <a:schemeClr val="tx1"/>
+                </a:solidFill>
+                <a:effectLst/>
+                <a:latin typeface="+mn-lt"/>
+                <a:ea typeface="+mn-ea"/>
+                <a:cs typeface="+mn-cs"/>
+              </a:rPr>
+            </a:br>
+            <a:r>
+              <a:rPr lang="en-US" sz="1200" b="0" i="0" kern="1200" dirty="0">
+                <a:solidFill>
+                  <a:schemeClr val="tx1"/>
+                </a:solidFill>
+                <a:effectLst/>
+                <a:latin typeface="+mn-lt"/>
+                <a:ea typeface="+mn-ea"/>
+                <a:cs typeface="+mn-cs"/>
+              </a:rPr>
+              <a:t>Probably because if we are defining variables private and trying to access it outside then typescript at build time will throw us exception and will protect us.</a:t>
+            </a:r>
+          </a:p>
+          <a:p>
+            <a:pPr marL="0" marR="0" lvl="0" indent="0" algn="l" defTabSz="914400" rtl="0" eaLnBrk="1" fontAlgn="auto" latinLnBrk="0" hangingPunct="1">
+              <a:lnSpc>
+                <a:spcPct val="100000"/>
+              </a:lnSpc>
+              <a:spcBef>
+                <a:spcPts val="0"/>
+              </a:spcBef>
+              <a:spcAft>
+                <a:spcPts val="0"/>
+              </a:spcAft>
+              <a:buClrTx/>
+              <a:buSzTx/>
+              <a:buFontTx/>
+              <a:buNone/>
+              <a:tabLst/>
+              <a:defRPr/>
+            </a:pPr>
+            <a:endParaRPr lang="en-US" sz="1200" b="0" i="0" kern="1200" dirty="0">
+              <a:solidFill>
+                <a:schemeClr val="tx1"/>
+              </a:solidFill>
+              <a:effectLst/>
+              <a:latin typeface="+mn-lt"/>
+              <a:ea typeface="+mn-ea"/>
+              <a:cs typeface="+mn-cs"/>
+            </a:endParaRPr>
+          </a:p>
+          <a:p>
+            <a:pPr marL="0" marR="0" lvl="0" indent="0" algn="l" defTabSz="914400" rtl="0" eaLnBrk="1" fontAlgn="auto" latinLnBrk="0" hangingPunct="1">
+              <a:lnSpc>
+                <a:spcPct val="100000"/>
+              </a:lnSpc>
+              <a:spcBef>
+                <a:spcPts val="0"/>
+              </a:spcBef>
+              <a:spcAft>
+                <a:spcPts val="0"/>
+              </a:spcAft>
+              <a:buClrTx/>
+              <a:buSzTx/>
+              <a:buFontTx/>
+              <a:buNone/>
+              <a:tabLst/>
+              <a:defRPr/>
+            </a:pPr>
+            <a:r>
+              <a:rPr lang="en-US" sz="1200" b="0" i="0" kern="1200" dirty="0">
+                <a:solidFill>
+                  <a:schemeClr val="tx1"/>
+                </a:solidFill>
+                <a:effectLst/>
+                <a:latin typeface="+mn-lt"/>
+                <a:ea typeface="+mn-ea"/>
+                <a:cs typeface="+mn-cs"/>
+              </a:rPr>
+              <a:t>How can we create a private/encapsulated variable in ES6?</a:t>
+            </a:r>
+          </a:p>
+          <a:p>
+            <a:pPr marL="0" marR="0" lvl="0" indent="0" algn="l" defTabSz="914400" rtl="0" eaLnBrk="1" fontAlgn="auto" latinLnBrk="0" hangingPunct="1">
+              <a:lnSpc>
+                <a:spcPct val="100000"/>
+              </a:lnSpc>
+              <a:spcBef>
+                <a:spcPts val="0"/>
+              </a:spcBef>
+              <a:spcAft>
+                <a:spcPts val="0"/>
+              </a:spcAft>
+              <a:buClrTx/>
+              <a:buSzTx/>
+              <a:buFontTx/>
+              <a:buNone/>
+              <a:tabLst/>
+              <a:defRPr/>
+            </a:pPr>
+            <a:r>
+              <a:rPr lang="en-US" sz="1200" b="0" i="0" kern="1200" dirty="0">
+                <a:solidFill>
+                  <a:schemeClr val="tx1"/>
+                </a:solidFill>
+                <a:effectLst/>
+                <a:latin typeface="+mn-lt"/>
+                <a:ea typeface="+mn-ea"/>
+                <a:cs typeface="+mn-cs"/>
+              </a:rPr>
+              <a:t>Like we did in ES5, creating the variable inside the constructor and also the function</a:t>
+            </a:r>
+          </a:p>
+          <a:p>
+            <a:pPr marL="0" marR="0" lvl="0" indent="0" algn="l" defTabSz="914400" rtl="0" eaLnBrk="1" fontAlgn="auto" latinLnBrk="0" hangingPunct="1">
+              <a:lnSpc>
+                <a:spcPct val="100000"/>
+              </a:lnSpc>
+              <a:spcBef>
+                <a:spcPts val="0"/>
+              </a:spcBef>
+              <a:spcAft>
+                <a:spcPts val="0"/>
+              </a:spcAft>
+              <a:buClrTx/>
+              <a:buSzTx/>
+              <a:buFontTx/>
+              <a:buNone/>
+              <a:tabLst/>
+              <a:defRPr/>
+            </a:pPr>
+            <a:endParaRPr lang="en-US" sz="1200" b="0" i="0" kern="1200" dirty="0">
+              <a:solidFill>
+                <a:schemeClr val="tx1"/>
+              </a:solidFill>
+              <a:effectLst/>
+              <a:latin typeface="+mn-lt"/>
+              <a:ea typeface="+mn-ea"/>
+              <a:cs typeface="+mn-cs"/>
+            </a:endParaRPr>
+          </a:p>
+          <a:p>
+            <a:pPr marL="342900" marR="0" lvl="0" indent="-342900" algn="l" defTabSz="914400" rtl="0" eaLnBrk="1" fontAlgn="auto" latinLnBrk="0" hangingPunct="1">
               <a:lnSpc>
                 <a:spcPct val="100000"/>
               </a:lnSpc>
@@ -15180,36 +14821,15 @@
               <a:defRPr/>
             </a:pPr>
             <a:r>
-              <a:rPr lang="en-US" sz="1200" b="1" i="0" kern="1200" dirty="0" err="1">
-                <a:solidFill>
-                  <a:schemeClr val="tx1"/>
-                </a:solidFill>
-                <a:effectLst/>
-                <a:latin typeface="+mn-lt"/>
-                <a:ea typeface="+mn-ea"/>
-                <a:cs typeface="+mn-cs"/>
-              </a:rPr>
-              <a:t>Mockability</a:t>
-            </a:r>
-            <a:r>
-              <a:rPr lang="en-US" sz="1200" b="1" i="0" kern="1200" dirty="0">
-                <a:solidFill>
-                  <a:schemeClr val="tx1"/>
-                </a:solidFill>
-                <a:effectLst/>
-                <a:latin typeface="+mn-lt"/>
-                <a:ea typeface="+mn-ea"/>
-                <a:cs typeface="+mn-cs"/>
-              </a:rPr>
-              <a:t> - </a:t>
-            </a:r>
-            <a:r>
-              <a:rPr lang="en-US" b="0" dirty="0"/>
-              <a:t>With arrow function the function is not seating on the prototype so if we will try to mock the function we could not because the function is bind</a:t>
-            </a:r>
-          </a:p>
-          <a:p>
-            <a:pPr marL="171450" marR="0" lvl="0" indent="-171450" algn="l" defTabSz="914400" rtl="0" eaLnBrk="1" fontAlgn="auto" latinLnBrk="0" hangingPunct="1">
+              <a:rPr lang="en-US" sz="2400" dirty="0">
+                <a:hlinkClick r:id="rId3"/>
+              </a:rPr>
+              <a:t>https://javascriptissexy.com/oop-in-javascript-what-you-need-to-know/</a:t>
+            </a:r>
+            <a:endParaRPr lang="en-US" sz="2400" dirty="0"/>
+          </a:p>
+          <a:p>
+            <a:pPr marL="342900" marR="0" lvl="0" indent="-342900" algn="l" defTabSz="914400" rtl="0" eaLnBrk="1" fontAlgn="auto" latinLnBrk="0" hangingPunct="1">
               <a:lnSpc>
                 <a:spcPct val="100000"/>
               </a:lnSpc>
@@ -15227,37 +14847,15 @@
               <a:defRPr/>
             </a:pPr>
             <a:r>
-              <a:rPr lang="en-US" sz="1200" b="1" i="0" kern="1200" dirty="0">
-                <a:solidFill>
-                  <a:schemeClr val="tx1"/>
-                </a:solidFill>
-                <a:effectLst/>
-                <a:latin typeface="+mn-lt"/>
-                <a:ea typeface="+mn-ea"/>
-                <a:cs typeface="+mn-cs"/>
-              </a:rPr>
-              <a:t>Inheritance - </a:t>
-            </a:r>
-            <a:r>
-              <a:rPr lang="en-US" b="0" dirty="0"/>
-              <a:t>The function is not on prototype so if class B inherit class A then class b can’t call `</a:t>
-            </a:r>
-            <a:r>
-              <a:rPr lang="en-US" b="0" dirty="0" err="1"/>
-              <a:t>super.</a:t>
-            </a:r>
-            <a:r>
-              <a:rPr lang="en-US" dirty="0" err="1"/>
-              <a:t>handleClick</a:t>
-            </a:r>
-            <a:r>
-              <a:rPr lang="en-US" dirty="0"/>
-              <a:t>()` because it’s not on the prototype.</a:t>
-            </a:r>
-            <a:endParaRPr lang="en-US" b="0" dirty="0"/>
-          </a:p>
-          <a:p>
-            <a:pPr marL="171450" marR="0" lvl="0" indent="-171450" algn="l" defTabSz="914400" rtl="0" eaLnBrk="1" fontAlgn="auto" latinLnBrk="0" hangingPunct="1">
+              <a:rPr lang="en-US" sz="2400" dirty="0">
+                <a:hlinkClick r:id="rId4"/>
+              </a:rPr>
+              <a:t>https://medium.freecodecamp.org/an-introduction-to-object-oriented-programming-in-javascript-8900124e316a</a:t>
+            </a:r>
+            <a:endParaRPr lang="en-US" sz="2400" dirty="0"/>
+          </a:p>
+          <a:p>
+            <a:pPr marL="342900" marR="0" lvl="0" indent="-342900" algn="l" defTabSz="914400" rtl="0" eaLnBrk="1" fontAlgn="auto" latinLnBrk="0" hangingPunct="1">
               <a:lnSpc>
                 <a:spcPct val="100000"/>
               </a:lnSpc>
@@ -15274,408 +14872,7 @@
               <a:tabLst/>
               <a:defRPr/>
             </a:pPr>
-            <a:r>
-              <a:rPr lang="en-US" sz="1200" b="1" i="0" kern="1200" dirty="0">
-                <a:solidFill>
-                  <a:schemeClr val="tx1"/>
-                </a:solidFill>
-                <a:effectLst/>
-                <a:latin typeface="+mn-lt"/>
-                <a:ea typeface="+mn-ea"/>
-                <a:cs typeface="+mn-cs"/>
-              </a:rPr>
-              <a:t>Performance – </a:t>
-            </a:r>
-            <a:r>
-              <a:rPr lang="en-US" b="0" dirty="0"/>
-              <a:t>Function seating on class is shared between all instances and created once but function created with arrow function or bind is created N times.</a:t>
-            </a:r>
-          </a:p>
-          <a:p>
-            <a:pPr marL="171450" marR="0" lvl="0" indent="-171450" algn="l" defTabSz="914400" rtl="0" eaLnBrk="1" fontAlgn="auto" latinLnBrk="0" hangingPunct="1">
-              <a:lnSpc>
-                <a:spcPct val="100000"/>
-              </a:lnSpc>
-              <a:spcBef>
-                <a:spcPts val="0"/>
-              </a:spcBef>
-              <a:spcAft>
-                <a:spcPts val="0"/>
-              </a:spcAft>
-              <a:buClrTx/>
-              <a:buSzTx/>
-              <a:buFontTx/>
-              <a:buChar char="-"/>
-              <a:tabLst/>
-              <a:defRPr/>
-            </a:pPr>
-            <a:endParaRPr lang="en-US" b="0" dirty="0"/>
-          </a:p>
-          <a:p>
-            <a:pPr marL="0" marR="0" lvl="0" indent="0" algn="l" defTabSz="914400" rtl="0" eaLnBrk="1" fontAlgn="auto" latinLnBrk="0" hangingPunct="1">
-              <a:lnSpc>
-                <a:spcPct val="100000"/>
-              </a:lnSpc>
-              <a:spcBef>
-                <a:spcPts val="0"/>
-              </a:spcBef>
-              <a:spcAft>
-                <a:spcPts val="0"/>
-              </a:spcAft>
-              <a:buClrTx/>
-              <a:buSzTx/>
-              <a:buFontTx/>
-              <a:buNone/>
-              <a:tabLst/>
-              <a:defRPr/>
-            </a:pPr>
-            <a:r>
-              <a:rPr lang="en-US" b="0" dirty="0"/>
-              <a:t>Let see performance differences:.</a:t>
-            </a:r>
-          </a:p>
-          <a:p>
-            <a:pPr marL="0" marR="0" lvl="0" indent="0" algn="l" defTabSz="914400" rtl="0" eaLnBrk="1" fontAlgn="auto" latinLnBrk="0" hangingPunct="1">
-              <a:lnSpc>
-                <a:spcPct val="100000"/>
-              </a:lnSpc>
-              <a:spcBef>
-                <a:spcPts val="0"/>
-              </a:spcBef>
-              <a:spcAft>
-                <a:spcPts val="0"/>
-              </a:spcAft>
-              <a:buClrTx/>
-              <a:buSzTx/>
-              <a:buFontTx/>
-              <a:buNone/>
-              <a:tabLst/>
-              <a:defRPr/>
-            </a:pPr>
-            <a:endParaRPr lang="en-US" dirty="0"/>
-          </a:p>
-          <a:p>
-            <a:pPr marL="0" marR="0" lvl="0" indent="0" algn="l" defTabSz="914400" rtl="0" eaLnBrk="1" fontAlgn="auto" latinLnBrk="0" hangingPunct="1">
-              <a:lnSpc>
-                <a:spcPct val="100000"/>
-              </a:lnSpc>
-              <a:spcBef>
-                <a:spcPts val="0"/>
-              </a:spcBef>
-              <a:spcAft>
-                <a:spcPts val="0"/>
-              </a:spcAft>
-              <a:buClrTx/>
-              <a:buSzTx/>
-              <a:buFontTx/>
-              <a:buNone/>
-              <a:tabLst/>
-              <a:defRPr/>
-            </a:pPr>
-            <a:r>
-              <a:rPr lang="en-US" sz="1200" b="1" i="0" kern="1200" dirty="0">
-                <a:solidFill>
-                  <a:schemeClr val="tx1"/>
-                </a:solidFill>
-                <a:effectLst/>
-                <a:latin typeface="+mn-lt"/>
-                <a:ea typeface="+mn-ea"/>
-                <a:cs typeface="+mn-cs"/>
-              </a:rPr>
-              <a:t>Conclusion</a:t>
-            </a:r>
-            <a:endParaRPr lang="en-US" dirty="0"/>
-          </a:p>
-          <a:p>
-            <a:pPr marL="171450" marR="0" lvl="0" indent="-171450" algn="l" defTabSz="914400" rtl="0" eaLnBrk="1" fontAlgn="auto" latinLnBrk="0" hangingPunct="1">
-              <a:lnSpc>
-                <a:spcPct val="100000"/>
-              </a:lnSpc>
-              <a:spcBef>
-                <a:spcPts val="0"/>
-              </a:spcBef>
-              <a:spcAft>
-                <a:spcPts val="0"/>
-              </a:spcAft>
-              <a:buClrTx/>
-              <a:buSzTx/>
-              <a:buFontTx/>
-              <a:buChar char="-"/>
-              <a:tabLst/>
-              <a:defRPr/>
-            </a:pPr>
-            <a:r>
-              <a:rPr lang="en-US" sz="1200" b="0" i="1" kern="1200" dirty="0">
-                <a:solidFill>
-                  <a:schemeClr val="tx1"/>
-                </a:solidFill>
-                <a:effectLst/>
-                <a:latin typeface="+mn-lt"/>
-                <a:ea typeface="+mn-ea"/>
-                <a:cs typeface="+mn-cs"/>
-              </a:rPr>
-              <a:t>Arrow functions in class properties are much slower than bound functions, and both are much slower than usual function.</a:t>
-            </a:r>
-          </a:p>
-          <a:p>
-            <a:pPr marL="171450" marR="0" lvl="0" indent="-171450" algn="l" defTabSz="914400" rtl="0" eaLnBrk="1" fontAlgn="auto" latinLnBrk="0" hangingPunct="1">
-              <a:lnSpc>
-                <a:spcPct val="100000"/>
-              </a:lnSpc>
-              <a:spcBef>
-                <a:spcPts val="0"/>
-              </a:spcBef>
-              <a:spcAft>
-                <a:spcPts val="0"/>
-              </a:spcAft>
-              <a:buClrTx/>
-              <a:buSzTx/>
-              <a:buFontTx/>
-              <a:buChar char="-"/>
-              <a:tabLst/>
-              <a:defRPr/>
-            </a:pPr>
-            <a:r>
-              <a:rPr lang="en-US" sz="1200" b="0" i="1" kern="1200" dirty="0">
-                <a:solidFill>
-                  <a:schemeClr val="tx1"/>
-                </a:solidFill>
-                <a:effectLst/>
-                <a:latin typeface="+mn-lt"/>
-                <a:ea typeface="+mn-ea"/>
-                <a:cs typeface="+mn-cs"/>
-              </a:rPr>
-              <a:t>The initialization of arrow functions in class properties are </a:t>
-            </a:r>
-            <a:r>
-              <a:rPr lang="en-US" sz="1200" b="0" i="1" kern="1200" dirty="0" err="1">
-                <a:solidFill>
-                  <a:schemeClr val="tx1"/>
-                </a:solidFill>
-                <a:effectLst/>
-                <a:latin typeface="+mn-lt"/>
-                <a:ea typeface="+mn-ea"/>
-                <a:cs typeface="+mn-cs"/>
-              </a:rPr>
-              <a:t>transpiled</a:t>
-            </a:r>
-            <a:r>
-              <a:rPr lang="en-US" sz="1200" b="0" i="1" kern="1200" dirty="0">
-                <a:solidFill>
-                  <a:schemeClr val="tx1"/>
-                </a:solidFill>
-                <a:effectLst/>
-                <a:latin typeface="+mn-lt"/>
-                <a:ea typeface="+mn-ea"/>
-                <a:cs typeface="+mn-cs"/>
-              </a:rPr>
-              <a:t> into the constructor.</a:t>
-            </a:r>
-          </a:p>
-          <a:p>
-            <a:pPr marL="171450" marR="0" lvl="0" indent="-171450" algn="l" defTabSz="914400" rtl="0" eaLnBrk="1" fontAlgn="auto" latinLnBrk="0" hangingPunct="1">
-              <a:lnSpc>
-                <a:spcPct val="100000"/>
-              </a:lnSpc>
-              <a:spcBef>
-                <a:spcPts val="0"/>
-              </a:spcBef>
-              <a:spcAft>
-                <a:spcPts val="0"/>
-              </a:spcAft>
-              <a:buClrTx/>
-              <a:buSzTx/>
-              <a:buFontTx/>
-              <a:buChar char="-"/>
-              <a:tabLst/>
-              <a:defRPr/>
-            </a:pPr>
-            <a:r>
-              <a:rPr lang="en-US" sz="1200" b="0" i="1" kern="1200" dirty="0">
-                <a:solidFill>
-                  <a:schemeClr val="tx1"/>
-                </a:solidFill>
-                <a:effectLst/>
-                <a:latin typeface="+mn-lt"/>
-                <a:ea typeface="+mn-ea"/>
-                <a:cs typeface="+mn-cs"/>
-              </a:rPr>
-              <a:t>Arrow functions in class properties won’t be in the prototype and we can’t call them with </a:t>
-            </a:r>
-            <a:r>
-              <a:rPr lang="en-US" dirty="0"/>
-              <a:t>super</a:t>
-            </a:r>
-            <a:r>
-              <a:rPr lang="en-US" sz="1200" b="0" i="1" kern="1200" dirty="0">
-                <a:solidFill>
-                  <a:schemeClr val="tx1"/>
-                </a:solidFill>
-                <a:effectLst/>
-                <a:latin typeface="+mn-lt"/>
-                <a:ea typeface="+mn-ea"/>
-                <a:cs typeface="+mn-cs"/>
-              </a:rPr>
-              <a:t>.</a:t>
-            </a:r>
-          </a:p>
-          <a:p>
-            <a:pPr marL="171450" marR="0" lvl="0" indent="-171450" algn="l" defTabSz="914400" rtl="0" eaLnBrk="1" fontAlgn="auto" latinLnBrk="0" hangingPunct="1">
-              <a:lnSpc>
-                <a:spcPct val="100000"/>
-              </a:lnSpc>
-              <a:spcBef>
-                <a:spcPts val="0"/>
-              </a:spcBef>
-              <a:spcAft>
-                <a:spcPts val="0"/>
-              </a:spcAft>
-              <a:buClrTx/>
-              <a:buSzTx/>
-              <a:buFontTx/>
-              <a:buChar char="-"/>
-              <a:tabLst/>
-              <a:defRPr/>
-            </a:pPr>
-            <a:r>
-              <a:rPr lang="en-US" sz="1200" b="0" i="1" kern="1200" dirty="0">
-                <a:solidFill>
-                  <a:schemeClr val="tx1"/>
-                </a:solidFill>
-                <a:effectLst/>
-                <a:latin typeface="+mn-lt"/>
-                <a:ea typeface="+mn-ea"/>
-                <a:cs typeface="+mn-cs"/>
-              </a:rPr>
-              <a:t>You should only bind with .bind() or arrow function a method if you’re going to pass it around.</a:t>
-            </a:r>
-            <a:endParaRPr lang="en-US" b="0" dirty="0"/>
-          </a:p>
-          <a:p>
-            <a:pPr marL="0" marR="0" lvl="0" indent="0" algn="l" defTabSz="914400" rtl="0" eaLnBrk="1" fontAlgn="auto" latinLnBrk="0" hangingPunct="1">
-              <a:lnSpc>
-                <a:spcPct val="100000"/>
-              </a:lnSpc>
-              <a:spcBef>
-                <a:spcPts val="0"/>
-              </a:spcBef>
-              <a:spcAft>
-                <a:spcPts val="0"/>
-              </a:spcAft>
-              <a:buClrTx/>
-              <a:buSzTx/>
-              <a:buFontTx/>
-              <a:buNone/>
-              <a:tabLst/>
-              <a:defRPr/>
-            </a:pPr>
-            <a:endParaRPr lang="en-US" b="0" dirty="0"/>
-          </a:p>
-          <a:p>
-            <a:pPr marL="0" marR="0" lvl="0" indent="0" algn="l" defTabSz="914400" rtl="0" eaLnBrk="1" fontAlgn="auto" latinLnBrk="0" hangingPunct="1">
-              <a:lnSpc>
-                <a:spcPct val="100000"/>
-              </a:lnSpc>
-              <a:spcBef>
-                <a:spcPts val="0"/>
-              </a:spcBef>
-              <a:spcAft>
-                <a:spcPts val="0"/>
-              </a:spcAft>
-              <a:buClrTx/>
-              <a:buSzTx/>
-              <a:buFontTx/>
-              <a:buNone/>
-              <a:tabLst/>
-              <a:defRPr/>
-            </a:pPr>
-            <a:r>
-              <a:rPr lang="en-US" b="0" dirty="0"/>
-              <a:t>Usually it will happened if we are showing list, each items will create his owns functions instance.</a:t>
-            </a:r>
-          </a:p>
-          <a:p>
-            <a:pPr marL="0" marR="0" lvl="0" indent="0" algn="l" defTabSz="914400" rtl="0" eaLnBrk="1" fontAlgn="auto" latinLnBrk="0" hangingPunct="1">
-              <a:lnSpc>
-                <a:spcPct val="100000"/>
-              </a:lnSpc>
-              <a:spcBef>
-                <a:spcPts val="0"/>
-              </a:spcBef>
-              <a:spcAft>
-                <a:spcPts val="0"/>
-              </a:spcAft>
-              <a:buClrTx/>
-              <a:buSzTx/>
-              <a:buFontTx/>
-              <a:buNone/>
-              <a:tabLst/>
-              <a:defRPr/>
-            </a:pPr>
-            <a:endParaRPr lang="en-US" b="0" dirty="0"/>
-          </a:p>
-          <a:p>
-            <a:pPr marL="0" marR="0" lvl="0" indent="0" algn="l" defTabSz="914400" rtl="0" eaLnBrk="1" fontAlgn="auto" latinLnBrk="0" hangingPunct="1">
-              <a:lnSpc>
-                <a:spcPct val="100000"/>
-              </a:lnSpc>
-              <a:spcBef>
-                <a:spcPts val="0"/>
-              </a:spcBef>
-              <a:spcAft>
-                <a:spcPts val="0"/>
-              </a:spcAft>
-              <a:buClrTx/>
-              <a:buSzTx/>
-              <a:buFontTx/>
-              <a:buNone/>
-              <a:tabLst/>
-              <a:defRPr/>
-            </a:pPr>
-            <a:endParaRPr lang="en-US" b="0" dirty="0"/>
-          </a:p>
-          <a:p>
-            <a:pPr marL="0" marR="0" lvl="0" indent="0" algn="l" defTabSz="914400" rtl="0" eaLnBrk="1" fontAlgn="auto" latinLnBrk="0" hangingPunct="1">
-              <a:lnSpc>
-                <a:spcPct val="100000"/>
-              </a:lnSpc>
-              <a:spcBef>
-                <a:spcPts val="0"/>
-              </a:spcBef>
-              <a:spcAft>
-                <a:spcPts val="0"/>
-              </a:spcAft>
-              <a:buClrTx/>
-              <a:buSzTx/>
-              <a:buFontTx/>
-              <a:buNone/>
-              <a:tabLst/>
-              <a:defRPr/>
-            </a:pPr>
-            <a:endParaRPr lang="en-US" b="0" dirty="0"/>
-          </a:p>
-          <a:p>
-            <a:pPr marL="0" marR="0" lvl="0" indent="0" algn="l" defTabSz="914400" rtl="0" eaLnBrk="1" fontAlgn="auto" latinLnBrk="0" hangingPunct="1">
-              <a:lnSpc>
-                <a:spcPct val="100000"/>
-              </a:lnSpc>
-              <a:spcBef>
-                <a:spcPts val="0"/>
-              </a:spcBef>
-              <a:spcAft>
-                <a:spcPts val="0"/>
-              </a:spcAft>
-              <a:buClrTx/>
-              <a:buSzTx/>
-              <a:buFontTx/>
-              <a:buNone/>
-              <a:tabLst/>
-              <a:defRPr/>
-            </a:pPr>
-            <a:r>
-              <a:rPr lang="en-US" b="0" dirty="0"/>
-              <a:t>https://medium.com/@charpeni/arrow-functions-in-class-properties-might-not-be-as-great-as-we-think-3b3551c440b1</a:t>
-            </a:r>
+            <a:endParaRPr lang="en-US" sz="2400" dirty="0"/>
           </a:p>
         </p:txBody>
       </p:sp>
@@ -15705,7 +14902,7 @@
     </p:spTree>
     <p:extLst>
       <p:ext uri="{BB962C8B-B14F-4D97-AF65-F5344CB8AC3E}">
-        <p14:creationId xmlns:p14="http://schemas.microsoft.com/office/powerpoint/2010/main" val="3583219243"/>
+        <p14:creationId xmlns:p14="http://schemas.microsoft.com/office/powerpoint/2010/main" val="3845654205"/>
       </p:ext>
     </p:extLst>
   </p:cSld>
@@ -15777,92 +14974,294 @@
               <a:defRPr/>
             </a:pPr>
             <a:r>
+              <a:rPr lang="en-US" b="0" dirty="0"/>
+              <a:t>There is a way to create a function inside a class with arrow function.</a:t>
+            </a:r>
+          </a:p>
+          <a:p>
+            <a:pPr marL="0" marR="0" lvl="0" indent="0" algn="l" defTabSz="914400" rtl="0" eaLnBrk="1" fontAlgn="auto" latinLnBrk="0" hangingPunct="1">
+              <a:lnSpc>
+                <a:spcPct val="100000"/>
+              </a:lnSpc>
+              <a:spcBef>
+                <a:spcPts val="0"/>
+              </a:spcBef>
+              <a:spcAft>
+                <a:spcPts val="0"/>
+              </a:spcAft>
+              <a:buClrTx/>
+              <a:buSzTx/>
+              <a:buFontTx/>
+              <a:buNone/>
+              <a:tabLst/>
+              <a:defRPr/>
+            </a:pPr>
+            <a:r>
+              <a:rPr lang="en-US" b="0" dirty="0"/>
+              <a:t>I see a lot of developers using this syntax, even for every method declaration.</a:t>
+            </a:r>
+          </a:p>
+          <a:p>
+            <a:pPr marL="0" marR="0" lvl="0" indent="0" algn="l" defTabSz="914400" rtl="0" eaLnBrk="1" fontAlgn="auto" latinLnBrk="0" hangingPunct="1">
+              <a:lnSpc>
+                <a:spcPct val="100000"/>
+              </a:lnSpc>
+              <a:spcBef>
+                <a:spcPts val="0"/>
+              </a:spcBef>
+              <a:spcAft>
+                <a:spcPts val="0"/>
+              </a:spcAft>
+              <a:buClrTx/>
+              <a:buSzTx/>
+              <a:buFontTx/>
+              <a:buNone/>
+              <a:tabLst/>
+              <a:defRPr/>
+            </a:pPr>
+            <a:r>
+              <a:rPr lang="en-US" b="0" dirty="0"/>
+              <a:t>Is that a good practice?</a:t>
+            </a:r>
+          </a:p>
+          <a:p>
+            <a:pPr marL="0" marR="0" lvl="0" indent="0" algn="l" defTabSz="914400" rtl="0" eaLnBrk="1" fontAlgn="auto" latinLnBrk="0" hangingPunct="1">
+              <a:lnSpc>
+                <a:spcPct val="100000"/>
+              </a:lnSpc>
+              <a:spcBef>
+                <a:spcPts val="0"/>
+              </a:spcBef>
+              <a:spcAft>
+                <a:spcPts val="0"/>
+              </a:spcAft>
+              <a:buClrTx/>
+              <a:buSzTx/>
+              <a:buFontTx/>
+              <a:buNone/>
+              <a:tabLst/>
+              <a:defRPr/>
+            </a:pPr>
+            <a:endParaRPr lang="en-US" b="0" dirty="0"/>
+          </a:p>
+          <a:p>
+            <a:pPr marL="0" marR="0" lvl="0" indent="0" algn="l" defTabSz="914400" rtl="0" eaLnBrk="1" fontAlgn="auto" latinLnBrk="0" hangingPunct="1">
+              <a:lnSpc>
+                <a:spcPct val="100000"/>
+              </a:lnSpc>
+              <a:spcBef>
+                <a:spcPts val="0"/>
+              </a:spcBef>
+              <a:spcAft>
+                <a:spcPts val="0"/>
+              </a:spcAft>
+              <a:buClrTx/>
+              <a:buSzTx/>
+              <a:buFontTx/>
+              <a:buNone/>
+              <a:tabLst/>
+              <a:defRPr/>
+            </a:pPr>
+            <a:r>
+              <a:rPr lang="en-US" b="0" dirty="0"/>
+              <a:t>Let’s understand first what arrow function declaration inside class will do?</a:t>
+            </a:r>
+          </a:p>
+          <a:p>
+            <a:pPr marL="0" marR="0" lvl="0" indent="0" algn="l" defTabSz="914400" rtl="0" eaLnBrk="1" fontAlgn="auto" latinLnBrk="0" hangingPunct="1">
+              <a:lnSpc>
+                <a:spcPct val="100000"/>
+              </a:lnSpc>
+              <a:spcBef>
+                <a:spcPts val="0"/>
+              </a:spcBef>
+              <a:spcAft>
+                <a:spcPts val="0"/>
+              </a:spcAft>
+              <a:buClrTx/>
+              <a:buSzTx/>
+              <a:buFontTx/>
+              <a:buNone/>
+              <a:tabLst/>
+              <a:defRPr/>
+            </a:pPr>
+            <a:r>
+              <a:rPr lang="en-US" sz="1200" b="0" i="0" kern="1200" dirty="0">
+                <a:solidFill>
+                  <a:schemeClr val="tx1"/>
+                </a:solidFill>
+                <a:effectLst/>
+                <a:latin typeface="+mn-lt"/>
+                <a:ea typeface="+mn-ea"/>
+                <a:cs typeface="+mn-cs"/>
+              </a:rPr>
+              <a:t>It will auto-bind our function in short syntax, no need to add </a:t>
+            </a:r>
+            <a:r>
               <a:rPr lang="en-US" dirty="0" err="1"/>
-              <a:t>PaymentService</a:t>
+              <a:t>this.handleClick</a:t>
             </a:r>
             <a:r>
               <a:rPr lang="en-US" dirty="0"/>
-              <a:t> – </a:t>
-            </a:r>
-            <a:r>
-              <a:rPr lang="en-US" sz="1200" kern="1200" dirty="0" err="1">
-                <a:solidFill>
-                  <a:schemeClr val="tx1"/>
-                </a:solidFill>
-                <a:effectLst/>
-                <a:latin typeface="+mn-lt"/>
-                <a:ea typeface="+mn-ea"/>
-                <a:cs typeface="+mn-cs"/>
-              </a:rPr>
-              <a:t>chooseRegularFlowOrUserWithoutJasperAccountFlow</a:t>
-            </a:r>
-            <a:endParaRPr lang="en-US" sz="1200" kern="1200" dirty="0">
-              <a:solidFill>
-                <a:schemeClr val="tx1"/>
-              </a:solidFill>
-              <a:effectLst/>
-              <a:latin typeface="+mn-lt"/>
-              <a:ea typeface="+mn-ea"/>
-              <a:cs typeface="+mn-cs"/>
-            </a:endParaRPr>
-          </a:p>
-          <a:p>
-            <a:pPr marL="0" marR="0" lvl="0" indent="0" algn="l" defTabSz="914400" rtl="0" eaLnBrk="1" fontAlgn="auto" latinLnBrk="0" hangingPunct="1">
-              <a:lnSpc>
-                <a:spcPct val="100000"/>
-              </a:lnSpc>
-              <a:spcBef>
-                <a:spcPts val="0"/>
-              </a:spcBef>
-              <a:spcAft>
-                <a:spcPts val="0"/>
-              </a:spcAft>
-              <a:buClrTx/>
-              <a:buSzTx/>
-              <a:buFontTx/>
-              <a:buNone/>
-              <a:tabLst/>
-              <a:defRPr/>
-            </a:pPr>
-            <a:endParaRPr lang="en-US" sz="1200" b="0" kern="1200" dirty="0">
-              <a:solidFill>
-                <a:schemeClr val="tx1"/>
-              </a:solidFill>
-              <a:effectLst/>
-              <a:latin typeface="+mn-lt"/>
-              <a:ea typeface="+mn-ea"/>
-              <a:cs typeface="+mn-cs"/>
-            </a:endParaRPr>
-          </a:p>
-          <a:p>
-            <a:pPr marL="0" marR="0" lvl="0" indent="0" algn="l" defTabSz="914400" rtl="0" eaLnBrk="1" fontAlgn="auto" latinLnBrk="0" hangingPunct="1">
-              <a:lnSpc>
-                <a:spcPct val="100000"/>
-              </a:lnSpc>
-              <a:spcBef>
-                <a:spcPts val="0"/>
-              </a:spcBef>
-              <a:spcAft>
-                <a:spcPts val="0"/>
-              </a:spcAft>
-              <a:buClrTx/>
-              <a:buSzTx/>
-              <a:buFontTx/>
-              <a:buNone/>
-              <a:tabLst/>
-              <a:defRPr/>
-            </a:pPr>
-            <a:r>
-              <a:rPr lang="en-US" sz="1200" b="0" kern="1200" dirty="0">
-                <a:solidFill>
-                  <a:schemeClr val="tx1"/>
-                </a:solidFill>
-                <a:effectLst/>
-                <a:latin typeface="+mn-lt"/>
-                <a:ea typeface="+mn-ea"/>
-                <a:cs typeface="+mn-cs"/>
-              </a:rPr>
-              <a:t>Let’s reuse code with the tools we learn</a:t>
+              <a:t> = </a:t>
+            </a:r>
+            <a:r>
+              <a:rPr lang="en-US" dirty="0" err="1"/>
+              <a:t>this.handleClick.bind</a:t>
+            </a:r>
+            <a:r>
+              <a:rPr lang="en-US" dirty="0"/>
+              <a:t>(this)</a:t>
+            </a:r>
+            <a:r>
+              <a:rPr lang="en-US" sz="1200" b="0" i="0" kern="1200" dirty="0">
+                <a:solidFill>
+                  <a:schemeClr val="tx1"/>
+                </a:solidFill>
+                <a:effectLst/>
+                <a:latin typeface="+mn-lt"/>
+                <a:ea typeface="+mn-ea"/>
+                <a:cs typeface="+mn-cs"/>
+              </a:rPr>
+              <a:t> in the constructor.</a:t>
+            </a:r>
+            <a:endParaRPr lang="en-US" b="0" dirty="0"/>
+          </a:p>
+          <a:p>
+            <a:pPr marL="0" marR="0" lvl="0" indent="0" algn="l" defTabSz="914400" rtl="0" eaLnBrk="1" fontAlgn="auto" latinLnBrk="0" hangingPunct="1">
+              <a:lnSpc>
+                <a:spcPct val="100000"/>
+              </a:lnSpc>
+              <a:spcBef>
+                <a:spcPts val="0"/>
+              </a:spcBef>
+              <a:spcAft>
+                <a:spcPts val="0"/>
+              </a:spcAft>
+              <a:buClrTx/>
+              <a:buSzTx/>
+              <a:buFontTx/>
+              <a:buNone/>
+              <a:tabLst/>
+              <a:defRPr/>
+            </a:pPr>
+            <a:endParaRPr lang="en-US" b="0" dirty="0"/>
+          </a:p>
+          <a:p>
+            <a:pPr marL="0" marR="0" lvl="0" indent="0" algn="l" defTabSz="914400" rtl="0" eaLnBrk="1" fontAlgn="auto" latinLnBrk="0" hangingPunct="1">
+              <a:lnSpc>
+                <a:spcPct val="100000"/>
+              </a:lnSpc>
+              <a:spcBef>
+                <a:spcPts val="0"/>
+              </a:spcBef>
+              <a:spcAft>
+                <a:spcPts val="0"/>
+              </a:spcAft>
+              <a:buClrTx/>
+              <a:buSzTx/>
+              <a:buFontTx/>
+              <a:buNone/>
+              <a:tabLst/>
+              <a:defRPr/>
+            </a:pPr>
+            <a:r>
+              <a:rPr lang="en-US" b="0" dirty="0"/>
+              <a:t>Let see what Babel and TS </a:t>
+            </a:r>
+            <a:r>
+              <a:rPr lang="en-US" b="0" dirty="0" err="1"/>
+              <a:t>transpile</a:t>
+            </a:r>
+            <a:r>
+              <a:rPr lang="en-US" b="0" dirty="0"/>
+              <a:t> them</a:t>
+            </a:r>
+          </a:p>
+          <a:p>
+            <a:pPr marL="0" marR="0" lvl="0" indent="0" algn="l" defTabSz="914400" rtl="0" eaLnBrk="1" fontAlgn="auto" latinLnBrk="0" hangingPunct="1">
+              <a:lnSpc>
+                <a:spcPct val="100000"/>
+              </a:lnSpc>
+              <a:spcBef>
+                <a:spcPts val="0"/>
+              </a:spcBef>
+              <a:spcAft>
+                <a:spcPts val="0"/>
+              </a:spcAft>
+              <a:buClrTx/>
+              <a:buSzTx/>
+              <a:buFontTx/>
+              <a:buNone/>
+              <a:tabLst/>
+              <a:defRPr/>
+            </a:pPr>
+            <a:endParaRPr lang="en-US" b="0" dirty="0"/>
+          </a:p>
+          <a:p>
+            <a:pPr marL="0" marR="0" lvl="0" indent="0" algn="l" defTabSz="914400" rtl="0" eaLnBrk="1" fontAlgn="auto" latinLnBrk="0" hangingPunct="1">
+              <a:lnSpc>
+                <a:spcPct val="100000"/>
+              </a:lnSpc>
+              <a:spcBef>
+                <a:spcPts val="0"/>
+              </a:spcBef>
+              <a:spcAft>
+                <a:spcPts val="0"/>
+              </a:spcAft>
+              <a:buClrTx/>
+              <a:buSzTx/>
+              <a:buFontTx/>
+              <a:buNone/>
+              <a:tabLst/>
+              <a:defRPr/>
+            </a:pPr>
+            <a:r>
+              <a:rPr lang="en-US" b="0" dirty="0"/>
+              <a:t>Is it equal to bind? Should we use it instead of bind function?</a:t>
+            </a:r>
+          </a:p>
+          <a:p>
+            <a:pPr marL="0" marR="0" lvl="0" indent="0" algn="l" defTabSz="914400" rtl="0" eaLnBrk="1" fontAlgn="auto" latinLnBrk="0" hangingPunct="1">
+              <a:lnSpc>
+                <a:spcPct val="100000"/>
+              </a:lnSpc>
+              <a:spcBef>
+                <a:spcPts val="0"/>
+              </a:spcBef>
+              <a:spcAft>
+                <a:spcPts val="0"/>
+              </a:spcAft>
+              <a:buClrTx/>
+              <a:buSzTx/>
+              <a:buFontTx/>
+              <a:buNone/>
+              <a:tabLst/>
+              <a:defRPr/>
+            </a:pPr>
+            <a:endParaRPr lang="en-US" b="0" dirty="0"/>
+          </a:p>
+          <a:p>
+            <a:pPr marL="0" marR="0" lvl="0" indent="0" algn="l" defTabSz="914400" rtl="0" eaLnBrk="1" fontAlgn="auto" latinLnBrk="0" hangingPunct="1">
+              <a:lnSpc>
+                <a:spcPct val="100000"/>
+              </a:lnSpc>
+              <a:spcBef>
+                <a:spcPts val="0"/>
+              </a:spcBef>
+              <a:spcAft>
+                <a:spcPts val="0"/>
+              </a:spcAft>
+              <a:buClrTx/>
+              <a:buSzTx/>
+              <a:buFontTx/>
+              <a:buNone/>
+              <a:tabLst/>
+              <a:defRPr/>
+            </a:pPr>
+            <a:r>
+              <a:rPr lang="en-US" b="0" dirty="0"/>
+              <a:t>Basically they are solving the same issue but we need to understand the differences.</a:t>
             </a:r>
           </a:p>
           <a:p>
@@ -15884,64 +15283,32 @@
               <a:defRPr/>
             </a:pPr>
             <a:r>
-              <a:rPr lang="en-US" sz="1200" b="0" kern="1200" dirty="0">
-                <a:solidFill>
-                  <a:schemeClr val="tx1"/>
-                </a:solidFill>
-                <a:effectLst/>
-                <a:latin typeface="+mn-lt"/>
-                <a:ea typeface="+mn-ea"/>
-                <a:cs typeface="+mn-cs"/>
-              </a:rPr>
-              <a:t>We have Payment Service, Over there we have function for </a:t>
-            </a:r>
-            <a:r>
-              <a:rPr lang="en-US" sz="1200" b="0" i="0" kern="1200" dirty="0" err="1">
-                <a:solidFill>
-                  <a:schemeClr val="tx1"/>
-                </a:solidFill>
-                <a:effectLst/>
-                <a:latin typeface="+mn-lt"/>
-                <a:ea typeface="+mn-ea"/>
-                <a:cs typeface="+mn-cs"/>
-              </a:rPr>
-              <a:t>makePayment</a:t>
-            </a:r>
-            <a:r>
-              <a:rPr lang="en-US" sz="1200" b="0" i="0" kern="1200" dirty="0">
-                <a:solidFill>
-                  <a:schemeClr val="tx1"/>
-                </a:solidFill>
-                <a:effectLst/>
-                <a:latin typeface="+mn-lt"/>
-                <a:ea typeface="+mn-ea"/>
-                <a:cs typeface="+mn-cs"/>
-              </a:rPr>
-              <a:t>, in the function we are checking if we have account then we can make request to `_</a:t>
-            </a:r>
-            <a:r>
-              <a:rPr lang="en-US" sz="1200" b="0" i="0" kern="1200" dirty="0" err="1">
-                <a:solidFill>
-                  <a:schemeClr val="tx1"/>
-                </a:solidFill>
-                <a:effectLst/>
-                <a:latin typeface="+mn-lt"/>
-                <a:ea typeface="+mn-ea"/>
-                <a:cs typeface="+mn-cs"/>
-              </a:rPr>
-              <a:t>makePayment</a:t>
-            </a:r>
-            <a:r>
-              <a:rPr lang="en-US" sz="1200" b="0" i="0" kern="1200" dirty="0">
-                <a:solidFill>
-                  <a:schemeClr val="tx1"/>
-                </a:solidFill>
-                <a:effectLst/>
-                <a:latin typeface="+mn-lt"/>
-                <a:ea typeface="+mn-ea"/>
-                <a:cs typeface="+mn-cs"/>
-              </a:rPr>
-              <a:t>` otherwise we need to create account</a:t>
+              <a:rPr lang="en-US" sz="1200" b="1" i="0" kern="1200" dirty="0" err="1">
+                <a:solidFill>
+                  <a:schemeClr val="tx1"/>
+                </a:solidFill>
+                <a:effectLst/>
+                <a:latin typeface="+mn-lt"/>
+                <a:ea typeface="+mn-ea"/>
+                <a:cs typeface="+mn-cs"/>
+              </a:rPr>
+              <a:t>Mockability</a:t>
+            </a:r>
+            <a:r>
+              <a:rPr lang="en-US" sz="1200" b="1" i="0" kern="1200" dirty="0">
+                <a:solidFill>
+                  <a:schemeClr val="tx1"/>
+                </a:solidFill>
+                <a:effectLst/>
+                <a:latin typeface="+mn-lt"/>
+                <a:ea typeface="+mn-ea"/>
+                <a:cs typeface="+mn-cs"/>
+              </a:rPr>
+              <a:t> - </a:t>
+            </a:r>
+            <a:r>
+              <a:rPr lang="en-US" b="0" dirty="0"/>
+              <a:t>With arrow function the function is not seating on the prototype so if we will try to mock the function we could not because the function is bind</a:t>
             </a:r>
           </a:p>
           <a:p>
@@ -15963,65 +15330,34 @@
               <a:defRPr/>
             </a:pPr>
             <a:r>
-              <a:rPr lang="en-US" sz="1200" b="0" i="0" kern="1200" dirty="0">
-                <a:solidFill>
-                  <a:schemeClr val="tx1"/>
-                </a:solidFill>
-                <a:effectLst/>
-                <a:latin typeface="+mn-lt"/>
-                <a:ea typeface="+mn-ea"/>
-                <a:cs typeface="+mn-cs"/>
-              </a:rPr>
-              <a:t>So we have `</a:t>
-            </a:r>
-            <a:r>
-              <a:rPr lang="en-US" sz="1200" b="0" i="0" kern="1200" dirty="0" err="1">
-                <a:solidFill>
-                  <a:schemeClr val="tx1"/>
-                </a:solidFill>
-                <a:effectLst/>
-                <a:latin typeface="+mn-lt"/>
-                <a:ea typeface="+mn-ea"/>
-                <a:cs typeface="+mn-cs"/>
-              </a:rPr>
-              <a:t>haveAccountCredential</a:t>
-            </a:r>
-            <a:r>
-              <a:rPr lang="en-US" sz="1200" b="0" i="0" kern="1200" dirty="0">
-                <a:solidFill>
-                  <a:schemeClr val="tx1"/>
-                </a:solidFill>
-                <a:effectLst/>
-                <a:latin typeface="+mn-lt"/>
-                <a:ea typeface="+mn-ea"/>
-                <a:cs typeface="+mn-cs"/>
-              </a:rPr>
-              <a:t>` &amp; `_</a:t>
-            </a:r>
-            <a:r>
-              <a:rPr lang="en-US" sz="1200" b="0" i="0" kern="1200" dirty="0" err="1">
-                <a:solidFill>
-                  <a:schemeClr val="tx1"/>
-                </a:solidFill>
-                <a:effectLst/>
-                <a:latin typeface="+mn-lt"/>
-                <a:ea typeface="+mn-ea"/>
-                <a:cs typeface="+mn-cs"/>
-              </a:rPr>
-              <a:t>makePayment</a:t>
-            </a:r>
-            <a:r>
-              <a:rPr lang="en-US" sz="1200" b="0" i="0" kern="1200" dirty="0">
-                <a:solidFill>
-                  <a:schemeClr val="tx1"/>
-                </a:solidFill>
-                <a:effectLst/>
-                <a:latin typeface="+mn-lt"/>
-                <a:ea typeface="+mn-ea"/>
-                <a:cs typeface="+mn-cs"/>
-              </a:rPr>
-              <a:t>` functions, we don’t care about the implementation</a:t>
-            </a:r>
+              <a:rPr lang="en-US" sz="1200" b="1" i="0" kern="1200" dirty="0">
+                <a:solidFill>
+                  <a:schemeClr val="tx1"/>
+                </a:solidFill>
+                <a:effectLst/>
+                <a:latin typeface="+mn-lt"/>
+                <a:ea typeface="+mn-ea"/>
+                <a:cs typeface="+mn-cs"/>
+              </a:rPr>
+              <a:t>Inheritance - </a:t>
+            </a:r>
+            <a:r>
+              <a:rPr lang="en-US" b="0" dirty="0"/>
+              <a:t>The function is not on prototype so if class B inherit class A then class b can’t call `</a:t>
+            </a:r>
+            <a:r>
+              <a:rPr lang="en-US" b="0" dirty="0" err="1"/>
+              <a:t>super.</a:t>
+            </a:r>
+            <a:r>
+              <a:rPr lang="en-US" dirty="0" err="1"/>
+              <a:t>handleClick</a:t>
+            </a:r>
+            <a:r>
+              <a:rPr lang="en-US" dirty="0"/>
+              <a:t>()` because it’s not on the prototype.</a:t>
+            </a:r>
+            <a:endParaRPr lang="en-US" b="0" dirty="0"/>
           </a:p>
           <a:p>
             <a:pPr marL="171450" marR="0" lvl="0" indent="-171450" algn="l" defTabSz="914400" rtl="0" eaLnBrk="1" fontAlgn="auto" latinLnBrk="0" hangingPunct="1">
@@ -16042,98 +15378,20 @@
               <a:defRPr/>
             </a:pPr>
             <a:r>
-              <a:rPr lang="en-US" sz="1200" b="0" i="0" kern="1200" dirty="0">
-                <a:solidFill>
-                  <a:schemeClr val="tx1"/>
-                </a:solidFill>
-                <a:effectLst/>
-                <a:latin typeface="+mn-lt"/>
-                <a:ea typeface="+mn-ea"/>
-                <a:cs typeface="+mn-cs"/>
-              </a:rPr>
-              <a:t>Now, let’s take a look at `</a:t>
-            </a:r>
-            <a:r>
-              <a:rPr lang="en-US" sz="1200" b="0" i="0" kern="1200" dirty="0" err="1">
-                <a:solidFill>
-                  <a:schemeClr val="tx1"/>
-                </a:solidFill>
-                <a:effectLst/>
-                <a:latin typeface="+mn-lt"/>
-                <a:ea typeface="+mn-ea"/>
-                <a:cs typeface="+mn-cs"/>
-              </a:rPr>
-              <a:t>createAccountCredential</a:t>
-            </a:r>
-            <a:r>
-              <a:rPr lang="en-US" sz="1200" b="0" i="0" kern="1200" dirty="0">
-                <a:solidFill>
-                  <a:schemeClr val="tx1"/>
-                </a:solidFill>
-                <a:effectLst/>
-                <a:latin typeface="+mn-lt"/>
-                <a:ea typeface="+mn-ea"/>
-                <a:cs typeface="+mn-cs"/>
-              </a:rPr>
-              <a:t>` function, it receives 2 variables and making request to create account, on success we are calling to `_</a:t>
-            </a:r>
-            <a:r>
-              <a:rPr lang="en-US" sz="1200" b="0" i="0" kern="1200" dirty="0" err="1">
-                <a:solidFill>
-                  <a:schemeClr val="tx1"/>
-                </a:solidFill>
-                <a:effectLst/>
-                <a:latin typeface="+mn-lt"/>
-                <a:ea typeface="+mn-ea"/>
-                <a:cs typeface="+mn-cs"/>
-              </a:rPr>
-              <a:t>makePayment</a:t>
-            </a:r>
-            <a:r>
-              <a:rPr lang="en-US" sz="1200" b="0" i="0" kern="1200" dirty="0">
-                <a:solidFill>
-                  <a:schemeClr val="tx1"/>
-                </a:solidFill>
-                <a:effectLst/>
-                <a:latin typeface="+mn-lt"/>
-                <a:ea typeface="+mn-ea"/>
-                <a:cs typeface="+mn-cs"/>
-              </a:rPr>
-              <a:t>` with the variables we receive.</a:t>
-            </a:r>
-            <a:br>
-              <a:rPr lang="en-US" sz="1200" b="0" i="0" kern="1200" dirty="0">
-                <a:solidFill>
-                  <a:schemeClr val="tx1"/>
-                </a:solidFill>
-                <a:effectLst/>
-                <a:latin typeface="+mn-lt"/>
-                <a:ea typeface="+mn-ea"/>
-                <a:cs typeface="+mn-cs"/>
-              </a:rPr>
-            </a:br>
-            <a:br>
-              <a:rPr lang="en-US" sz="1200" b="0" i="0" kern="1200" dirty="0">
-                <a:solidFill>
-                  <a:schemeClr val="tx1"/>
-                </a:solidFill>
-                <a:effectLst/>
-                <a:latin typeface="+mn-lt"/>
-                <a:ea typeface="+mn-ea"/>
-                <a:cs typeface="+mn-cs"/>
-              </a:rPr>
-            </a:br>
-            <a:r>
-              <a:rPr lang="en-US" sz="1200" b="0" i="0" kern="1200" dirty="0">
-                <a:solidFill>
-                  <a:schemeClr val="tx1"/>
-                </a:solidFill>
-                <a:effectLst/>
-                <a:latin typeface="+mn-lt"/>
-                <a:ea typeface="+mn-ea"/>
-                <a:cs typeface="+mn-cs"/>
-              </a:rPr>
-              <a:t>It is clear?</a:t>
+              <a:rPr lang="en-US" sz="1200" b="1" i="0" kern="1200" dirty="0">
+                <a:solidFill>
+                  <a:schemeClr val="tx1"/>
+                </a:solidFill>
+                <a:effectLst/>
+                <a:latin typeface="+mn-lt"/>
+                <a:ea typeface="+mn-ea"/>
+                <a:cs typeface="+mn-cs"/>
+              </a:rPr>
+              <a:t>Performance – </a:t>
+            </a:r>
+            <a:r>
+              <a:rPr lang="en-US" b="0" dirty="0"/>
+              <a:t>Function seating on class is shared between all instances and created once but function created with arrow function or bind is created N times.</a:t>
             </a:r>
           </a:p>
           <a:p>
@@ -16154,114 +15412,82 @@
               <a:tabLst/>
               <a:defRPr/>
             </a:pPr>
-            <a:r>
-              <a:rPr lang="en-US" sz="1200" b="0" i="0" kern="1200" dirty="0">
-                <a:solidFill>
-                  <a:schemeClr val="tx1"/>
-                </a:solidFill>
-                <a:effectLst/>
-                <a:latin typeface="+mn-lt"/>
-                <a:ea typeface="+mn-ea"/>
-                <a:cs typeface="+mn-cs"/>
-              </a:rPr>
-              <a:t>Now we have another </a:t>
-            </a:r>
-            <a:r>
-              <a:rPr lang="en-US" sz="1200" b="0" i="0" kern="1200" dirty="0" err="1">
-                <a:solidFill>
-                  <a:schemeClr val="tx1"/>
-                </a:solidFill>
-                <a:effectLst/>
-                <a:latin typeface="+mn-lt"/>
-                <a:ea typeface="+mn-ea"/>
-                <a:cs typeface="+mn-cs"/>
-              </a:rPr>
-              <a:t>reuqset</a:t>
-            </a:r>
-            <a:r>
-              <a:rPr lang="en-US" sz="1200" b="0" i="0" kern="1200" dirty="0">
-                <a:solidFill>
-                  <a:schemeClr val="tx1"/>
-                </a:solidFill>
-                <a:effectLst/>
-                <a:latin typeface="+mn-lt"/>
-                <a:ea typeface="+mn-ea"/>
-                <a:cs typeface="+mn-cs"/>
-              </a:rPr>
-              <a:t> for `</a:t>
-            </a:r>
-            <a:r>
-              <a:rPr lang="en-US" sz="1200" b="0" i="0" kern="1200" dirty="0" err="1">
-                <a:solidFill>
-                  <a:schemeClr val="tx1"/>
-                </a:solidFill>
-                <a:effectLst/>
-                <a:latin typeface="+mn-lt"/>
-                <a:ea typeface="+mn-ea"/>
-                <a:cs typeface="+mn-cs"/>
-              </a:rPr>
-              <a:t>createSubscription</a:t>
-            </a:r>
-            <a:r>
-              <a:rPr lang="en-US" sz="1200" b="0" i="0" kern="1200" dirty="0">
-                <a:solidFill>
-                  <a:schemeClr val="tx1"/>
-                </a:solidFill>
-                <a:effectLst/>
-                <a:latin typeface="+mn-lt"/>
-                <a:ea typeface="+mn-ea"/>
-                <a:cs typeface="+mn-cs"/>
-              </a:rPr>
-              <a:t>`, let’s take a look at the code, over there we also nee to check if we have account, if user have then we can call to `</a:t>
-            </a:r>
-            <a:r>
-              <a:rPr lang="en-US" sz="1200" b="0" i="0" kern="1200" dirty="0" err="1">
-                <a:solidFill>
-                  <a:schemeClr val="tx1"/>
-                </a:solidFill>
-                <a:effectLst/>
-                <a:latin typeface="+mn-lt"/>
-                <a:ea typeface="+mn-ea"/>
-                <a:cs typeface="+mn-cs"/>
-              </a:rPr>
-              <a:t>createSubscription</a:t>
-            </a:r>
-            <a:r>
-              <a:rPr lang="en-US" sz="1200" b="0" i="0" kern="1200" dirty="0">
-                <a:solidFill>
-                  <a:schemeClr val="tx1"/>
-                </a:solidFill>
-                <a:effectLst/>
-                <a:latin typeface="+mn-lt"/>
-                <a:ea typeface="+mn-ea"/>
-                <a:cs typeface="+mn-cs"/>
-              </a:rPr>
-              <a:t>` otherwise we nee to create account and on success call to `_</a:t>
-            </a:r>
-            <a:r>
-              <a:rPr lang="en-US" sz="1200" b="0" i="0" kern="1200" dirty="0" err="1">
-                <a:solidFill>
-                  <a:schemeClr val="tx1"/>
-                </a:solidFill>
-                <a:effectLst/>
-                <a:latin typeface="+mn-lt"/>
-                <a:ea typeface="+mn-ea"/>
-                <a:cs typeface="+mn-cs"/>
-              </a:rPr>
-              <a:t>createSubscription</a:t>
-            </a:r>
-            <a:r>
-              <a:rPr lang="en-US" sz="1200" b="0" i="0" kern="1200" dirty="0">
-                <a:solidFill>
-                  <a:schemeClr val="tx1"/>
-                </a:solidFill>
-                <a:effectLst/>
-                <a:latin typeface="+mn-lt"/>
-                <a:ea typeface="+mn-ea"/>
-                <a:cs typeface="+mn-cs"/>
-              </a:rPr>
-              <a:t>`</a:t>
-            </a:r>
+            <a:endParaRPr lang="en-US" b="0" dirty="0"/>
+          </a:p>
+          <a:p>
+            <a:pPr marL="0" marR="0" lvl="0" indent="0" algn="l" defTabSz="914400" rtl="0" eaLnBrk="1" fontAlgn="auto" latinLnBrk="0" hangingPunct="1">
+              <a:lnSpc>
+                <a:spcPct val="100000"/>
+              </a:lnSpc>
+              <a:spcBef>
+                <a:spcPts val="0"/>
+              </a:spcBef>
+              <a:spcAft>
+                <a:spcPts val="0"/>
+              </a:spcAft>
+              <a:buClrTx/>
+              <a:buSzTx/>
+              <a:buFontTx/>
+              <a:buNone/>
+              <a:tabLst/>
+              <a:defRPr/>
+            </a:pPr>
+            <a:r>
+              <a:rPr lang="en-US" b="0" dirty="0"/>
+              <a:t>Let see performance differences:.</a:t>
+            </a:r>
+          </a:p>
+          <a:p>
+            <a:pPr marL="0" marR="0" lvl="0" indent="0" algn="l" defTabSz="914400" rtl="0" eaLnBrk="1" fontAlgn="auto" latinLnBrk="0" hangingPunct="1">
+              <a:lnSpc>
+                <a:spcPct val="100000"/>
+              </a:lnSpc>
+              <a:spcBef>
+                <a:spcPts val="0"/>
+              </a:spcBef>
+              <a:spcAft>
+                <a:spcPts val="0"/>
+              </a:spcAft>
+              <a:buClrTx/>
+              <a:buSzTx/>
+              <a:buFontTx/>
+              <a:buNone/>
+              <a:tabLst/>
+              <a:defRPr/>
+            </a:pPr>
+            <a:endParaRPr lang="en-US" dirty="0"/>
+          </a:p>
+          <a:p>
+            <a:pPr marL="0" marR="0" lvl="0" indent="0" algn="l" defTabSz="914400" rtl="0" eaLnBrk="1" fontAlgn="auto" latinLnBrk="0" hangingPunct="1">
+              <a:lnSpc>
+                <a:spcPct val="100000"/>
+              </a:lnSpc>
+              <a:spcBef>
+                <a:spcPts val="0"/>
+              </a:spcBef>
+              <a:spcAft>
+                <a:spcPts val="0"/>
+              </a:spcAft>
+              <a:buClrTx/>
+              <a:buSzTx/>
+              <a:buFontTx/>
+              <a:buNone/>
+              <a:tabLst/>
+              <a:defRPr/>
+            </a:pPr>
+            <a:r>
+              <a:rPr lang="en-US" sz="1200" b="1" i="0" kern="1200" dirty="0">
+                <a:solidFill>
+                  <a:schemeClr val="tx1"/>
+                </a:solidFill>
+                <a:effectLst/>
+                <a:latin typeface="+mn-lt"/>
+                <a:ea typeface="+mn-ea"/>
+                <a:cs typeface="+mn-cs"/>
+              </a:rPr>
+              <a:t>Conclusion</a:t>
+            </a:r>
+            <a:endParaRPr lang="en-US" dirty="0"/>
           </a:p>
           <a:p>
             <a:pPr marL="171450" marR="0" lvl="0" indent="-171450" algn="l" defTabSz="914400" rtl="0" eaLnBrk="1" fontAlgn="auto" latinLnBrk="0" hangingPunct="1">
@@ -16282,64 +15508,16 @@
               <a:defRPr/>
             </a:pPr>
             <a:r>
-              <a:rPr lang="en-US" sz="1200" b="0" i="0" kern="1200" dirty="0">
-                <a:solidFill>
-                  <a:schemeClr val="tx1"/>
-                </a:solidFill>
-                <a:effectLst/>
-                <a:latin typeface="+mn-lt"/>
-                <a:ea typeface="+mn-ea"/>
-                <a:cs typeface="+mn-cs"/>
-              </a:rPr>
-              <a:t>What is the problem with this example? We have 2 functions (</a:t>
-            </a:r>
-            <a:r>
-              <a:rPr lang="en-US" sz="1200" b="0" i="0" kern="1200" dirty="0" err="1">
-                <a:solidFill>
-                  <a:schemeClr val="tx1"/>
-                </a:solidFill>
-                <a:effectLst/>
-                <a:latin typeface="+mn-lt"/>
-                <a:ea typeface="+mn-ea"/>
-                <a:cs typeface="+mn-cs"/>
-              </a:rPr>
-              <a:t>createAccountCredential</a:t>
-            </a:r>
-            <a:r>
-              <a:rPr lang="en-US" sz="1200" b="0" i="0" kern="1200" dirty="0">
-                <a:solidFill>
-                  <a:schemeClr val="tx1"/>
-                </a:solidFill>
-                <a:effectLst/>
-                <a:latin typeface="+mn-lt"/>
-                <a:ea typeface="+mn-ea"/>
-                <a:cs typeface="+mn-cs"/>
-              </a:rPr>
-              <a:t> &amp; </a:t>
-            </a:r>
-            <a:r>
-              <a:rPr lang="en-US" sz="1200" b="0" i="0" kern="1200" dirty="0" err="1">
-                <a:solidFill>
-                  <a:schemeClr val="tx1"/>
-                </a:solidFill>
-                <a:effectLst/>
-                <a:latin typeface="+mn-lt"/>
-                <a:ea typeface="+mn-ea"/>
-                <a:cs typeface="+mn-cs"/>
-              </a:rPr>
-              <a:t>createAccountForSubscription</a:t>
-            </a:r>
-            <a:r>
-              <a:rPr lang="en-US" sz="1200" b="0" i="0" kern="1200" dirty="0">
-                <a:solidFill>
-                  <a:schemeClr val="tx1"/>
-                </a:solidFill>
-                <a:effectLst/>
-                <a:latin typeface="+mn-lt"/>
-                <a:ea typeface="+mn-ea"/>
-                <a:cs typeface="+mn-cs"/>
-              </a:rPr>
-              <a:t>) who are doing the same behavior but on success invoking 2 different functions with other variables</a:t>
+              <a:rPr lang="en-US" sz="1200" b="0" i="1" kern="1200" dirty="0">
+                <a:solidFill>
+                  <a:schemeClr val="tx1"/>
+                </a:solidFill>
+                <a:effectLst/>
+                <a:latin typeface="+mn-lt"/>
+                <a:ea typeface="+mn-ea"/>
+                <a:cs typeface="+mn-cs"/>
+              </a:rPr>
+              <a:t>Arrow functions in class properties are much slower than bound functions, and both are much slower than usual function.</a:t>
             </a:r>
           </a:p>
           <a:p>
@@ -16361,64 +15539,40 @@
               <a:defRPr/>
             </a:pPr>
             <a:r>
-              <a:rPr lang="en-US" sz="1200" b="0" i="0" kern="1200" dirty="0">
-                <a:solidFill>
-                  <a:schemeClr val="tx1"/>
-                </a:solidFill>
-                <a:effectLst/>
-                <a:latin typeface="+mn-lt"/>
-                <a:ea typeface="+mn-ea"/>
-                <a:cs typeface="+mn-cs"/>
-              </a:rPr>
-              <a:t>We want </a:t>
-            </a:r>
-            <a:r>
-              <a:rPr lang="en-US" sz="1200" b="0" i="0" kern="1200" dirty="0" err="1">
-                <a:solidFill>
-                  <a:schemeClr val="tx1"/>
-                </a:solidFill>
-                <a:effectLst/>
-                <a:latin typeface="+mn-lt"/>
-                <a:ea typeface="+mn-ea"/>
-                <a:cs typeface="+mn-cs"/>
-              </a:rPr>
-              <a:t>createAccountCredential</a:t>
-            </a:r>
-            <a:r>
-              <a:rPr lang="en-US" sz="1200" b="0" i="0" kern="1200" dirty="0">
-                <a:solidFill>
-                  <a:schemeClr val="tx1"/>
-                </a:solidFill>
-                <a:effectLst/>
-                <a:latin typeface="+mn-lt"/>
-                <a:ea typeface="+mn-ea"/>
-                <a:cs typeface="+mn-cs"/>
-              </a:rPr>
-              <a:t> function receive callback function (`</a:t>
-            </a:r>
-            <a:r>
-              <a:rPr lang="en-US" sz="1200" b="0" i="0" kern="1200" dirty="0" err="1">
-                <a:solidFill>
-                  <a:schemeClr val="tx1"/>
-                </a:solidFill>
-                <a:effectLst/>
-                <a:latin typeface="+mn-lt"/>
-                <a:ea typeface="+mn-ea"/>
-                <a:cs typeface="+mn-cs"/>
-              </a:rPr>
-              <a:t>nextRequest</a:t>
-            </a:r>
-            <a:r>
-              <a:rPr lang="en-US" sz="1200" b="0" i="0" kern="1200" dirty="0">
-                <a:solidFill>
-                  <a:schemeClr val="tx1"/>
-                </a:solidFill>
-                <a:effectLst/>
-                <a:latin typeface="+mn-lt"/>
-                <a:ea typeface="+mn-ea"/>
-                <a:cs typeface="+mn-cs"/>
-              </a:rPr>
-              <a:t>`)</a:t>
+              <a:rPr lang="en-US" sz="1200" b="0" i="1" kern="1200" dirty="0">
+                <a:solidFill>
+                  <a:schemeClr val="tx1"/>
+                </a:solidFill>
+                <a:effectLst/>
+                <a:latin typeface="+mn-lt"/>
+                <a:ea typeface="+mn-ea"/>
+                <a:cs typeface="+mn-cs"/>
+              </a:rPr>
+              <a:t>The initialization of arrow functions in class properties are </a:t>
+            </a:r>
+            <a:r>
+              <a:rPr lang="en-US" sz="1200" b="0" i="1" kern="1200" dirty="0" err="1">
+                <a:solidFill>
+                  <a:schemeClr val="tx1"/>
+                </a:solidFill>
+                <a:effectLst/>
+                <a:latin typeface="+mn-lt"/>
+                <a:ea typeface="+mn-ea"/>
+                <a:cs typeface="+mn-cs"/>
+              </a:rPr>
+              <a:t>transpiled</a:t>
+            </a:r>
+            <a:r>
+              <a:rPr lang="en-US" sz="1200" b="0" i="1" kern="1200" dirty="0">
+                <a:solidFill>
+                  <a:schemeClr val="tx1"/>
+                </a:solidFill>
+                <a:effectLst/>
+                <a:latin typeface="+mn-lt"/>
+                <a:ea typeface="+mn-ea"/>
+                <a:cs typeface="+mn-cs"/>
+              </a:rPr>
+              <a:t> into the constructor.</a:t>
             </a:r>
           </a:p>
           <a:p>
@@ -16440,86 +15594,32 @@
               <a:defRPr/>
             </a:pPr>
             <a:r>
-              <a:rPr lang="en-US" sz="1200" b="0" i="0" kern="1200" dirty="0">
-                <a:solidFill>
-                  <a:schemeClr val="tx1"/>
-                </a:solidFill>
-                <a:effectLst/>
-                <a:latin typeface="+mn-lt"/>
-                <a:ea typeface="+mn-ea"/>
-                <a:cs typeface="+mn-cs"/>
-              </a:rPr>
-              <a:t>And we want </a:t>
-            </a:r>
-            <a:r>
-              <a:rPr lang="en-US" sz="1200" b="0" i="0" kern="1200" dirty="0" err="1">
-                <a:solidFill>
-                  <a:schemeClr val="tx1"/>
-                </a:solidFill>
-                <a:effectLst/>
-                <a:latin typeface="+mn-lt"/>
-                <a:ea typeface="+mn-ea"/>
-                <a:cs typeface="+mn-cs"/>
-              </a:rPr>
-              <a:t>createSubscription</a:t>
-            </a:r>
-            <a:r>
-              <a:rPr lang="en-US" sz="1200" b="0" i="0" kern="1200" dirty="0">
-                <a:solidFill>
-                  <a:schemeClr val="tx1"/>
-                </a:solidFill>
-                <a:effectLst/>
-                <a:latin typeface="+mn-lt"/>
-                <a:ea typeface="+mn-ea"/>
-                <a:cs typeface="+mn-cs"/>
-              </a:rPr>
-              <a:t> to reuse this function,</a:t>
-            </a:r>
-            <a:br>
-              <a:rPr lang="en-US" sz="1200" b="0" i="0" kern="1200" dirty="0">
-                <a:solidFill>
-                  <a:schemeClr val="tx1"/>
-                </a:solidFill>
-                <a:effectLst/>
-                <a:latin typeface="+mn-lt"/>
-                <a:ea typeface="+mn-ea"/>
-                <a:cs typeface="+mn-cs"/>
-              </a:rPr>
-            </a:br>
-            <a:r>
-              <a:rPr lang="en-US" sz="1200" b="0" i="0" kern="1200" dirty="0">
-                <a:solidFill>
-                  <a:schemeClr val="tx1"/>
-                </a:solidFill>
-                <a:effectLst/>
-                <a:latin typeface="+mn-lt"/>
-                <a:ea typeface="+mn-ea"/>
-                <a:cs typeface="+mn-cs"/>
-              </a:rPr>
-              <a:t>But how we will handle the variables callback function need to receive?</a:t>
-            </a:r>
-            <a:br>
-              <a:rPr lang="en-US" sz="1200" b="0" i="0" kern="1200" dirty="0">
-                <a:solidFill>
-                  <a:schemeClr val="tx1"/>
-                </a:solidFill>
-                <a:effectLst/>
-                <a:latin typeface="+mn-lt"/>
-                <a:ea typeface="+mn-ea"/>
-                <a:cs typeface="+mn-cs"/>
-              </a:rPr>
-            </a:br>
-            <a:r>
-              <a:rPr lang="en-US" sz="1200" b="0" i="0" kern="1200" dirty="0">
-                <a:solidFill>
-                  <a:schemeClr val="tx1"/>
-                </a:solidFill>
-                <a:effectLst/>
-                <a:latin typeface="+mn-lt"/>
-                <a:ea typeface="+mn-ea"/>
-                <a:cs typeface="+mn-cs"/>
-              </a:rPr>
-              <a:t>Any ideas?</a:t>
+              <a:rPr lang="en-US" sz="1200" b="0" i="1" kern="1200" dirty="0">
+                <a:solidFill>
+                  <a:schemeClr val="tx1"/>
+                </a:solidFill>
+                <a:effectLst/>
+                <a:latin typeface="+mn-lt"/>
+                <a:ea typeface="+mn-ea"/>
+                <a:cs typeface="+mn-cs"/>
+              </a:rPr>
+              <a:t>Arrow functions in class properties won’t be in the prototype and we can’t call them with </a:t>
+            </a:r>
+            <a:r>
+              <a:rPr lang="en-US" dirty="0"/>
+              <a:t>super</a:t>
+            </a:r>
+            <a:r>
+              <a:rPr lang="en-US" sz="1200" b="0" i="1" kern="1200" dirty="0">
+                <a:solidFill>
+                  <a:schemeClr val="tx1"/>
+                </a:solidFill>
+                <a:effectLst/>
+                <a:latin typeface="+mn-lt"/>
+                <a:ea typeface="+mn-ea"/>
+                <a:cs typeface="+mn-cs"/>
+              </a:rPr>
+              <a:t>.</a:t>
             </a:r>
           </a:p>
           <a:p>
@@ -16541,307 +15641,144 @@
               <a:defRPr/>
             </a:pPr>
             <a:r>
-              <a:rPr lang="en-US" sz="1200" b="0" i="0" kern="1200" dirty="0">
-                <a:solidFill>
-                  <a:schemeClr val="tx1"/>
-                </a:solidFill>
-                <a:effectLst/>
-                <a:latin typeface="+mn-lt"/>
-                <a:ea typeface="+mn-ea"/>
-                <a:cs typeface="+mn-cs"/>
-              </a:rPr>
-              <a:t>We can create an inner function inside </a:t>
-            </a:r>
-            <a:r>
-              <a:rPr lang="en-US" sz="1200" b="0" i="0" kern="1200" dirty="0" err="1">
-                <a:solidFill>
-                  <a:schemeClr val="tx1"/>
-                </a:solidFill>
-                <a:effectLst/>
-                <a:latin typeface="+mn-lt"/>
-                <a:ea typeface="+mn-ea"/>
-                <a:cs typeface="+mn-cs"/>
-              </a:rPr>
-              <a:t>makePayment</a:t>
-            </a:r>
-            <a:r>
-              <a:rPr lang="en-US" sz="1200" b="0" i="0" kern="1200" dirty="0">
-                <a:solidFill>
-                  <a:schemeClr val="tx1"/>
-                </a:solidFill>
-                <a:effectLst/>
-                <a:latin typeface="+mn-lt"/>
-                <a:ea typeface="+mn-ea"/>
-                <a:cs typeface="+mn-cs"/>
-              </a:rPr>
-              <a:t> &amp; </a:t>
-            </a:r>
-            <a:r>
-              <a:rPr lang="en-US" sz="1200" b="0" i="0" kern="1200" dirty="0" err="1">
-                <a:solidFill>
-                  <a:schemeClr val="tx1"/>
-                </a:solidFill>
-                <a:effectLst/>
-                <a:latin typeface="+mn-lt"/>
-                <a:ea typeface="+mn-ea"/>
-                <a:cs typeface="+mn-cs"/>
-              </a:rPr>
-              <a:t>createSubscription</a:t>
-            </a:r>
-            <a:r>
-              <a:rPr lang="en-US" sz="1200" b="0" i="0" kern="1200" dirty="0">
-                <a:solidFill>
-                  <a:schemeClr val="tx1"/>
-                </a:solidFill>
-                <a:effectLst/>
-                <a:latin typeface="+mn-lt"/>
-                <a:ea typeface="+mn-ea"/>
-                <a:cs typeface="+mn-cs"/>
-              </a:rPr>
-              <a:t>, which not receives any data and invoking the relevant function, because it’s inner function, by using closure behavior the inner function can access the relevant variables.</a:t>
-            </a:r>
-            <a:br>
-              <a:rPr lang="en-US" sz="1200" b="0" i="0" kern="1200" dirty="0">
-                <a:solidFill>
-                  <a:schemeClr val="tx1"/>
-                </a:solidFill>
-                <a:effectLst/>
-                <a:latin typeface="+mn-lt"/>
-                <a:ea typeface="+mn-ea"/>
-                <a:cs typeface="+mn-cs"/>
-              </a:rPr>
-            </a:br>
-            <a:br>
-              <a:rPr lang="en-US" sz="1200" b="0" i="0" kern="1200" dirty="0">
-                <a:solidFill>
-                  <a:schemeClr val="tx1"/>
-                </a:solidFill>
-                <a:effectLst/>
-                <a:latin typeface="+mn-lt"/>
-                <a:ea typeface="+mn-ea"/>
-                <a:cs typeface="+mn-cs"/>
-              </a:rPr>
-            </a:br>
-            <a:r>
-              <a:rPr lang="en-US" sz="1200" b="0" i="0" kern="1200" dirty="0">
-                <a:solidFill>
-                  <a:schemeClr val="tx1"/>
-                </a:solidFill>
-                <a:effectLst/>
-                <a:latin typeface="+mn-lt"/>
-                <a:ea typeface="+mn-ea"/>
-                <a:cs typeface="+mn-cs"/>
-              </a:rPr>
-              <a:t>But what is the problem with this code?</a:t>
-            </a:r>
-            <a:br>
-              <a:rPr lang="en-US" sz="1200" b="0" i="0" kern="1200" dirty="0">
-                <a:solidFill>
-                  <a:schemeClr val="tx1"/>
-                </a:solidFill>
-                <a:effectLst/>
-                <a:latin typeface="+mn-lt"/>
-                <a:ea typeface="+mn-ea"/>
-                <a:cs typeface="+mn-cs"/>
-              </a:rPr>
-            </a:br>
-            <a:r>
-              <a:rPr lang="en-US" sz="1200" b="0" i="0" kern="1200" dirty="0">
-                <a:solidFill>
-                  <a:schemeClr val="tx1"/>
-                </a:solidFill>
-                <a:effectLst/>
-                <a:latin typeface="+mn-lt"/>
-                <a:ea typeface="+mn-ea"/>
-                <a:cs typeface="+mn-cs"/>
-              </a:rPr>
-              <a:t>It’s not clean.</a:t>
-            </a:r>
-            <a:br>
-              <a:rPr lang="en-US" sz="1200" b="0" i="0" kern="1200" dirty="0">
-                <a:solidFill>
-                  <a:schemeClr val="tx1"/>
-                </a:solidFill>
-                <a:effectLst/>
-                <a:latin typeface="+mn-lt"/>
-                <a:ea typeface="+mn-ea"/>
-                <a:cs typeface="+mn-cs"/>
-              </a:rPr>
-            </a:br>
-            <a:r>
-              <a:rPr lang="en-US" sz="1200" b="0" i="0" kern="1200" dirty="0">
-                <a:solidFill>
-                  <a:schemeClr val="tx1"/>
-                </a:solidFill>
-                <a:effectLst/>
-                <a:latin typeface="+mn-lt"/>
-                <a:ea typeface="+mn-ea"/>
-                <a:cs typeface="+mn-cs"/>
-              </a:rPr>
-              <a:t>Can we improve it? Any ideas?</a:t>
-            </a:r>
-          </a:p>
-          <a:p>
-            <a:pPr marL="171450" marR="0" lvl="0" indent="-171450" algn="l" defTabSz="914400" rtl="0" eaLnBrk="1" fontAlgn="auto" latinLnBrk="0" hangingPunct="1">
-              <a:lnSpc>
-                <a:spcPct val="100000"/>
-              </a:lnSpc>
-              <a:spcBef>
-                <a:spcPts val="0"/>
-              </a:spcBef>
-              <a:spcAft>
-                <a:spcPts val="0"/>
-              </a:spcAft>
-              <a:buClrTx/>
-              <a:buSzTx/>
-              <a:buFontTx/>
-              <a:buChar char="-"/>
-              <a:tabLst/>
-              <a:defRPr/>
-            </a:pPr>
-            <a:r>
-              <a:rPr lang="en-US" sz="1200" b="0" i="0" kern="1200" dirty="0">
-                <a:solidFill>
-                  <a:schemeClr val="tx1"/>
-                </a:solidFill>
-                <a:effectLst/>
-                <a:latin typeface="+mn-lt"/>
-                <a:ea typeface="+mn-ea"/>
-                <a:cs typeface="+mn-cs"/>
-              </a:rPr>
-              <a:t>We can use bind and passing the variables the callback function need to receive, bind will create a new function instance with our content and relevant variables we need.</a:t>
-            </a:r>
-          </a:p>
-          <a:p>
-            <a:pPr marL="171450" marR="0" lvl="0" indent="-171450" algn="l" defTabSz="914400" rtl="0" eaLnBrk="1" fontAlgn="auto" latinLnBrk="0" hangingPunct="1">
-              <a:lnSpc>
-                <a:spcPct val="100000"/>
-              </a:lnSpc>
-              <a:spcBef>
-                <a:spcPts val="0"/>
-              </a:spcBef>
-              <a:spcAft>
-                <a:spcPts val="0"/>
-              </a:spcAft>
-              <a:buClrTx/>
-              <a:buSzTx/>
-              <a:buFontTx/>
-              <a:buChar char="-"/>
-              <a:tabLst/>
-              <a:defRPr/>
-            </a:pPr>
-            <a:r>
-              <a:rPr lang="en-US" sz="1200" b="0" i="0" kern="1200" dirty="0">
-                <a:solidFill>
-                  <a:schemeClr val="tx1"/>
-                </a:solidFill>
-                <a:effectLst/>
-                <a:latin typeface="+mn-lt"/>
-                <a:ea typeface="+mn-ea"/>
-                <a:cs typeface="+mn-cs"/>
-              </a:rPr>
-              <a:t>We can improve a little bit also </a:t>
-            </a:r>
-            <a:r>
-              <a:rPr lang="en-US" sz="1200" b="0" i="0" kern="1200" dirty="0" err="1">
-                <a:solidFill>
-                  <a:schemeClr val="tx1"/>
-                </a:solidFill>
-                <a:effectLst/>
-                <a:latin typeface="+mn-lt"/>
-                <a:ea typeface="+mn-ea"/>
-                <a:cs typeface="+mn-cs"/>
-              </a:rPr>
-              <a:t>createAccountCredential</a:t>
-            </a:r>
-            <a:r>
-              <a:rPr lang="en-US" sz="1200" b="0" i="0" kern="1200" dirty="0">
-                <a:solidFill>
-                  <a:schemeClr val="tx1"/>
-                </a:solidFill>
-                <a:effectLst/>
-                <a:latin typeface="+mn-lt"/>
-                <a:ea typeface="+mn-ea"/>
-                <a:cs typeface="+mn-cs"/>
-              </a:rPr>
-              <a:t> by removing arrow function and just putting our callback function</a:t>
-            </a:r>
-          </a:p>
-          <a:p>
-            <a:pPr marL="0" marR="0" lvl="0" indent="0" algn="l" defTabSz="914400" rtl="0" eaLnBrk="1" fontAlgn="auto" latinLnBrk="0" hangingPunct="1">
-              <a:lnSpc>
-                <a:spcPct val="100000"/>
-              </a:lnSpc>
-              <a:spcBef>
-                <a:spcPts val="0"/>
-              </a:spcBef>
-              <a:spcAft>
-                <a:spcPts val="0"/>
-              </a:spcAft>
-              <a:buClrTx/>
-              <a:buSzTx/>
-              <a:buFontTx/>
-              <a:buNone/>
-              <a:tabLst/>
-              <a:defRPr/>
-            </a:pPr>
-            <a:endParaRPr lang="en-US" sz="1200" b="0" i="0" kern="1200" dirty="0">
-              <a:solidFill>
-                <a:schemeClr val="tx1"/>
-              </a:solidFill>
-              <a:effectLst/>
-              <a:latin typeface="+mn-lt"/>
-              <a:ea typeface="+mn-ea"/>
-              <a:cs typeface="+mn-cs"/>
-            </a:endParaRPr>
-          </a:p>
-          <a:p>
-            <a:pPr marL="171450" marR="0" lvl="0" indent="-171450" algn="l" defTabSz="914400" rtl="0" eaLnBrk="1" fontAlgn="auto" latinLnBrk="0" hangingPunct="1">
-              <a:lnSpc>
-                <a:spcPct val="100000"/>
-              </a:lnSpc>
-              <a:spcBef>
-                <a:spcPts val="0"/>
-              </a:spcBef>
-              <a:spcAft>
-                <a:spcPts val="0"/>
-              </a:spcAft>
-              <a:buClrTx/>
-              <a:buSzTx/>
-              <a:buFontTx/>
-              <a:buChar char="-"/>
-              <a:tabLst/>
-              <a:defRPr/>
-            </a:pPr>
-            <a:endParaRPr lang="en-US" sz="1200" b="0" i="0" kern="1200" dirty="0">
-              <a:solidFill>
-                <a:schemeClr val="tx1"/>
-              </a:solidFill>
-              <a:effectLst/>
-              <a:latin typeface="+mn-lt"/>
-              <a:ea typeface="+mn-ea"/>
-              <a:cs typeface="+mn-cs"/>
-            </a:endParaRPr>
-          </a:p>
-          <a:p>
-            <a:pPr marL="171450" marR="0" lvl="0" indent="-171450" algn="l" defTabSz="914400" rtl="0" eaLnBrk="1" fontAlgn="auto" latinLnBrk="0" hangingPunct="1">
-              <a:lnSpc>
-                <a:spcPct val="100000"/>
-              </a:lnSpc>
-              <a:spcBef>
-                <a:spcPts val="0"/>
-              </a:spcBef>
-              <a:spcAft>
-                <a:spcPts val="0"/>
-              </a:spcAft>
-              <a:buClrTx/>
-              <a:buSzTx/>
-              <a:buFontTx/>
-              <a:buChar char="-"/>
-              <a:tabLst/>
-              <a:defRPr/>
-            </a:pPr>
+              <a:rPr lang="en-US" sz="1200" b="0" i="1" kern="1200" dirty="0">
+                <a:solidFill>
+                  <a:schemeClr val="tx1"/>
+                </a:solidFill>
+                <a:effectLst/>
+                <a:latin typeface="+mn-lt"/>
+                <a:ea typeface="+mn-ea"/>
+                <a:cs typeface="+mn-cs"/>
+              </a:rPr>
+              <a:t>You should only bind with .bind() or arrow function a method if you’re going to pass it around.</a:t>
+            </a:r>
             <a:endParaRPr lang="en-US" b="0" dirty="0"/>
+          </a:p>
+          <a:p>
+            <a:pPr marL="0" marR="0" lvl="0" indent="0" algn="l" defTabSz="914400" rtl="0" eaLnBrk="1" fontAlgn="auto" latinLnBrk="0" hangingPunct="1">
+              <a:lnSpc>
+                <a:spcPct val="100000"/>
+              </a:lnSpc>
+              <a:spcBef>
+                <a:spcPts val="0"/>
+              </a:spcBef>
+              <a:spcAft>
+                <a:spcPts val="0"/>
+              </a:spcAft>
+              <a:buClrTx/>
+              <a:buSzTx/>
+              <a:buFontTx/>
+              <a:buNone/>
+              <a:tabLst/>
+              <a:defRPr/>
+            </a:pPr>
+            <a:endParaRPr lang="en-US" b="0" dirty="0"/>
+          </a:p>
+          <a:p>
+            <a:pPr marL="0" marR="0" lvl="0" indent="0" algn="l" defTabSz="914400" rtl="0" eaLnBrk="1" fontAlgn="auto" latinLnBrk="0" hangingPunct="1">
+              <a:lnSpc>
+                <a:spcPct val="100000"/>
+              </a:lnSpc>
+              <a:spcBef>
+                <a:spcPts val="0"/>
+              </a:spcBef>
+              <a:spcAft>
+                <a:spcPts val="0"/>
+              </a:spcAft>
+              <a:buClrTx/>
+              <a:buSzTx/>
+              <a:buFontTx/>
+              <a:buNone/>
+              <a:tabLst/>
+              <a:defRPr/>
+            </a:pPr>
+            <a:r>
+              <a:rPr lang="en-US" b="0" dirty="0"/>
+              <a:t>Usually it will happened if we are showing list, each items will create his owns functions instance.</a:t>
+            </a:r>
+          </a:p>
+          <a:p>
+            <a:pPr marL="0" marR="0" lvl="0" indent="0" algn="l" defTabSz="914400" rtl="0" eaLnBrk="1" fontAlgn="auto" latinLnBrk="0" hangingPunct="1">
+              <a:lnSpc>
+                <a:spcPct val="100000"/>
+              </a:lnSpc>
+              <a:spcBef>
+                <a:spcPts val="0"/>
+              </a:spcBef>
+              <a:spcAft>
+                <a:spcPts val="0"/>
+              </a:spcAft>
+              <a:buClrTx/>
+              <a:buSzTx/>
+              <a:buFontTx/>
+              <a:buNone/>
+              <a:tabLst/>
+              <a:defRPr/>
+            </a:pPr>
+            <a:endParaRPr lang="en-US" b="0" dirty="0"/>
+          </a:p>
+          <a:p>
+            <a:pPr marL="0" marR="0" lvl="0" indent="0" algn="l" defTabSz="914400" rtl="0" eaLnBrk="1" fontAlgn="auto" latinLnBrk="0" hangingPunct="1">
+              <a:lnSpc>
+                <a:spcPct val="100000"/>
+              </a:lnSpc>
+              <a:spcBef>
+                <a:spcPts val="0"/>
+              </a:spcBef>
+              <a:spcAft>
+                <a:spcPts val="0"/>
+              </a:spcAft>
+              <a:buClrTx/>
+              <a:buSzTx/>
+              <a:buFontTx/>
+              <a:buNone/>
+              <a:tabLst/>
+              <a:defRPr/>
+            </a:pPr>
+            <a:endParaRPr lang="en-US" b="0" dirty="0"/>
+          </a:p>
+          <a:p>
+            <a:pPr marL="0" marR="0" lvl="0" indent="0" algn="l" defTabSz="914400" rtl="0" eaLnBrk="1" fontAlgn="auto" latinLnBrk="0" hangingPunct="1">
+              <a:lnSpc>
+                <a:spcPct val="100000"/>
+              </a:lnSpc>
+              <a:spcBef>
+                <a:spcPts val="0"/>
+              </a:spcBef>
+              <a:spcAft>
+                <a:spcPts val="0"/>
+              </a:spcAft>
+              <a:buClrTx/>
+              <a:buSzTx/>
+              <a:buFontTx/>
+              <a:buNone/>
+              <a:tabLst/>
+              <a:defRPr/>
+            </a:pPr>
+            <a:endParaRPr lang="en-US" b="0" dirty="0"/>
+          </a:p>
+          <a:p>
+            <a:pPr marL="0" marR="0" lvl="0" indent="0" algn="l" defTabSz="914400" rtl="0" eaLnBrk="1" fontAlgn="auto" latinLnBrk="0" hangingPunct="1">
+              <a:lnSpc>
+                <a:spcPct val="100000"/>
+              </a:lnSpc>
+              <a:spcBef>
+                <a:spcPts val="0"/>
+              </a:spcBef>
+              <a:spcAft>
+                <a:spcPts val="0"/>
+              </a:spcAft>
+              <a:buClrTx/>
+              <a:buSzTx/>
+              <a:buFontTx/>
+              <a:buNone/>
+              <a:tabLst/>
+              <a:defRPr/>
+            </a:pPr>
+            <a:r>
+              <a:rPr lang="en-US" b="0" dirty="0"/>
+              <a:t>https://medium.com/@charpeni/arrow-functions-in-class-properties-might-not-be-as-great-as-we-think-3b3551c440b1</a:t>
+            </a:r>
           </a:p>
         </p:txBody>
       </p:sp>
@@ -16863,6 +15800,1172 @@
             <a:fld id="{595D0871-5AD0-4670-BDA8-FBE649F625DD}" type="slidenum">
               <a:rPr lang="he-IL" smtClean="0"/>
               <a:t>32</a:t>
+            </a:fld>
+            <a:endParaRPr lang="he-IL"/>
+          </a:p>
+        </p:txBody>
+      </p:sp>
+    </p:spTree>
+    <p:extLst>
+      <p:ext uri="{BB962C8B-B14F-4D97-AF65-F5344CB8AC3E}">
+        <p14:creationId xmlns:p14="http://schemas.microsoft.com/office/powerpoint/2010/main" val="3583219243"/>
+      </p:ext>
+    </p:extLst>
+  </p:cSld>
+  <p:clrMapOvr>
+    <a:masterClrMapping/>
+  </p:clrMapOvr>
+</p:notes>
+</file>
+
+<file path=ppt/notesSlides/notesSlide33.xml><?xml version="1.0" encoding="utf-8"?>
+<p:notes xmlns:a="http://schemas.openxmlformats.org/drawingml/2006/main" xmlns:r="http://schemas.openxmlformats.org/officeDocument/2006/relationships" xmlns:p="http://schemas.openxmlformats.org/presentationml/2006/main">
+  <p:cSld>
+    <p:spTree>
+      <p:nvGrpSpPr>
+        <p:cNvPr id="1" name=""/>
+        <p:cNvGrpSpPr/>
+        <p:nvPr/>
+      </p:nvGrpSpPr>
+      <p:grpSpPr>
+        <a:xfrm>
+          <a:off x="0" y="0"/>
+          <a:ext cx="0" cy="0"/>
+          <a:chOff x="0" y="0"/>
+          <a:chExt cx="0" cy="0"/>
+        </a:xfrm>
+      </p:grpSpPr>
+      <p:sp>
+        <p:nvSpPr>
+          <p:cNvPr id="2" name="Slide Image Placeholder 1"/>
+          <p:cNvSpPr>
+            <a:spLocks noGrp="1" noRot="1" noChangeAspect="1"/>
+          </p:cNvSpPr>
+          <p:nvPr>
+            <p:ph type="sldImg"/>
+          </p:nvPr>
+        </p:nvSpPr>
+        <p:spPr/>
+      </p:sp>
+      <p:sp>
+        <p:nvSpPr>
+          <p:cNvPr id="3" name="Notes Placeholder 2"/>
+          <p:cNvSpPr>
+            <a:spLocks noGrp="1"/>
+          </p:cNvSpPr>
+          <p:nvPr>
+            <p:ph type="body" idx="1"/>
+          </p:nvPr>
+        </p:nvSpPr>
+        <p:spPr/>
+        <p:txBody>
+          <a:bodyPr/>
+          <a:lstStyle/>
+          <a:p>
+            <a:pPr marL="0" marR="0" lvl="0" indent="0" algn="l" defTabSz="914400" rtl="0" eaLnBrk="1" fontAlgn="auto" latinLnBrk="0" hangingPunct="1">
+              <a:lnSpc>
+                <a:spcPct val="100000"/>
+              </a:lnSpc>
+              <a:spcBef>
+                <a:spcPts val="0"/>
+              </a:spcBef>
+              <a:spcAft>
+                <a:spcPts val="0"/>
+              </a:spcAft>
+              <a:buClrTx/>
+              <a:buSzTx/>
+              <a:buFontTx/>
+              <a:buNone/>
+              <a:tabLst/>
+              <a:defRPr/>
+            </a:pPr>
+            <a:r>
+              <a:rPr lang="en-US" dirty="0" err="1"/>
+              <a:t>PaymentService</a:t>
+            </a:r>
+            <a:r>
+              <a:rPr lang="en-US" dirty="0"/>
+              <a:t> – </a:t>
+            </a:r>
+            <a:r>
+              <a:rPr lang="en-US" sz="1200" kern="1200" dirty="0" err="1">
+                <a:solidFill>
+                  <a:schemeClr val="tx1"/>
+                </a:solidFill>
+                <a:effectLst/>
+                <a:latin typeface="+mn-lt"/>
+                <a:ea typeface="+mn-ea"/>
+                <a:cs typeface="+mn-cs"/>
+              </a:rPr>
+              <a:t>chooseRegularFlowOrUserWithoutJasperAccountFlow</a:t>
+            </a:r>
+            <a:endParaRPr lang="en-US" sz="1200" kern="1200" dirty="0">
+              <a:solidFill>
+                <a:schemeClr val="tx1"/>
+              </a:solidFill>
+              <a:effectLst/>
+              <a:latin typeface="+mn-lt"/>
+              <a:ea typeface="+mn-ea"/>
+              <a:cs typeface="+mn-cs"/>
+            </a:endParaRPr>
+          </a:p>
+          <a:p>
+            <a:pPr marL="0" marR="0" lvl="0" indent="0" algn="l" defTabSz="914400" rtl="0" eaLnBrk="1" fontAlgn="auto" latinLnBrk="0" hangingPunct="1">
+              <a:lnSpc>
+                <a:spcPct val="100000"/>
+              </a:lnSpc>
+              <a:spcBef>
+                <a:spcPts val="0"/>
+              </a:spcBef>
+              <a:spcAft>
+                <a:spcPts val="0"/>
+              </a:spcAft>
+              <a:buClrTx/>
+              <a:buSzTx/>
+              <a:buFontTx/>
+              <a:buNone/>
+              <a:tabLst/>
+              <a:defRPr/>
+            </a:pPr>
+            <a:endParaRPr lang="en-US" sz="1200" b="0" kern="1200" dirty="0">
+              <a:solidFill>
+                <a:schemeClr val="tx1"/>
+              </a:solidFill>
+              <a:effectLst/>
+              <a:latin typeface="+mn-lt"/>
+              <a:ea typeface="+mn-ea"/>
+              <a:cs typeface="+mn-cs"/>
+            </a:endParaRPr>
+          </a:p>
+          <a:p>
+            <a:pPr marL="0" marR="0" lvl="0" indent="0" algn="l" defTabSz="914400" rtl="0" eaLnBrk="1" fontAlgn="auto" latinLnBrk="0" hangingPunct="1">
+              <a:lnSpc>
+                <a:spcPct val="100000"/>
+              </a:lnSpc>
+              <a:spcBef>
+                <a:spcPts val="0"/>
+              </a:spcBef>
+              <a:spcAft>
+                <a:spcPts val="0"/>
+              </a:spcAft>
+              <a:buClrTx/>
+              <a:buSzTx/>
+              <a:buFontTx/>
+              <a:buNone/>
+              <a:tabLst/>
+              <a:defRPr/>
+            </a:pPr>
+            <a:r>
+              <a:rPr lang="en-US" sz="1200" b="0" kern="1200" dirty="0">
+                <a:solidFill>
+                  <a:schemeClr val="tx1"/>
+                </a:solidFill>
+                <a:effectLst/>
+                <a:latin typeface="+mn-lt"/>
+                <a:ea typeface="+mn-ea"/>
+                <a:cs typeface="+mn-cs"/>
+              </a:rPr>
+              <a:t>Let’s reuse code with the tools we learn</a:t>
+            </a:r>
+          </a:p>
+          <a:p>
+            <a:pPr marL="171450" marR="0" lvl="0" indent="-171450" algn="l" defTabSz="914400" rtl="0" eaLnBrk="1" fontAlgn="auto" latinLnBrk="0" hangingPunct="1">
+              <a:lnSpc>
+                <a:spcPct val="100000"/>
+              </a:lnSpc>
+              <a:spcBef>
+                <a:spcPts val="0"/>
+              </a:spcBef>
+              <a:spcAft>
+                <a:spcPts val="0"/>
+              </a:spcAft>
+              <a:buClrTx/>
+              <a:buSzTx/>
+              <a:buFontTx/>
+              <a:buChar char="-"/>
+              <a:tabLst/>
+              <a:defRPr/>
+            </a:pPr>
+            <a:r>
+              <a:rPr lang="en-US" sz="1200" b="0" kern="1200" dirty="0">
+                <a:solidFill>
+                  <a:schemeClr val="tx1"/>
+                </a:solidFill>
+                <a:effectLst/>
+                <a:latin typeface="+mn-lt"/>
+                <a:ea typeface="+mn-ea"/>
+                <a:cs typeface="+mn-cs"/>
+              </a:rPr>
+              <a:t>We have Payment Service, Over there we have function for </a:t>
+            </a:r>
+            <a:r>
+              <a:rPr lang="en-US" sz="1200" b="0" i="0" kern="1200" dirty="0" err="1">
+                <a:solidFill>
+                  <a:schemeClr val="tx1"/>
+                </a:solidFill>
+                <a:effectLst/>
+                <a:latin typeface="+mn-lt"/>
+                <a:ea typeface="+mn-ea"/>
+                <a:cs typeface="+mn-cs"/>
+              </a:rPr>
+              <a:t>makePayment</a:t>
+            </a:r>
+            <a:r>
+              <a:rPr lang="en-US" sz="1200" b="0" i="0" kern="1200" dirty="0">
+                <a:solidFill>
+                  <a:schemeClr val="tx1"/>
+                </a:solidFill>
+                <a:effectLst/>
+                <a:latin typeface="+mn-lt"/>
+                <a:ea typeface="+mn-ea"/>
+                <a:cs typeface="+mn-cs"/>
+              </a:rPr>
+              <a:t>, in the function we are checking if we have account then we can make request to `_</a:t>
+            </a:r>
+            <a:r>
+              <a:rPr lang="en-US" sz="1200" b="0" i="0" kern="1200" dirty="0" err="1">
+                <a:solidFill>
+                  <a:schemeClr val="tx1"/>
+                </a:solidFill>
+                <a:effectLst/>
+                <a:latin typeface="+mn-lt"/>
+                <a:ea typeface="+mn-ea"/>
+                <a:cs typeface="+mn-cs"/>
+              </a:rPr>
+              <a:t>makePayment</a:t>
+            </a:r>
+            <a:r>
+              <a:rPr lang="en-US" sz="1200" b="0" i="0" kern="1200" dirty="0">
+                <a:solidFill>
+                  <a:schemeClr val="tx1"/>
+                </a:solidFill>
+                <a:effectLst/>
+                <a:latin typeface="+mn-lt"/>
+                <a:ea typeface="+mn-ea"/>
+                <a:cs typeface="+mn-cs"/>
+              </a:rPr>
+              <a:t>` otherwise we need to create account</a:t>
+            </a:r>
+          </a:p>
+          <a:p>
+            <a:pPr marL="171450" marR="0" lvl="0" indent="-171450" algn="l" defTabSz="914400" rtl="0" eaLnBrk="1" fontAlgn="auto" latinLnBrk="0" hangingPunct="1">
+              <a:lnSpc>
+                <a:spcPct val="100000"/>
+              </a:lnSpc>
+              <a:spcBef>
+                <a:spcPts val="0"/>
+              </a:spcBef>
+              <a:spcAft>
+                <a:spcPts val="0"/>
+              </a:spcAft>
+              <a:buClrTx/>
+              <a:buSzTx/>
+              <a:buFontTx/>
+              <a:buChar char="-"/>
+              <a:tabLst/>
+              <a:defRPr/>
+            </a:pPr>
+            <a:r>
+              <a:rPr lang="en-US" sz="1200" b="0" i="0" kern="1200" dirty="0">
+                <a:solidFill>
+                  <a:schemeClr val="tx1"/>
+                </a:solidFill>
+                <a:effectLst/>
+                <a:latin typeface="+mn-lt"/>
+                <a:ea typeface="+mn-ea"/>
+                <a:cs typeface="+mn-cs"/>
+              </a:rPr>
+              <a:t>So we have `</a:t>
+            </a:r>
+            <a:r>
+              <a:rPr lang="en-US" sz="1200" b="0" i="0" kern="1200" dirty="0" err="1">
+                <a:solidFill>
+                  <a:schemeClr val="tx1"/>
+                </a:solidFill>
+                <a:effectLst/>
+                <a:latin typeface="+mn-lt"/>
+                <a:ea typeface="+mn-ea"/>
+                <a:cs typeface="+mn-cs"/>
+              </a:rPr>
+              <a:t>haveAccountCredential</a:t>
+            </a:r>
+            <a:r>
+              <a:rPr lang="en-US" sz="1200" b="0" i="0" kern="1200" dirty="0">
+                <a:solidFill>
+                  <a:schemeClr val="tx1"/>
+                </a:solidFill>
+                <a:effectLst/>
+                <a:latin typeface="+mn-lt"/>
+                <a:ea typeface="+mn-ea"/>
+                <a:cs typeface="+mn-cs"/>
+              </a:rPr>
+              <a:t>` &amp; `_</a:t>
+            </a:r>
+            <a:r>
+              <a:rPr lang="en-US" sz="1200" b="0" i="0" kern="1200" dirty="0" err="1">
+                <a:solidFill>
+                  <a:schemeClr val="tx1"/>
+                </a:solidFill>
+                <a:effectLst/>
+                <a:latin typeface="+mn-lt"/>
+                <a:ea typeface="+mn-ea"/>
+                <a:cs typeface="+mn-cs"/>
+              </a:rPr>
+              <a:t>makePayment</a:t>
+            </a:r>
+            <a:r>
+              <a:rPr lang="en-US" sz="1200" b="0" i="0" kern="1200" dirty="0">
+                <a:solidFill>
+                  <a:schemeClr val="tx1"/>
+                </a:solidFill>
+                <a:effectLst/>
+                <a:latin typeface="+mn-lt"/>
+                <a:ea typeface="+mn-ea"/>
+                <a:cs typeface="+mn-cs"/>
+              </a:rPr>
+              <a:t>` functions, we don’t care about the implementation</a:t>
+            </a:r>
+          </a:p>
+          <a:p>
+            <a:pPr marL="171450" marR="0" lvl="0" indent="-171450" algn="l" defTabSz="914400" rtl="0" eaLnBrk="1" fontAlgn="auto" latinLnBrk="0" hangingPunct="1">
+              <a:lnSpc>
+                <a:spcPct val="100000"/>
+              </a:lnSpc>
+              <a:spcBef>
+                <a:spcPts val="0"/>
+              </a:spcBef>
+              <a:spcAft>
+                <a:spcPts val="0"/>
+              </a:spcAft>
+              <a:buClrTx/>
+              <a:buSzTx/>
+              <a:buFontTx/>
+              <a:buChar char="-"/>
+              <a:tabLst/>
+              <a:defRPr/>
+            </a:pPr>
+            <a:r>
+              <a:rPr lang="en-US" sz="1200" b="0" i="0" kern="1200" dirty="0">
+                <a:solidFill>
+                  <a:schemeClr val="tx1"/>
+                </a:solidFill>
+                <a:effectLst/>
+                <a:latin typeface="+mn-lt"/>
+                <a:ea typeface="+mn-ea"/>
+                <a:cs typeface="+mn-cs"/>
+              </a:rPr>
+              <a:t>Now, let’s take a look at `</a:t>
+            </a:r>
+            <a:r>
+              <a:rPr lang="en-US" sz="1200" b="0" i="0" kern="1200" dirty="0" err="1">
+                <a:solidFill>
+                  <a:schemeClr val="tx1"/>
+                </a:solidFill>
+                <a:effectLst/>
+                <a:latin typeface="+mn-lt"/>
+                <a:ea typeface="+mn-ea"/>
+                <a:cs typeface="+mn-cs"/>
+              </a:rPr>
+              <a:t>createAccountCredential</a:t>
+            </a:r>
+            <a:r>
+              <a:rPr lang="en-US" sz="1200" b="0" i="0" kern="1200" dirty="0">
+                <a:solidFill>
+                  <a:schemeClr val="tx1"/>
+                </a:solidFill>
+                <a:effectLst/>
+                <a:latin typeface="+mn-lt"/>
+                <a:ea typeface="+mn-ea"/>
+                <a:cs typeface="+mn-cs"/>
+              </a:rPr>
+              <a:t>` function, it receives 2 variables and making request to create account, on success we are calling to `_</a:t>
+            </a:r>
+            <a:r>
+              <a:rPr lang="en-US" sz="1200" b="0" i="0" kern="1200" dirty="0" err="1">
+                <a:solidFill>
+                  <a:schemeClr val="tx1"/>
+                </a:solidFill>
+                <a:effectLst/>
+                <a:latin typeface="+mn-lt"/>
+                <a:ea typeface="+mn-ea"/>
+                <a:cs typeface="+mn-cs"/>
+              </a:rPr>
+              <a:t>makePayment</a:t>
+            </a:r>
+            <a:r>
+              <a:rPr lang="en-US" sz="1200" b="0" i="0" kern="1200" dirty="0">
+                <a:solidFill>
+                  <a:schemeClr val="tx1"/>
+                </a:solidFill>
+                <a:effectLst/>
+                <a:latin typeface="+mn-lt"/>
+                <a:ea typeface="+mn-ea"/>
+                <a:cs typeface="+mn-cs"/>
+              </a:rPr>
+              <a:t>` with the variables we receive.</a:t>
+            </a:r>
+            <a:br>
+              <a:rPr lang="en-US" sz="1200" b="0" i="0" kern="1200" dirty="0">
+                <a:solidFill>
+                  <a:schemeClr val="tx1"/>
+                </a:solidFill>
+                <a:effectLst/>
+                <a:latin typeface="+mn-lt"/>
+                <a:ea typeface="+mn-ea"/>
+                <a:cs typeface="+mn-cs"/>
+              </a:rPr>
+            </a:br>
+            <a:br>
+              <a:rPr lang="en-US" sz="1200" b="0" i="0" kern="1200" dirty="0">
+                <a:solidFill>
+                  <a:schemeClr val="tx1"/>
+                </a:solidFill>
+                <a:effectLst/>
+                <a:latin typeface="+mn-lt"/>
+                <a:ea typeface="+mn-ea"/>
+                <a:cs typeface="+mn-cs"/>
+              </a:rPr>
+            </a:br>
+            <a:r>
+              <a:rPr lang="en-US" sz="1200" b="0" i="0" kern="1200" dirty="0">
+                <a:solidFill>
+                  <a:schemeClr val="tx1"/>
+                </a:solidFill>
+                <a:effectLst/>
+                <a:latin typeface="+mn-lt"/>
+                <a:ea typeface="+mn-ea"/>
+                <a:cs typeface="+mn-cs"/>
+              </a:rPr>
+              <a:t>It is clear?</a:t>
+            </a:r>
+          </a:p>
+          <a:p>
+            <a:pPr marL="171450" marR="0" lvl="0" indent="-171450" algn="l" defTabSz="914400" rtl="0" eaLnBrk="1" fontAlgn="auto" latinLnBrk="0" hangingPunct="1">
+              <a:lnSpc>
+                <a:spcPct val="100000"/>
+              </a:lnSpc>
+              <a:spcBef>
+                <a:spcPts val="0"/>
+              </a:spcBef>
+              <a:spcAft>
+                <a:spcPts val="0"/>
+              </a:spcAft>
+              <a:buClrTx/>
+              <a:buSzTx/>
+              <a:buFontTx/>
+              <a:buChar char="-"/>
+              <a:tabLst/>
+              <a:defRPr/>
+            </a:pPr>
+            <a:r>
+              <a:rPr lang="en-US" sz="1200" b="0" i="0" kern="1200" dirty="0">
+                <a:solidFill>
+                  <a:schemeClr val="tx1"/>
+                </a:solidFill>
+                <a:effectLst/>
+                <a:latin typeface="+mn-lt"/>
+                <a:ea typeface="+mn-ea"/>
+                <a:cs typeface="+mn-cs"/>
+              </a:rPr>
+              <a:t>Now we have another </a:t>
+            </a:r>
+            <a:r>
+              <a:rPr lang="en-US" sz="1200" b="0" i="0" kern="1200" dirty="0" err="1">
+                <a:solidFill>
+                  <a:schemeClr val="tx1"/>
+                </a:solidFill>
+                <a:effectLst/>
+                <a:latin typeface="+mn-lt"/>
+                <a:ea typeface="+mn-ea"/>
+                <a:cs typeface="+mn-cs"/>
+              </a:rPr>
+              <a:t>reuqset</a:t>
+            </a:r>
+            <a:r>
+              <a:rPr lang="en-US" sz="1200" b="0" i="0" kern="1200" dirty="0">
+                <a:solidFill>
+                  <a:schemeClr val="tx1"/>
+                </a:solidFill>
+                <a:effectLst/>
+                <a:latin typeface="+mn-lt"/>
+                <a:ea typeface="+mn-ea"/>
+                <a:cs typeface="+mn-cs"/>
+              </a:rPr>
+              <a:t> for `</a:t>
+            </a:r>
+            <a:r>
+              <a:rPr lang="en-US" sz="1200" b="0" i="0" kern="1200" dirty="0" err="1">
+                <a:solidFill>
+                  <a:schemeClr val="tx1"/>
+                </a:solidFill>
+                <a:effectLst/>
+                <a:latin typeface="+mn-lt"/>
+                <a:ea typeface="+mn-ea"/>
+                <a:cs typeface="+mn-cs"/>
+              </a:rPr>
+              <a:t>createSubscription</a:t>
+            </a:r>
+            <a:r>
+              <a:rPr lang="en-US" sz="1200" b="0" i="0" kern="1200" dirty="0">
+                <a:solidFill>
+                  <a:schemeClr val="tx1"/>
+                </a:solidFill>
+                <a:effectLst/>
+                <a:latin typeface="+mn-lt"/>
+                <a:ea typeface="+mn-ea"/>
+                <a:cs typeface="+mn-cs"/>
+              </a:rPr>
+              <a:t>`, let’s take a look at the code, over there we also nee to check if we have account, if user have then we can call to `</a:t>
+            </a:r>
+            <a:r>
+              <a:rPr lang="en-US" sz="1200" b="0" i="0" kern="1200" dirty="0" err="1">
+                <a:solidFill>
+                  <a:schemeClr val="tx1"/>
+                </a:solidFill>
+                <a:effectLst/>
+                <a:latin typeface="+mn-lt"/>
+                <a:ea typeface="+mn-ea"/>
+                <a:cs typeface="+mn-cs"/>
+              </a:rPr>
+              <a:t>createSubscription</a:t>
+            </a:r>
+            <a:r>
+              <a:rPr lang="en-US" sz="1200" b="0" i="0" kern="1200" dirty="0">
+                <a:solidFill>
+                  <a:schemeClr val="tx1"/>
+                </a:solidFill>
+                <a:effectLst/>
+                <a:latin typeface="+mn-lt"/>
+                <a:ea typeface="+mn-ea"/>
+                <a:cs typeface="+mn-cs"/>
+              </a:rPr>
+              <a:t>` otherwise we nee to create account and on success call to `_</a:t>
+            </a:r>
+            <a:r>
+              <a:rPr lang="en-US" sz="1200" b="0" i="0" kern="1200" dirty="0" err="1">
+                <a:solidFill>
+                  <a:schemeClr val="tx1"/>
+                </a:solidFill>
+                <a:effectLst/>
+                <a:latin typeface="+mn-lt"/>
+                <a:ea typeface="+mn-ea"/>
+                <a:cs typeface="+mn-cs"/>
+              </a:rPr>
+              <a:t>createSubscription</a:t>
+            </a:r>
+            <a:r>
+              <a:rPr lang="en-US" sz="1200" b="0" i="0" kern="1200" dirty="0">
+                <a:solidFill>
+                  <a:schemeClr val="tx1"/>
+                </a:solidFill>
+                <a:effectLst/>
+                <a:latin typeface="+mn-lt"/>
+                <a:ea typeface="+mn-ea"/>
+                <a:cs typeface="+mn-cs"/>
+              </a:rPr>
+              <a:t>`</a:t>
+            </a:r>
+          </a:p>
+          <a:p>
+            <a:pPr marL="171450" marR="0" lvl="0" indent="-171450" algn="l" defTabSz="914400" rtl="0" eaLnBrk="1" fontAlgn="auto" latinLnBrk="0" hangingPunct="1">
+              <a:lnSpc>
+                <a:spcPct val="100000"/>
+              </a:lnSpc>
+              <a:spcBef>
+                <a:spcPts val="0"/>
+              </a:spcBef>
+              <a:spcAft>
+                <a:spcPts val="0"/>
+              </a:spcAft>
+              <a:buClrTx/>
+              <a:buSzTx/>
+              <a:buFontTx/>
+              <a:buChar char="-"/>
+              <a:tabLst/>
+              <a:defRPr/>
+            </a:pPr>
+            <a:r>
+              <a:rPr lang="en-US" sz="1200" b="0" i="0" kern="1200" dirty="0">
+                <a:solidFill>
+                  <a:schemeClr val="tx1"/>
+                </a:solidFill>
+                <a:effectLst/>
+                <a:latin typeface="+mn-lt"/>
+                <a:ea typeface="+mn-ea"/>
+                <a:cs typeface="+mn-cs"/>
+              </a:rPr>
+              <a:t>What is the problem with this example? We have 2 functions (</a:t>
+            </a:r>
+            <a:r>
+              <a:rPr lang="en-US" sz="1200" b="0" i="0" kern="1200" dirty="0" err="1">
+                <a:solidFill>
+                  <a:schemeClr val="tx1"/>
+                </a:solidFill>
+                <a:effectLst/>
+                <a:latin typeface="+mn-lt"/>
+                <a:ea typeface="+mn-ea"/>
+                <a:cs typeface="+mn-cs"/>
+              </a:rPr>
+              <a:t>createAccountCredential</a:t>
+            </a:r>
+            <a:r>
+              <a:rPr lang="en-US" sz="1200" b="0" i="0" kern="1200" dirty="0">
+                <a:solidFill>
+                  <a:schemeClr val="tx1"/>
+                </a:solidFill>
+                <a:effectLst/>
+                <a:latin typeface="+mn-lt"/>
+                <a:ea typeface="+mn-ea"/>
+                <a:cs typeface="+mn-cs"/>
+              </a:rPr>
+              <a:t> &amp; </a:t>
+            </a:r>
+            <a:r>
+              <a:rPr lang="en-US" sz="1200" b="0" i="0" kern="1200" dirty="0" err="1">
+                <a:solidFill>
+                  <a:schemeClr val="tx1"/>
+                </a:solidFill>
+                <a:effectLst/>
+                <a:latin typeface="+mn-lt"/>
+                <a:ea typeface="+mn-ea"/>
+                <a:cs typeface="+mn-cs"/>
+              </a:rPr>
+              <a:t>createAccountForSubscription</a:t>
+            </a:r>
+            <a:r>
+              <a:rPr lang="en-US" sz="1200" b="0" i="0" kern="1200" dirty="0">
+                <a:solidFill>
+                  <a:schemeClr val="tx1"/>
+                </a:solidFill>
+                <a:effectLst/>
+                <a:latin typeface="+mn-lt"/>
+                <a:ea typeface="+mn-ea"/>
+                <a:cs typeface="+mn-cs"/>
+              </a:rPr>
+              <a:t>) who are doing the same behavior but on success invoking 2 different functions with other variables</a:t>
+            </a:r>
+          </a:p>
+          <a:p>
+            <a:pPr marL="171450" marR="0" lvl="0" indent="-171450" algn="l" defTabSz="914400" rtl="0" eaLnBrk="1" fontAlgn="auto" latinLnBrk="0" hangingPunct="1">
+              <a:lnSpc>
+                <a:spcPct val="100000"/>
+              </a:lnSpc>
+              <a:spcBef>
+                <a:spcPts val="0"/>
+              </a:spcBef>
+              <a:spcAft>
+                <a:spcPts val="0"/>
+              </a:spcAft>
+              <a:buClrTx/>
+              <a:buSzTx/>
+              <a:buFontTx/>
+              <a:buChar char="-"/>
+              <a:tabLst/>
+              <a:defRPr/>
+            </a:pPr>
+            <a:r>
+              <a:rPr lang="en-US" sz="1200" b="0" i="0" kern="1200" dirty="0">
+                <a:solidFill>
+                  <a:schemeClr val="tx1"/>
+                </a:solidFill>
+                <a:effectLst/>
+                <a:latin typeface="+mn-lt"/>
+                <a:ea typeface="+mn-ea"/>
+                <a:cs typeface="+mn-cs"/>
+              </a:rPr>
+              <a:t>We want </a:t>
+            </a:r>
+            <a:r>
+              <a:rPr lang="en-US" sz="1200" b="0" i="0" kern="1200" dirty="0" err="1">
+                <a:solidFill>
+                  <a:schemeClr val="tx1"/>
+                </a:solidFill>
+                <a:effectLst/>
+                <a:latin typeface="+mn-lt"/>
+                <a:ea typeface="+mn-ea"/>
+                <a:cs typeface="+mn-cs"/>
+              </a:rPr>
+              <a:t>createAccountCredential</a:t>
+            </a:r>
+            <a:r>
+              <a:rPr lang="en-US" sz="1200" b="0" i="0" kern="1200" dirty="0">
+                <a:solidFill>
+                  <a:schemeClr val="tx1"/>
+                </a:solidFill>
+                <a:effectLst/>
+                <a:latin typeface="+mn-lt"/>
+                <a:ea typeface="+mn-ea"/>
+                <a:cs typeface="+mn-cs"/>
+              </a:rPr>
+              <a:t> function receive callback function (`</a:t>
+            </a:r>
+            <a:r>
+              <a:rPr lang="en-US" sz="1200" b="0" i="0" kern="1200" dirty="0" err="1">
+                <a:solidFill>
+                  <a:schemeClr val="tx1"/>
+                </a:solidFill>
+                <a:effectLst/>
+                <a:latin typeface="+mn-lt"/>
+                <a:ea typeface="+mn-ea"/>
+                <a:cs typeface="+mn-cs"/>
+              </a:rPr>
+              <a:t>nextRequest</a:t>
+            </a:r>
+            <a:r>
+              <a:rPr lang="en-US" sz="1200" b="0" i="0" kern="1200" dirty="0">
+                <a:solidFill>
+                  <a:schemeClr val="tx1"/>
+                </a:solidFill>
+                <a:effectLst/>
+                <a:latin typeface="+mn-lt"/>
+                <a:ea typeface="+mn-ea"/>
+                <a:cs typeface="+mn-cs"/>
+              </a:rPr>
+              <a:t>`)</a:t>
+            </a:r>
+          </a:p>
+          <a:p>
+            <a:pPr marL="171450" marR="0" lvl="0" indent="-171450" algn="l" defTabSz="914400" rtl="0" eaLnBrk="1" fontAlgn="auto" latinLnBrk="0" hangingPunct="1">
+              <a:lnSpc>
+                <a:spcPct val="100000"/>
+              </a:lnSpc>
+              <a:spcBef>
+                <a:spcPts val="0"/>
+              </a:spcBef>
+              <a:spcAft>
+                <a:spcPts val="0"/>
+              </a:spcAft>
+              <a:buClrTx/>
+              <a:buSzTx/>
+              <a:buFontTx/>
+              <a:buChar char="-"/>
+              <a:tabLst/>
+              <a:defRPr/>
+            </a:pPr>
+            <a:r>
+              <a:rPr lang="en-US" sz="1200" b="0" i="0" kern="1200" dirty="0">
+                <a:solidFill>
+                  <a:schemeClr val="tx1"/>
+                </a:solidFill>
+                <a:effectLst/>
+                <a:latin typeface="+mn-lt"/>
+                <a:ea typeface="+mn-ea"/>
+                <a:cs typeface="+mn-cs"/>
+              </a:rPr>
+              <a:t>And we want </a:t>
+            </a:r>
+            <a:r>
+              <a:rPr lang="en-US" sz="1200" b="0" i="0" kern="1200" dirty="0" err="1">
+                <a:solidFill>
+                  <a:schemeClr val="tx1"/>
+                </a:solidFill>
+                <a:effectLst/>
+                <a:latin typeface="+mn-lt"/>
+                <a:ea typeface="+mn-ea"/>
+                <a:cs typeface="+mn-cs"/>
+              </a:rPr>
+              <a:t>createSubscription</a:t>
+            </a:r>
+            <a:r>
+              <a:rPr lang="en-US" sz="1200" b="0" i="0" kern="1200" dirty="0">
+                <a:solidFill>
+                  <a:schemeClr val="tx1"/>
+                </a:solidFill>
+                <a:effectLst/>
+                <a:latin typeface="+mn-lt"/>
+                <a:ea typeface="+mn-ea"/>
+                <a:cs typeface="+mn-cs"/>
+              </a:rPr>
+              <a:t> to reuse this function,</a:t>
+            </a:r>
+            <a:br>
+              <a:rPr lang="en-US" sz="1200" b="0" i="0" kern="1200" dirty="0">
+                <a:solidFill>
+                  <a:schemeClr val="tx1"/>
+                </a:solidFill>
+                <a:effectLst/>
+                <a:latin typeface="+mn-lt"/>
+                <a:ea typeface="+mn-ea"/>
+                <a:cs typeface="+mn-cs"/>
+              </a:rPr>
+            </a:br>
+            <a:r>
+              <a:rPr lang="en-US" sz="1200" b="0" i="0" kern="1200" dirty="0">
+                <a:solidFill>
+                  <a:schemeClr val="tx1"/>
+                </a:solidFill>
+                <a:effectLst/>
+                <a:latin typeface="+mn-lt"/>
+                <a:ea typeface="+mn-ea"/>
+                <a:cs typeface="+mn-cs"/>
+              </a:rPr>
+              <a:t>But how we will handle the variables callback function need to receive?</a:t>
+            </a:r>
+            <a:br>
+              <a:rPr lang="en-US" sz="1200" b="0" i="0" kern="1200" dirty="0">
+                <a:solidFill>
+                  <a:schemeClr val="tx1"/>
+                </a:solidFill>
+                <a:effectLst/>
+                <a:latin typeface="+mn-lt"/>
+                <a:ea typeface="+mn-ea"/>
+                <a:cs typeface="+mn-cs"/>
+              </a:rPr>
+            </a:br>
+            <a:r>
+              <a:rPr lang="en-US" sz="1200" b="0" i="0" kern="1200" dirty="0">
+                <a:solidFill>
+                  <a:schemeClr val="tx1"/>
+                </a:solidFill>
+                <a:effectLst/>
+                <a:latin typeface="+mn-lt"/>
+                <a:ea typeface="+mn-ea"/>
+                <a:cs typeface="+mn-cs"/>
+              </a:rPr>
+              <a:t>Any ideas?</a:t>
+            </a:r>
+          </a:p>
+          <a:p>
+            <a:pPr marL="171450" marR="0" lvl="0" indent="-171450" algn="l" defTabSz="914400" rtl="0" eaLnBrk="1" fontAlgn="auto" latinLnBrk="0" hangingPunct="1">
+              <a:lnSpc>
+                <a:spcPct val="100000"/>
+              </a:lnSpc>
+              <a:spcBef>
+                <a:spcPts val="0"/>
+              </a:spcBef>
+              <a:spcAft>
+                <a:spcPts val="0"/>
+              </a:spcAft>
+              <a:buClrTx/>
+              <a:buSzTx/>
+              <a:buFontTx/>
+              <a:buChar char="-"/>
+              <a:tabLst/>
+              <a:defRPr/>
+            </a:pPr>
+            <a:r>
+              <a:rPr lang="en-US" sz="1200" b="0" i="0" kern="1200" dirty="0">
+                <a:solidFill>
+                  <a:schemeClr val="tx1"/>
+                </a:solidFill>
+                <a:effectLst/>
+                <a:latin typeface="+mn-lt"/>
+                <a:ea typeface="+mn-ea"/>
+                <a:cs typeface="+mn-cs"/>
+              </a:rPr>
+              <a:t>We can create an inner function inside </a:t>
+            </a:r>
+            <a:r>
+              <a:rPr lang="en-US" sz="1200" b="0" i="0" kern="1200" dirty="0" err="1">
+                <a:solidFill>
+                  <a:schemeClr val="tx1"/>
+                </a:solidFill>
+                <a:effectLst/>
+                <a:latin typeface="+mn-lt"/>
+                <a:ea typeface="+mn-ea"/>
+                <a:cs typeface="+mn-cs"/>
+              </a:rPr>
+              <a:t>makePayment</a:t>
+            </a:r>
+            <a:r>
+              <a:rPr lang="en-US" sz="1200" b="0" i="0" kern="1200" dirty="0">
+                <a:solidFill>
+                  <a:schemeClr val="tx1"/>
+                </a:solidFill>
+                <a:effectLst/>
+                <a:latin typeface="+mn-lt"/>
+                <a:ea typeface="+mn-ea"/>
+                <a:cs typeface="+mn-cs"/>
+              </a:rPr>
+              <a:t> &amp; </a:t>
+            </a:r>
+            <a:r>
+              <a:rPr lang="en-US" sz="1200" b="0" i="0" kern="1200" dirty="0" err="1">
+                <a:solidFill>
+                  <a:schemeClr val="tx1"/>
+                </a:solidFill>
+                <a:effectLst/>
+                <a:latin typeface="+mn-lt"/>
+                <a:ea typeface="+mn-ea"/>
+                <a:cs typeface="+mn-cs"/>
+              </a:rPr>
+              <a:t>createSubscription</a:t>
+            </a:r>
+            <a:r>
+              <a:rPr lang="en-US" sz="1200" b="0" i="0" kern="1200" dirty="0">
+                <a:solidFill>
+                  <a:schemeClr val="tx1"/>
+                </a:solidFill>
+                <a:effectLst/>
+                <a:latin typeface="+mn-lt"/>
+                <a:ea typeface="+mn-ea"/>
+                <a:cs typeface="+mn-cs"/>
+              </a:rPr>
+              <a:t>, which not receives any data and invoking the relevant function, because it’s inner function, by using closure behavior the inner function can access the relevant variables.</a:t>
+            </a:r>
+            <a:br>
+              <a:rPr lang="en-US" sz="1200" b="0" i="0" kern="1200" dirty="0">
+                <a:solidFill>
+                  <a:schemeClr val="tx1"/>
+                </a:solidFill>
+                <a:effectLst/>
+                <a:latin typeface="+mn-lt"/>
+                <a:ea typeface="+mn-ea"/>
+                <a:cs typeface="+mn-cs"/>
+              </a:rPr>
+            </a:br>
+            <a:br>
+              <a:rPr lang="en-US" sz="1200" b="0" i="0" kern="1200" dirty="0">
+                <a:solidFill>
+                  <a:schemeClr val="tx1"/>
+                </a:solidFill>
+                <a:effectLst/>
+                <a:latin typeface="+mn-lt"/>
+                <a:ea typeface="+mn-ea"/>
+                <a:cs typeface="+mn-cs"/>
+              </a:rPr>
+            </a:br>
+            <a:r>
+              <a:rPr lang="en-US" sz="1200" b="0" i="0" kern="1200" dirty="0">
+                <a:solidFill>
+                  <a:schemeClr val="tx1"/>
+                </a:solidFill>
+                <a:effectLst/>
+                <a:latin typeface="+mn-lt"/>
+                <a:ea typeface="+mn-ea"/>
+                <a:cs typeface="+mn-cs"/>
+              </a:rPr>
+              <a:t>But what is the problem with this code?</a:t>
+            </a:r>
+            <a:br>
+              <a:rPr lang="en-US" sz="1200" b="0" i="0" kern="1200" dirty="0">
+                <a:solidFill>
+                  <a:schemeClr val="tx1"/>
+                </a:solidFill>
+                <a:effectLst/>
+                <a:latin typeface="+mn-lt"/>
+                <a:ea typeface="+mn-ea"/>
+                <a:cs typeface="+mn-cs"/>
+              </a:rPr>
+            </a:br>
+            <a:r>
+              <a:rPr lang="en-US" sz="1200" b="0" i="0" kern="1200" dirty="0">
+                <a:solidFill>
+                  <a:schemeClr val="tx1"/>
+                </a:solidFill>
+                <a:effectLst/>
+                <a:latin typeface="+mn-lt"/>
+                <a:ea typeface="+mn-ea"/>
+                <a:cs typeface="+mn-cs"/>
+              </a:rPr>
+              <a:t>It’s not clean.</a:t>
+            </a:r>
+            <a:br>
+              <a:rPr lang="en-US" sz="1200" b="0" i="0" kern="1200" dirty="0">
+                <a:solidFill>
+                  <a:schemeClr val="tx1"/>
+                </a:solidFill>
+                <a:effectLst/>
+                <a:latin typeface="+mn-lt"/>
+                <a:ea typeface="+mn-ea"/>
+                <a:cs typeface="+mn-cs"/>
+              </a:rPr>
+            </a:br>
+            <a:r>
+              <a:rPr lang="en-US" sz="1200" b="0" i="0" kern="1200" dirty="0">
+                <a:solidFill>
+                  <a:schemeClr val="tx1"/>
+                </a:solidFill>
+                <a:effectLst/>
+                <a:latin typeface="+mn-lt"/>
+                <a:ea typeface="+mn-ea"/>
+                <a:cs typeface="+mn-cs"/>
+              </a:rPr>
+              <a:t>Can we improve it? Any ideas?</a:t>
+            </a:r>
+          </a:p>
+          <a:p>
+            <a:pPr marL="171450" marR="0" lvl="0" indent="-171450" algn="l" defTabSz="914400" rtl="0" eaLnBrk="1" fontAlgn="auto" latinLnBrk="0" hangingPunct="1">
+              <a:lnSpc>
+                <a:spcPct val="100000"/>
+              </a:lnSpc>
+              <a:spcBef>
+                <a:spcPts val="0"/>
+              </a:spcBef>
+              <a:spcAft>
+                <a:spcPts val="0"/>
+              </a:spcAft>
+              <a:buClrTx/>
+              <a:buSzTx/>
+              <a:buFontTx/>
+              <a:buChar char="-"/>
+              <a:tabLst/>
+              <a:defRPr/>
+            </a:pPr>
+            <a:r>
+              <a:rPr lang="en-US" sz="1200" b="0" i="0" kern="1200" dirty="0">
+                <a:solidFill>
+                  <a:schemeClr val="tx1"/>
+                </a:solidFill>
+                <a:effectLst/>
+                <a:latin typeface="+mn-lt"/>
+                <a:ea typeface="+mn-ea"/>
+                <a:cs typeface="+mn-cs"/>
+              </a:rPr>
+              <a:t>We can use bind and passing the variables the callback function need to receive, bind will create a new function instance with our content and relevant variables we need.</a:t>
+            </a:r>
+          </a:p>
+          <a:p>
+            <a:pPr marL="171450" marR="0" lvl="0" indent="-171450" algn="l" defTabSz="914400" rtl="0" eaLnBrk="1" fontAlgn="auto" latinLnBrk="0" hangingPunct="1">
+              <a:lnSpc>
+                <a:spcPct val="100000"/>
+              </a:lnSpc>
+              <a:spcBef>
+                <a:spcPts val="0"/>
+              </a:spcBef>
+              <a:spcAft>
+                <a:spcPts val="0"/>
+              </a:spcAft>
+              <a:buClrTx/>
+              <a:buSzTx/>
+              <a:buFontTx/>
+              <a:buChar char="-"/>
+              <a:tabLst/>
+              <a:defRPr/>
+            </a:pPr>
+            <a:r>
+              <a:rPr lang="en-US" sz="1200" b="0" i="0" kern="1200" dirty="0">
+                <a:solidFill>
+                  <a:schemeClr val="tx1"/>
+                </a:solidFill>
+                <a:effectLst/>
+                <a:latin typeface="+mn-lt"/>
+                <a:ea typeface="+mn-ea"/>
+                <a:cs typeface="+mn-cs"/>
+              </a:rPr>
+              <a:t>We can improve a little bit also </a:t>
+            </a:r>
+            <a:r>
+              <a:rPr lang="en-US" sz="1200" b="0" i="0" kern="1200" dirty="0" err="1">
+                <a:solidFill>
+                  <a:schemeClr val="tx1"/>
+                </a:solidFill>
+                <a:effectLst/>
+                <a:latin typeface="+mn-lt"/>
+                <a:ea typeface="+mn-ea"/>
+                <a:cs typeface="+mn-cs"/>
+              </a:rPr>
+              <a:t>createAccountCredential</a:t>
+            </a:r>
+            <a:r>
+              <a:rPr lang="en-US" sz="1200" b="0" i="0" kern="1200" dirty="0">
+                <a:solidFill>
+                  <a:schemeClr val="tx1"/>
+                </a:solidFill>
+                <a:effectLst/>
+                <a:latin typeface="+mn-lt"/>
+                <a:ea typeface="+mn-ea"/>
+                <a:cs typeface="+mn-cs"/>
+              </a:rPr>
+              <a:t> by removing arrow function and just putting our callback function</a:t>
+            </a:r>
+          </a:p>
+          <a:p>
+            <a:pPr marL="0" marR="0" lvl="0" indent="0" algn="l" defTabSz="914400" rtl="0" eaLnBrk="1" fontAlgn="auto" latinLnBrk="0" hangingPunct="1">
+              <a:lnSpc>
+                <a:spcPct val="100000"/>
+              </a:lnSpc>
+              <a:spcBef>
+                <a:spcPts val="0"/>
+              </a:spcBef>
+              <a:spcAft>
+                <a:spcPts val="0"/>
+              </a:spcAft>
+              <a:buClrTx/>
+              <a:buSzTx/>
+              <a:buFontTx/>
+              <a:buNone/>
+              <a:tabLst/>
+              <a:defRPr/>
+            </a:pPr>
+            <a:endParaRPr lang="en-US" sz="1200" b="0" i="0" kern="1200" dirty="0">
+              <a:solidFill>
+                <a:schemeClr val="tx1"/>
+              </a:solidFill>
+              <a:effectLst/>
+              <a:latin typeface="+mn-lt"/>
+              <a:ea typeface="+mn-ea"/>
+              <a:cs typeface="+mn-cs"/>
+            </a:endParaRPr>
+          </a:p>
+          <a:p>
+            <a:pPr marL="171450" marR="0" lvl="0" indent="-171450" algn="l" defTabSz="914400" rtl="0" eaLnBrk="1" fontAlgn="auto" latinLnBrk="0" hangingPunct="1">
+              <a:lnSpc>
+                <a:spcPct val="100000"/>
+              </a:lnSpc>
+              <a:spcBef>
+                <a:spcPts val="0"/>
+              </a:spcBef>
+              <a:spcAft>
+                <a:spcPts val="0"/>
+              </a:spcAft>
+              <a:buClrTx/>
+              <a:buSzTx/>
+              <a:buFontTx/>
+              <a:buChar char="-"/>
+              <a:tabLst/>
+              <a:defRPr/>
+            </a:pPr>
+            <a:endParaRPr lang="en-US" sz="1200" b="0" i="0" kern="1200" dirty="0">
+              <a:solidFill>
+                <a:schemeClr val="tx1"/>
+              </a:solidFill>
+              <a:effectLst/>
+              <a:latin typeface="+mn-lt"/>
+              <a:ea typeface="+mn-ea"/>
+              <a:cs typeface="+mn-cs"/>
+            </a:endParaRPr>
+          </a:p>
+          <a:p>
+            <a:pPr marL="171450" marR="0" lvl="0" indent="-171450" algn="l" defTabSz="914400" rtl="0" eaLnBrk="1" fontAlgn="auto" latinLnBrk="0" hangingPunct="1">
+              <a:lnSpc>
+                <a:spcPct val="100000"/>
+              </a:lnSpc>
+              <a:spcBef>
+                <a:spcPts val="0"/>
+              </a:spcBef>
+              <a:spcAft>
+                <a:spcPts val="0"/>
+              </a:spcAft>
+              <a:buClrTx/>
+              <a:buSzTx/>
+              <a:buFontTx/>
+              <a:buChar char="-"/>
+              <a:tabLst/>
+              <a:defRPr/>
+            </a:pPr>
+            <a:endParaRPr lang="en-US" b="0" dirty="0"/>
+          </a:p>
+        </p:txBody>
+      </p:sp>
+      <p:sp>
+        <p:nvSpPr>
+          <p:cNvPr id="4" name="Slide Number Placeholder 3"/>
+          <p:cNvSpPr>
+            <a:spLocks noGrp="1"/>
+          </p:cNvSpPr>
+          <p:nvPr>
+            <p:ph type="sldNum" sz="quarter" idx="10"/>
+          </p:nvPr>
+        </p:nvSpPr>
+        <p:spPr/>
+        <p:txBody>
+          <a:bodyPr/>
+          <a:lstStyle/>
+          <a:p>
+            <a:fld id="{595D0871-5AD0-4670-BDA8-FBE649F625DD}" type="slidenum">
+              <a:rPr lang="he-IL" smtClean="0"/>
+              <a:t>33</a:t>
             </a:fld>
             <a:endParaRPr lang="he-IL"/>
           </a:p>
@@ -24331,7 +24434,7 @@
                   <a:schemeClr val="bg1"/>
                 </a:solidFill>
               </a:rPr>
-              <a:t>Inheritance</a:t>
+              <a:t>Static variable/function</a:t>
             </a:r>
             <a:endParaRPr lang="en-US" altLang="en-US" sz="6000" b="1" dirty="0">
               <a:solidFill>
@@ -24595,7 +24698,7 @@
                   <a:schemeClr val="bg1"/>
                 </a:solidFill>
               </a:rPr>
-              <a:t>Encapsulation - Private variables in class using closure</a:t>
+              <a:t>Inheritance</a:t>
             </a:r>
             <a:endParaRPr lang="en-US" altLang="en-US" sz="6000" b="1" dirty="0">
               <a:solidFill>
@@ -24609,7 +24712,7 @@
     </p:spTree>
     <p:extLst>
       <p:ext uri="{BB962C8B-B14F-4D97-AF65-F5344CB8AC3E}">
-        <p14:creationId xmlns:p14="http://schemas.microsoft.com/office/powerpoint/2010/main" val="3122040661"/>
+        <p14:creationId xmlns:p14="http://schemas.microsoft.com/office/powerpoint/2010/main" val="682920968"/>
       </p:ext>
     </p:extLst>
   </p:cSld>
@@ -24722,6 +24825,138 @@
               </a:spcAft>
             </a:pPr>
             <a:r>
+              <a:rPr lang="en-US" sz="6000" dirty="0">
+                <a:solidFill>
+                  <a:schemeClr val="bg1"/>
+                </a:solidFill>
+              </a:rPr>
+              <a:t>Encapsulation - Private variables in class using closure</a:t>
+            </a:r>
+            <a:endParaRPr lang="en-US" altLang="en-US" sz="6000" b="1" dirty="0">
+              <a:solidFill>
+                <a:schemeClr val="bg1"/>
+              </a:solidFill>
+              <a:latin typeface="Calibri (Body)"/>
+            </a:endParaRPr>
+          </a:p>
+        </p:txBody>
+      </p:sp>
+    </p:spTree>
+    <p:extLst>
+      <p:ext uri="{BB962C8B-B14F-4D97-AF65-F5344CB8AC3E}">
+        <p14:creationId xmlns:p14="http://schemas.microsoft.com/office/powerpoint/2010/main" val="3122040661"/>
+      </p:ext>
+    </p:extLst>
+  </p:cSld>
+  <p:clrMapOvr>
+    <a:masterClrMapping/>
+  </p:clrMapOvr>
+  <mc:AlternateContent xmlns:mc="http://schemas.openxmlformats.org/markup-compatibility/2006" xmlns:p14="http://schemas.microsoft.com/office/powerpoint/2010/main">
+    <mc:Choice Requires="p14">
+      <p:transition spd="med" p14:dur="700">
+        <p:fade/>
+      </p:transition>
+    </mc:Choice>
+    <mc:Fallback xmlns="">
+      <p:transition xmlns:p14="http://schemas.microsoft.com/office/powerpoint/2010/main" spd="med">
+        <p:fade/>
+      </p:transition>
+    </mc:Fallback>
+  </mc:AlternateContent>
+</p:sld>
+</file>
+
+<file path=ppt/slides/slide32.xml><?xml version="1.0" encoding="utf-8"?>
+<p:sld xmlns:a="http://schemas.openxmlformats.org/drawingml/2006/main" xmlns:r="http://schemas.openxmlformats.org/officeDocument/2006/relationships" xmlns:p="http://schemas.openxmlformats.org/presentationml/2006/main">
+  <p:cSld>
+    <p:spTree>
+      <p:nvGrpSpPr>
+        <p:cNvPr id="1" name=""/>
+        <p:cNvGrpSpPr/>
+        <p:nvPr/>
+      </p:nvGrpSpPr>
+      <p:grpSpPr>
+        <a:xfrm>
+          <a:off x="0" y="0"/>
+          <a:ext cx="0" cy="0"/>
+          <a:chOff x="0" y="0"/>
+          <a:chExt cx="0" cy="0"/>
+        </a:xfrm>
+      </p:grpSpPr>
+      <p:sp>
+        <p:nvSpPr>
+          <p:cNvPr id="6" name="Rectangle 5"/>
+          <p:cNvSpPr/>
+          <p:nvPr/>
+        </p:nvSpPr>
+        <p:spPr>
+          <a:xfrm>
+            <a:off x="-215115" y="0"/>
+            <a:ext cx="12407115" cy="6858000"/>
+          </a:xfrm>
+          <a:prstGeom prst="rect">
+            <a:avLst/>
+          </a:prstGeom>
+          <a:solidFill>
+            <a:schemeClr val="accent1">
+              <a:lumMod val="75000"/>
+            </a:schemeClr>
+          </a:solidFill>
+          <a:ln>
+            <a:noFill/>
+          </a:ln>
+        </p:spPr>
+        <p:style>
+          <a:lnRef idx="1">
+            <a:schemeClr val="accent1"/>
+          </a:lnRef>
+          <a:fillRef idx="3">
+            <a:schemeClr val="accent1"/>
+          </a:fillRef>
+          <a:effectRef idx="2">
+            <a:schemeClr val="accent1"/>
+          </a:effectRef>
+          <a:fontRef idx="minor">
+            <a:schemeClr val="lt1"/>
+          </a:fontRef>
+        </p:style>
+        <p:txBody>
+          <a:bodyPr rtlCol="0" anchor="ctr"/>
+          <a:lstStyle/>
+          <a:p>
+            <a:pPr algn="ctr"/>
+            <a:endParaRPr lang="en-US" sz="2400"/>
+          </a:p>
+        </p:txBody>
+      </p:sp>
+      <p:sp>
+        <p:nvSpPr>
+          <p:cNvPr id="24" name="Title 1"/>
+          <p:cNvSpPr>
+            <a:spLocks noGrp="1"/>
+          </p:cNvSpPr>
+          <p:nvPr>
+            <p:ph type="title"/>
+          </p:nvPr>
+        </p:nvSpPr>
+        <p:spPr>
+          <a:xfrm>
+            <a:off x="502042" y="1936377"/>
+            <a:ext cx="10972800" cy="2985246"/>
+          </a:xfrm>
+        </p:spPr>
+        <p:txBody>
+          <a:bodyPr>
+            <a:noAutofit/>
+          </a:bodyPr>
+          <a:lstStyle/>
+          <a:p>
+            <a:pPr algn="ctr" rtl="0" eaLnBrk="0" fontAlgn="base" hangingPunct="0">
+              <a:spcAft>
+                <a:spcPct val="0"/>
+              </a:spcAft>
+            </a:pPr>
+            <a:r>
               <a:rPr lang="en-US" altLang="en-US" sz="6000" dirty="0">
                 <a:solidFill>
                   <a:schemeClr val="bg1"/>
@@ -24758,7 +24993,7 @@
 </p:sld>
 </file>
 
-<file path=ppt/slides/slide32.xml><?xml version="1.0" encoding="utf-8"?>
+<file path=ppt/slides/slide33.xml><?xml version="1.0" encoding="utf-8"?>
 <p:sld xmlns:a="http://schemas.openxmlformats.org/drawingml/2006/main" xmlns:r="http://schemas.openxmlformats.org/officeDocument/2006/relationships" xmlns:p="http://schemas.openxmlformats.org/presentationml/2006/main">
   <p:cSld>
     <p:spTree>
